--- a/resources/group-project-sketches.pptx
+++ b/resources/group-project-sketches.pptx
@@ -4,13 +4,17 @@
   <p:sldMasterIdLst>
     <p:sldMasterId id="2147483648" r:id="rId1"/>
   </p:sldMasterIdLst>
+  <p:notesMasterIdLst>
+    <p:notesMasterId r:id="rId9"/>
+  </p:notesMasterIdLst>
   <p:sldIdLst>
     <p:sldId id="256" r:id="rId2"/>
     <p:sldId id="257" r:id="rId3"/>
-    <p:sldId id="258" r:id="rId4"/>
-    <p:sldId id="259" r:id="rId5"/>
-    <p:sldId id="261" r:id="rId6"/>
-    <p:sldId id="262" r:id="rId7"/>
+    <p:sldId id="263" r:id="rId4"/>
+    <p:sldId id="258" r:id="rId5"/>
+    <p:sldId id="259" r:id="rId6"/>
+    <p:sldId id="261" r:id="rId7"/>
+    <p:sldId id="262" r:id="rId8"/>
   </p:sldIdLst>
   <p:sldSz cx="12192000" cy="6858000"/>
   <p:notesSz cx="6858000" cy="9144000"/>
@@ -118,6 +122,753 @@
 </file>
 
 <file path=ppt/diagrams/colors1.xml><?xml version="1.0" encoding="utf-8"?>
+<dgm:colorsDef xmlns:dgm="http://schemas.openxmlformats.org/drawingml/2006/diagram" xmlns:a="http://schemas.openxmlformats.org/drawingml/2006/main" uniqueId="urn:microsoft.com/office/officeart/2005/8/colors/accent1_2">
+  <dgm:title val=""/>
+  <dgm:desc val=""/>
+  <dgm:catLst>
+    <dgm:cat type="accent1" pri="11200"/>
+  </dgm:catLst>
+  <dgm:styleLbl name="node0">
+    <dgm:fillClrLst meth="repeat">
+      <a:schemeClr val="accent1"/>
+    </dgm:fillClrLst>
+    <dgm:linClrLst meth="repeat">
+      <a:schemeClr val="lt1"/>
+    </dgm:linClrLst>
+    <dgm:effectClrLst/>
+    <dgm:txLinClrLst/>
+    <dgm:txFillClrLst/>
+    <dgm:txEffectClrLst/>
+  </dgm:styleLbl>
+  <dgm:styleLbl name="alignNode1">
+    <dgm:fillClrLst meth="repeat">
+      <a:schemeClr val="accent1"/>
+    </dgm:fillClrLst>
+    <dgm:linClrLst meth="repeat">
+      <a:schemeClr val="accent1"/>
+    </dgm:linClrLst>
+    <dgm:effectClrLst/>
+    <dgm:txLinClrLst/>
+    <dgm:txFillClrLst/>
+    <dgm:txEffectClrLst/>
+  </dgm:styleLbl>
+  <dgm:styleLbl name="node1">
+    <dgm:fillClrLst meth="repeat">
+      <a:schemeClr val="accent1"/>
+    </dgm:fillClrLst>
+    <dgm:linClrLst meth="repeat">
+      <a:schemeClr val="lt1"/>
+    </dgm:linClrLst>
+    <dgm:effectClrLst/>
+    <dgm:txLinClrLst/>
+    <dgm:txFillClrLst/>
+    <dgm:txEffectClrLst/>
+  </dgm:styleLbl>
+  <dgm:styleLbl name="lnNode1">
+    <dgm:fillClrLst meth="repeat">
+      <a:schemeClr val="accent1"/>
+    </dgm:fillClrLst>
+    <dgm:linClrLst meth="repeat">
+      <a:schemeClr val="lt1"/>
+    </dgm:linClrLst>
+    <dgm:effectClrLst/>
+    <dgm:txLinClrLst/>
+    <dgm:txFillClrLst/>
+    <dgm:txEffectClrLst/>
+  </dgm:styleLbl>
+  <dgm:styleLbl name="vennNode1">
+    <dgm:fillClrLst meth="repeat">
+      <a:schemeClr val="accent1">
+        <a:alpha val="50000"/>
+      </a:schemeClr>
+    </dgm:fillClrLst>
+    <dgm:linClrLst meth="repeat">
+      <a:schemeClr val="lt1"/>
+    </dgm:linClrLst>
+    <dgm:effectClrLst/>
+    <dgm:txLinClrLst/>
+    <dgm:txFillClrLst/>
+    <dgm:txEffectClrLst/>
+  </dgm:styleLbl>
+  <dgm:styleLbl name="node2">
+    <dgm:fillClrLst meth="repeat">
+      <a:schemeClr val="accent1"/>
+    </dgm:fillClrLst>
+    <dgm:linClrLst meth="repeat">
+      <a:schemeClr val="lt1"/>
+    </dgm:linClrLst>
+    <dgm:effectClrLst/>
+    <dgm:txLinClrLst/>
+    <dgm:txFillClrLst/>
+    <dgm:txEffectClrLst/>
+  </dgm:styleLbl>
+  <dgm:styleLbl name="node3">
+    <dgm:fillClrLst meth="repeat">
+      <a:schemeClr val="accent1"/>
+    </dgm:fillClrLst>
+    <dgm:linClrLst meth="repeat">
+      <a:schemeClr val="lt1"/>
+    </dgm:linClrLst>
+    <dgm:effectClrLst/>
+    <dgm:txLinClrLst/>
+    <dgm:txFillClrLst/>
+    <dgm:txEffectClrLst/>
+  </dgm:styleLbl>
+  <dgm:styleLbl name="node4">
+    <dgm:fillClrLst meth="repeat">
+      <a:schemeClr val="accent1"/>
+    </dgm:fillClrLst>
+    <dgm:linClrLst meth="repeat">
+      <a:schemeClr val="lt1"/>
+    </dgm:linClrLst>
+    <dgm:effectClrLst/>
+    <dgm:txLinClrLst/>
+    <dgm:txFillClrLst/>
+    <dgm:txEffectClrLst/>
+  </dgm:styleLbl>
+  <dgm:styleLbl name="fgImgPlace1">
+    <dgm:fillClrLst meth="repeat">
+      <a:schemeClr val="accent1">
+        <a:tint val="50000"/>
+      </a:schemeClr>
+    </dgm:fillClrLst>
+    <dgm:linClrLst meth="repeat">
+      <a:schemeClr val="lt1"/>
+    </dgm:linClrLst>
+    <dgm:effectClrLst/>
+    <dgm:txLinClrLst/>
+    <dgm:txFillClrLst meth="repeat">
+      <a:schemeClr val="lt1"/>
+    </dgm:txFillClrLst>
+    <dgm:txEffectClrLst/>
+  </dgm:styleLbl>
+  <dgm:styleLbl name="alignImgPlace1">
+    <dgm:fillClrLst meth="repeat">
+      <a:schemeClr val="accent1">
+        <a:tint val="50000"/>
+      </a:schemeClr>
+    </dgm:fillClrLst>
+    <dgm:linClrLst meth="repeat">
+      <a:schemeClr val="lt1"/>
+    </dgm:linClrLst>
+    <dgm:effectClrLst/>
+    <dgm:txLinClrLst/>
+    <dgm:txFillClrLst meth="repeat">
+      <a:schemeClr val="lt1"/>
+    </dgm:txFillClrLst>
+    <dgm:txEffectClrLst/>
+  </dgm:styleLbl>
+  <dgm:styleLbl name="bgImgPlace1">
+    <dgm:fillClrLst meth="repeat">
+      <a:schemeClr val="accent1">
+        <a:tint val="50000"/>
+      </a:schemeClr>
+    </dgm:fillClrLst>
+    <dgm:linClrLst meth="repeat">
+      <a:schemeClr val="lt1"/>
+    </dgm:linClrLst>
+    <dgm:effectClrLst/>
+    <dgm:txLinClrLst/>
+    <dgm:txFillClrLst meth="repeat">
+      <a:schemeClr val="lt1"/>
+    </dgm:txFillClrLst>
+    <dgm:txEffectClrLst/>
+  </dgm:styleLbl>
+  <dgm:styleLbl name="sibTrans2D1">
+    <dgm:fillClrLst meth="repeat">
+      <a:schemeClr val="accent1">
+        <a:tint val="60000"/>
+      </a:schemeClr>
+    </dgm:fillClrLst>
+    <dgm:linClrLst meth="repeat">
+      <a:schemeClr val="accent1">
+        <a:tint val="60000"/>
+      </a:schemeClr>
+    </dgm:linClrLst>
+    <dgm:effectClrLst/>
+    <dgm:txLinClrLst/>
+    <dgm:txFillClrLst/>
+    <dgm:txEffectClrLst/>
+  </dgm:styleLbl>
+  <dgm:styleLbl name="fgSibTrans2D1">
+    <dgm:fillClrLst meth="repeat">
+      <a:schemeClr val="accent1">
+        <a:tint val="60000"/>
+      </a:schemeClr>
+    </dgm:fillClrLst>
+    <dgm:linClrLst meth="repeat">
+      <a:schemeClr val="accent1">
+        <a:tint val="60000"/>
+      </a:schemeClr>
+    </dgm:linClrLst>
+    <dgm:effectClrLst/>
+    <dgm:txLinClrLst/>
+    <dgm:txFillClrLst/>
+    <dgm:txEffectClrLst/>
+  </dgm:styleLbl>
+  <dgm:styleLbl name="bgSibTrans2D1">
+    <dgm:fillClrLst meth="repeat">
+      <a:schemeClr val="accent1">
+        <a:tint val="60000"/>
+      </a:schemeClr>
+    </dgm:fillClrLst>
+    <dgm:linClrLst meth="repeat">
+      <a:schemeClr val="accent1">
+        <a:tint val="60000"/>
+      </a:schemeClr>
+    </dgm:linClrLst>
+    <dgm:effectClrLst/>
+    <dgm:txLinClrLst/>
+    <dgm:txFillClrLst/>
+    <dgm:txEffectClrLst/>
+  </dgm:styleLbl>
+  <dgm:styleLbl name="sibTrans1D1">
+    <dgm:fillClrLst meth="repeat">
+      <a:schemeClr val="accent1"/>
+    </dgm:fillClrLst>
+    <dgm:linClrLst meth="repeat">
+      <a:schemeClr val="accent1"/>
+    </dgm:linClrLst>
+    <dgm:effectClrLst/>
+    <dgm:txLinClrLst/>
+    <dgm:txFillClrLst meth="repeat">
+      <a:schemeClr val="tx1"/>
+    </dgm:txFillClrLst>
+    <dgm:txEffectClrLst/>
+  </dgm:styleLbl>
+  <dgm:styleLbl name="callout">
+    <dgm:fillClrLst meth="repeat">
+      <a:schemeClr val="accent1"/>
+    </dgm:fillClrLst>
+    <dgm:linClrLst meth="repeat">
+      <a:schemeClr val="accent1">
+        <a:tint val="50000"/>
+      </a:schemeClr>
+    </dgm:linClrLst>
+    <dgm:effectClrLst/>
+    <dgm:txLinClrLst/>
+    <dgm:txFillClrLst meth="repeat">
+      <a:schemeClr val="tx1"/>
+    </dgm:txFillClrLst>
+    <dgm:txEffectClrLst/>
+  </dgm:styleLbl>
+  <dgm:styleLbl name="asst0">
+    <dgm:fillClrLst meth="repeat">
+      <a:schemeClr val="accent1"/>
+    </dgm:fillClrLst>
+    <dgm:linClrLst meth="repeat">
+      <a:schemeClr val="lt1"/>
+    </dgm:linClrLst>
+    <dgm:effectClrLst/>
+    <dgm:txLinClrLst/>
+    <dgm:txFillClrLst/>
+    <dgm:txEffectClrLst/>
+  </dgm:styleLbl>
+  <dgm:styleLbl name="asst1">
+    <dgm:fillClrLst meth="repeat">
+      <a:schemeClr val="accent1"/>
+    </dgm:fillClrLst>
+    <dgm:linClrLst meth="repeat">
+      <a:schemeClr val="lt1"/>
+    </dgm:linClrLst>
+    <dgm:effectClrLst/>
+    <dgm:txLinClrLst/>
+    <dgm:txFillClrLst/>
+    <dgm:txEffectClrLst/>
+  </dgm:styleLbl>
+  <dgm:styleLbl name="asst2">
+    <dgm:fillClrLst meth="repeat">
+      <a:schemeClr val="accent1"/>
+    </dgm:fillClrLst>
+    <dgm:linClrLst meth="repeat">
+      <a:schemeClr val="lt1"/>
+    </dgm:linClrLst>
+    <dgm:effectClrLst/>
+    <dgm:txLinClrLst/>
+    <dgm:txFillClrLst/>
+    <dgm:txEffectClrLst/>
+  </dgm:styleLbl>
+  <dgm:styleLbl name="asst3">
+    <dgm:fillClrLst meth="repeat">
+      <a:schemeClr val="accent1"/>
+    </dgm:fillClrLst>
+    <dgm:linClrLst meth="repeat">
+      <a:schemeClr val="lt1"/>
+    </dgm:linClrLst>
+    <dgm:effectClrLst/>
+    <dgm:txLinClrLst/>
+    <dgm:txFillClrLst/>
+    <dgm:txEffectClrLst/>
+  </dgm:styleLbl>
+  <dgm:styleLbl name="asst4">
+    <dgm:fillClrLst meth="repeat">
+      <a:schemeClr val="accent1"/>
+    </dgm:fillClrLst>
+    <dgm:linClrLst meth="repeat">
+      <a:schemeClr val="lt1"/>
+    </dgm:linClrLst>
+    <dgm:effectClrLst/>
+    <dgm:txLinClrLst/>
+    <dgm:txFillClrLst/>
+    <dgm:txEffectClrLst/>
+  </dgm:styleLbl>
+  <dgm:styleLbl name="parChTrans2D1">
+    <dgm:fillClrLst meth="repeat">
+      <a:schemeClr val="accent1">
+        <a:tint val="60000"/>
+      </a:schemeClr>
+    </dgm:fillClrLst>
+    <dgm:linClrLst meth="repeat">
+      <a:schemeClr val="accent1">
+        <a:tint val="60000"/>
+      </a:schemeClr>
+    </dgm:linClrLst>
+    <dgm:effectClrLst/>
+    <dgm:txLinClrLst/>
+    <dgm:txFillClrLst meth="repeat">
+      <a:schemeClr val="lt1"/>
+    </dgm:txFillClrLst>
+    <dgm:txEffectClrLst/>
+  </dgm:styleLbl>
+  <dgm:styleLbl name="parChTrans2D2">
+    <dgm:fillClrLst meth="repeat">
+      <a:schemeClr val="accent1"/>
+    </dgm:fillClrLst>
+    <dgm:linClrLst meth="repeat">
+      <a:schemeClr val="accent1"/>
+    </dgm:linClrLst>
+    <dgm:effectClrLst/>
+    <dgm:txLinClrLst/>
+    <dgm:txFillClrLst meth="repeat">
+      <a:schemeClr val="lt1"/>
+    </dgm:txFillClrLst>
+    <dgm:txEffectClrLst/>
+  </dgm:styleLbl>
+  <dgm:styleLbl name="parChTrans2D3">
+    <dgm:fillClrLst meth="repeat">
+      <a:schemeClr val="accent1"/>
+    </dgm:fillClrLst>
+    <dgm:linClrLst meth="repeat">
+      <a:schemeClr val="accent1"/>
+    </dgm:linClrLst>
+    <dgm:effectClrLst/>
+    <dgm:txLinClrLst/>
+    <dgm:txFillClrLst meth="repeat">
+      <a:schemeClr val="lt1"/>
+    </dgm:txFillClrLst>
+    <dgm:txEffectClrLst/>
+  </dgm:styleLbl>
+  <dgm:styleLbl name="parChTrans2D4">
+    <dgm:fillClrLst meth="repeat">
+      <a:schemeClr val="accent1"/>
+    </dgm:fillClrLst>
+    <dgm:linClrLst meth="repeat">
+      <a:schemeClr val="accent1"/>
+    </dgm:linClrLst>
+    <dgm:effectClrLst/>
+    <dgm:txLinClrLst/>
+    <dgm:txFillClrLst meth="repeat">
+      <a:schemeClr val="lt1"/>
+    </dgm:txFillClrLst>
+    <dgm:txEffectClrLst/>
+  </dgm:styleLbl>
+  <dgm:styleLbl name="parChTrans1D1">
+    <dgm:fillClrLst meth="repeat">
+      <a:schemeClr val="accent1"/>
+    </dgm:fillClrLst>
+    <dgm:linClrLst meth="repeat">
+      <a:schemeClr val="accent1">
+        <a:shade val="60000"/>
+      </a:schemeClr>
+    </dgm:linClrLst>
+    <dgm:effectClrLst/>
+    <dgm:txLinClrLst/>
+    <dgm:txFillClrLst meth="repeat">
+      <a:schemeClr val="tx1"/>
+    </dgm:txFillClrLst>
+    <dgm:txEffectClrLst/>
+  </dgm:styleLbl>
+  <dgm:styleLbl name="parChTrans1D2">
+    <dgm:fillClrLst meth="repeat">
+      <a:schemeClr val="accent1"/>
+    </dgm:fillClrLst>
+    <dgm:linClrLst meth="repeat">
+      <a:schemeClr val="accent1">
+        <a:shade val="60000"/>
+      </a:schemeClr>
+    </dgm:linClrLst>
+    <dgm:effectClrLst/>
+    <dgm:txLinClrLst/>
+    <dgm:txFillClrLst meth="repeat">
+      <a:schemeClr val="tx1"/>
+    </dgm:txFillClrLst>
+    <dgm:txEffectClrLst/>
+  </dgm:styleLbl>
+  <dgm:styleLbl name="parChTrans1D3">
+    <dgm:fillClrLst meth="repeat">
+      <a:schemeClr val="accent1"/>
+    </dgm:fillClrLst>
+    <dgm:linClrLst meth="repeat">
+      <a:schemeClr val="accent1">
+        <a:shade val="80000"/>
+      </a:schemeClr>
+    </dgm:linClrLst>
+    <dgm:effectClrLst/>
+    <dgm:txLinClrLst/>
+    <dgm:txFillClrLst meth="repeat">
+      <a:schemeClr val="tx1"/>
+    </dgm:txFillClrLst>
+    <dgm:txEffectClrLst/>
+  </dgm:styleLbl>
+  <dgm:styleLbl name="parChTrans1D4">
+    <dgm:fillClrLst meth="repeat">
+      <a:schemeClr val="accent1"/>
+    </dgm:fillClrLst>
+    <dgm:linClrLst meth="repeat">
+      <a:schemeClr val="accent1">
+        <a:shade val="80000"/>
+      </a:schemeClr>
+    </dgm:linClrLst>
+    <dgm:effectClrLst/>
+    <dgm:txLinClrLst/>
+    <dgm:txFillClrLst meth="repeat">
+      <a:schemeClr val="tx1"/>
+    </dgm:txFillClrLst>
+    <dgm:txEffectClrLst/>
+  </dgm:styleLbl>
+  <dgm:styleLbl name="fgAcc1">
+    <dgm:fillClrLst meth="repeat">
+      <a:schemeClr val="lt1">
+        <a:alpha val="90000"/>
+      </a:schemeClr>
+    </dgm:fillClrLst>
+    <dgm:linClrLst meth="repeat">
+      <a:schemeClr val="accent1"/>
+    </dgm:linClrLst>
+    <dgm:effectClrLst/>
+    <dgm:txLinClrLst/>
+    <dgm:txFillClrLst meth="repeat">
+      <a:schemeClr val="dk1"/>
+    </dgm:txFillClrLst>
+    <dgm:txEffectClrLst/>
+  </dgm:styleLbl>
+  <dgm:styleLbl name="conFgAcc1">
+    <dgm:fillClrLst meth="repeat">
+      <a:schemeClr val="lt1">
+        <a:alpha val="90000"/>
+      </a:schemeClr>
+    </dgm:fillClrLst>
+    <dgm:linClrLst meth="repeat">
+      <a:schemeClr val="accent1"/>
+    </dgm:linClrLst>
+    <dgm:effectClrLst/>
+    <dgm:txLinClrLst/>
+    <dgm:txFillClrLst meth="repeat">
+      <a:schemeClr val="dk1"/>
+    </dgm:txFillClrLst>
+    <dgm:txEffectClrLst/>
+  </dgm:styleLbl>
+  <dgm:styleLbl name="alignAcc1">
+    <dgm:fillClrLst meth="repeat">
+      <a:schemeClr val="lt1">
+        <a:alpha val="90000"/>
+      </a:schemeClr>
+    </dgm:fillClrLst>
+    <dgm:linClrLst meth="repeat">
+      <a:schemeClr val="accent1"/>
+    </dgm:linClrLst>
+    <dgm:effectClrLst/>
+    <dgm:txLinClrLst/>
+    <dgm:txFillClrLst meth="repeat">
+      <a:schemeClr val="dk1"/>
+    </dgm:txFillClrLst>
+    <dgm:txEffectClrLst/>
+  </dgm:styleLbl>
+  <dgm:styleLbl name="trAlignAcc1">
+    <dgm:fillClrLst meth="repeat">
+      <a:schemeClr val="lt1">
+        <a:alpha val="40000"/>
+      </a:schemeClr>
+    </dgm:fillClrLst>
+    <dgm:linClrLst meth="repeat">
+      <a:schemeClr val="accent1"/>
+    </dgm:linClrLst>
+    <dgm:effectClrLst/>
+    <dgm:txLinClrLst/>
+    <dgm:txFillClrLst meth="repeat">
+      <a:schemeClr val="dk1"/>
+    </dgm:txFillClrLst>
+    <dgm:txEffectClrLst/>
+  </dgm:styleLbl>
+  <dgm:styleLbl name="bgAcc1">
+    <dgm:fillClrLst meth="repeat">
+      <a:schemeClr val="lt1">
+        <a:alpha val="90000"/>
+      </a:schemeClr>
+    </dgm:fillClrLst>
+    <dgm:linClrLst meth="repeat">
+      <a:schemeClr val="accent1"/>
+    </dgm:linClrLst>
+    <dgm:effectClrLst/>
+    <dgm:txLinClrLst/>
+    <dgm:txFillClrLst meth="repeat">
+      <a:schemeClr val="dk1"/>
+    </dgm:txFillClrLst>
+    <dgm:txEffectClrLst/>
+  </dgm:styleLbl>
+  <dgm:styleLbl name="solidFgAcc1">
+    <dgm:fillClrLst meth="repeat">
+      <a:schemeClr val="lt1"/>
+    </dgm:fillClrLst>
+    <dgm:linClrLst meth="repeat">
+      <a:schemeClr val="accent1"/>
+    </dgm:linClrLst>
+    <dgm:effectClrLst/>
+    <dgm:txLinClrLst/>
+    <dgm:txFillClrLst meth="repeat">
+      <a:schemeClr val="dk1"/>
+    </dgm:txFillClrLst>
+    <dgm:txEffectClrLst/>
+  </dgm:styleLbl>
+  <dgm:styleLbl name="solidAlignAcc1">
+    <dgm:fillClrLst meth="repeat">
+      <a:schemeClr val="lt1"/>
+    </dgm:fillClrLst>
+    <dgm:linClrLst meth="repeat">
+      <a:schemeClr val="accent1"/>
+    </dgm:linClrLst>
+    <dgm:effectClrLst/>
+    <dgm:txLinClrLst/>
+    <dgm:txFillClrLst meth="repeat">
+      <a:schemeClr val="dk1"/>
+    </dgm:txFillClrLst>
+    <dgm:txEffectClrLst/>
+  </dgm:styleLbl>
+  <dgm:styleLbl name="solidBgAcc1">
+    <dgm:fillClrLst meth="repeat">
+      <a:schemeClr val="lt1"/>
+    </dgm:fillClrLst>
+    <dgm:linClrLst meth="repeat">
+      <a:schemeClr val="accent1"/>
+    </dgm:linClrLst>
+    <dgm:effectClrLst/>
+    <dgm:txLinClrLst/>
+    <dgm:txFillClrLst meth="repeat">
+      <a:schemeClr val="dk1"/>
+    </dgm:txFillClrLst>
+    <dgm:txEffectClrLst/>
+  </dgm:styleLbl>
+  <dgm:styleLbl name="fgAccFollowNode1">
+    <dgm:fillClrLst meth="repeat">
+      <a:schemeClr val="accent1">
+        <a:alpha val="90000"/>
+        <a:tint val="40000"/>
+      </a:schemeClr>
+    </dgm:fillClrLst>
+    <dgm:linClrLst meth="repeat">
+      <a:schemeClr val="accent1">
+        <a:alpha val="90000"/>
+        <a:tint val="40000"/>
+      </a:schemeClr>
+    </dgm:linClrLst>
+    <dgm:effectClrLst/>
+    <dgm:txLinClrLst/>
+    <dgm:txFillClrLst meth="repeat">
+      <a:schemeClr val="dk1"/>
+    </dgm:txFillClrLst>
+    <dgm:txEffectClrLst/>
+  </dgm:styleLbl>
+  <dgm:styleLbl name="alignAccFollowNode1">
+    <dgm:fillClrLst meth="repeat">
+      <a:schemeClr val="accent1">
+        <a:alpha val="90000"/>
+        <a:tint val="40000"/>
+      </a:schemeClr>
+    </dgm:fillClrLst>
+    <dgm:linClrLst meth="repeat">
+      <a:schemeClr val="accent1">
+        <a:alpha val="90000"/>
+        <a:tint val="40000"/>
+      </a:schemeClr>
+    </dgm:linClrLst>
+    <dgm:effectClrLst/>
+    <dgm:txLinClrLst/>
+    <dgm:txFillClrLst meth="repeat">
+      <a:schemeClr val="dk1"/>
+    </dgm:txFillClrLst>
+    <dgm:txEffectClrLst/>
+  </dgm:styleLbl>
+  <dgm:styleLbl name="bgAccFollowNode1">
+    <dgm:fillClrLst meth="repeat">
+      <a:schemeClr val="accent1">
+        <a:alpha val="90000"/>
+        <a:tint val="40000"/>
+      </a:schemeClr>
+    </dgm:fillClrLst>
+    <dgm:linClrLst meth="repeat">
+      <a:schemeClr val="accent1">
+        <a:alpha val="90000"/>
+        <a:tint val="40000"/>
+      </a:schemeClr>
+    </dgm:linClrLst>
+    <dgm:effectClrLst/>
+    <dgm:txLinClrLst/>
+    <dgm:txFillClrLst meth="repeat">
+      <a:schemeClr val="dk1"/>
+    </dgm:txFillClrLst>
+    <dgm:txEffectClrLst/>
+  </dgm:styleLbl>
+  <dgm:styleLbl name="fgAcc0">
+    <dgm:fillClrLst meth="repeat">
+      <a:schemeClr val="lt1">
+        <a:alpha val="90000"/>
+      </a:schemeClr>
+    </dgm:fillClrLst>
+    <dgm:linClrLst meth="repeat">
+      <a:schemeClr val="accent1"/>
+    </dgm:linClrLst>
+    <dgm:effectClrLst/>
+    <dgm:txLinClrLst/>
+    <dgm:txFillClrLst meth="repeat">
+      <a:schemeClr val="dk1"/>
+    </dgm:txFillClrLst>
+    <dgm:txEffectClrLst/>
+  </dgm:styleLbl>
+  <dgm:styleLbl name="fgAcc2">
+    <dgm:fillClrLst meth="repeat">
+      <a:schemeClr val="lt1">
+        <a:alpha val="90000"/>
+      </a:schemeClr>
+    </dgm:fillClrLst>
+    <dgm:linClrLst meth="repeat">
+      <a:schemeClr val="accent1"/>
+    </dgm:linClrLst>
+    <dgm:effectClrLst/>
+    <dgm:txLinClrLst/>
+    <dgm:txFillClrLst meth="repeat">
+      <a:schemeClr val="dk1"/>
+    </dgm:txFillClrLst>
+    <dgm:txEffectClrLst/>
+  </dgm:styleLbl>
+  <dgm:styleLbl name="fgAcc3">
+    <dgm:fillClrLst meth="repeat">
+      <a:schemeClr val="lt1">
+        <a:alpha val="90000"/>
+      </a:schemeClr>
+    </dgm:fillClrLst>
+    <dgm:linClrLst meth="repeat">
+      <a:schemeClr val="accent1"/>
+    </dgm:linClrLst>
+    <dgm:effectClrLst/>
+    <dgm:txLinClrLst/>
+    <dgm:txFillClrLst meth="repeat">
+      <a:schemeClr val="dk1"/>
+    </dgm:txFillClrLst>
+    <dgm:txEffectClrLst/>
+  </dgm:styleLbl>
+  <dgm:styleLbl name="fgAcc4">
+    <dgm:fillClrLst meth="repeat">
+      <a:schemeClr val="lt1">
+        <a:alpha val="90000"/>
+      </a:schemeClr>
+    </dgm:fillClrLst>
+    <dgm:linClrLst meth="repeat">
+      <a:schemeClr val="accent1"/>
+    </dgm:linClrLst>
+    <dgm:effectClrLst/>
+    <dgm:txLinClrLst/>
+    <dgm:txFillClrLst meth="repeat">
+      <a:schemeClr val="dk1"/>
+    </dgm:txFillClrLst>
+    <dgm:txEffectClrLst/>
+  </dgm:styleLbl>
+  <dgm:styleLbl name="bgShp">
+    <dgm:fillClrLst meth="repeat">
+      <a:schemeClr val="accent1">
+        <a:tint val="40000"/>
+      </a:schemeClr>
+    </dgm:fillClrLst>
+    <dgm:linClrLst meth="repeat">
+      <a:schemeClr val="accent1"/>
+    </dgm:linClrLst>
+    <dgm:effectClrLst/>
+    <dgm:txLinClrLst/>
+    <dgm:txFillClrLst meth="repeat">
+      <a:schemeClr val="dk1"/>
+    </dgm:txFillClrLst>
+    <dgm:txEffectClrLst/>
+  </dgm:styleLbl>
+  <dgm:styleLbl name="dkBgShp">
+    <dgm:fillClrLst meth="repeat">
+      <a:schemeClr val="accent1">
+        <a:shade val="80000"/>
+      </a:schemeClr>
+    </dgm:fillClrLst>
+    <dgm:linClrLst meth="repeat">
+      <a:schemeClr val="accent1"/>
+    </dgm:linClrLst>
+    <dgm:effectClrLst/>
+    <dgm:txLinClrLst/>
+    <dgm:txFillClrLst meth="repeat">
+      <a:schemeClr val="lt1"/>
+    </dgm:txFillClrLst>
+    <dgm:txEffectClrLst/>
+  </dgm:styleLbl>
+  <dgm:styleLbl name="trBgShp">
+    <dgm:fillClrLst meth="repeat">
+      <a:schemeClr val="accent1">
+        <a:tint val="50000"/>
+        <a:alpha val="40000"/>
+      </a:schemeClr>
+    </dgm:fillClrLst>
+    <dgm:linClrLst meth="repeat">
+      <a:schemeClr val="accent1"/>
+    </dgm:linClrLst>
+    <dgm:effectClrLst/>
+    <dgm:txLinClrLst/>
+    <dgm:txFillClrLst meth="repeat">
+      <a:schemeClr val="lt1"/>
+    </dgm:txFillClrLst>
+    <dgm:txEffectClrLst/>
+  </dgm:styleLbl>
+  <dgm:styleLbl name="fgShp">
+    <dgm:fillClrLst meth="repeat">
+      <a:schemeClr val="accent1">
+        <a:tint val="60000"/>
+      </a:schemeClr>
+    </dgm:fillClrLst>
+    <dgm:linClrLst meth="repeat">
+      <a:schemeClr val="lt1"/>
+    </dgm:linClrLst>
+    <dgm:effectClrLst/>
+    <dgm:txLinClrLst/>
+    <dgm:txFillClrLst meth="repeat">
+      <a:schemeClr val="dk1"/>
+    </dgm:txFillClrLst>
+    <dgm:txEffectClrLst/>
+  </dgm:styleLbl>
+  <dgm:styleLbl name="revTx">
+    <dgm:fillClrLst meth="repeat">
+      <a:schemeClr val="lt1">
+        <a:alpha val="0"/>
+      </a:schemeClr>
+    </dgm:fillClrLst>
+    <dgm:linClrLst meth="repeat">
+      <a:schemeClr val="dk1">
+        <a:alpha val="0"/>
+      </a:schemeClr>
+    </dgm:linClrLst>
+    <dgm:effectClrLst/>
+    <dgm:txLinClrLst/>
+    <dgm:txFillClrLst meth="repeat">
+      <a:schemeClr val="tx1"/>
+    </dgm:txFillClrLst>
+    <dgm:txEffectClrLst/>
+  </dgm:styleLbl>
+</dgm:colorsDef>
+</file>
+
+<file path=ppt/diagrams/colors2.xml><?xml version="1.0" encoding="utf-8"?>
 <dgm:colorsDef xmlns:dgm="http://schemas.openxmlformats.org/drawingml/2006/diagram" xmlns:a="http://schemas.openxmlformats.org/drawingml/2006/main" uniqueId="urn:microsoft.com/office/officeart/2005/8/colors/accent1_2">
   <dgm:title val=""/>
   <dgm:desc val=""/>
@@ -1595,7 +2346,612 @@
   <dgm:whole/>
   <dgm:extLst>
     <a:ext uri="http://schemas.microsoft.com/office/drawing/2008/diagram">
-      <dsp:dataModelExt xmlns:dsp="http://schemas.microsoft.com/office/drawing/2008/diagram" relId="rId6" minVer="http://schemas.openxmlformats.org/drawingml/2006/diagram"/>
+      <dsp:dataModelExt xmlns:dsp="http://schemas.microsoft.com/office/drawing/2008/diagram" relId="rId7" minVer="http://schemas.openxmlformats.org/drawingml/2006/diagram"/>
+    </a:ext>
+  </dgm:extLst>
+</dgm:dataModel>
+</file>
+
+<file path=ppt/diagrams/data2.xml><?xml version="1.0" encoding="utf-8"?>
+<dgm:dataModel xmlns:dgm="http://schemas.openxmlformats.org/drawingml/2006/diagram" xmlns:a="http://schemas.openxmlformats.org/drawingml/2006/main">
+  <dgm:ptLst>
+    <dgm:pt modelId="{51E2835D-7559-4EE5-BDB8-4922EA645C4F}" type="doc">
+      <dgm:prSet loTypeId="urn:microsoft.com/office/officeart/2009/layout/CirclePictureHierarchy" loCatId="hierarchy" qsTypeId="urn:microsoft.com/office/officeart/2005/8/quickstyle/simple1" qsCatId="simple" csTypeId="urn:microsoft.com/office/officeart/2005/8/colors/accent1_2" csCatId="accent1" phldr="1"/>
+      <dgm:spPr/>
+      <dgm:t>
+        <a:bodyPr/>
+        <a:lstStyle/>
+        <a:p>
+          <a:endParaRPr lang="en-US"/>
+        </a:p>
+      </dgm:t>
+    </dgm:pt>
+    <dgm:pt modelId="{393E2CA9-DE21-48E1-B389-2734D3A09E41}">
+      <dgm:prSet phldrT="[Text]"/>
+      <dgm:spPr/>
+      <dgm:t>
+        <a:bodyPr/>
+        <a:lstStyle/>
+        <a:p>
+          <a:r>
+            <a:rPr lang="en-US" dirty="0" smtClean="0"/>
+            <a:t>Home</a:t>
+          </a:r>
+          <a:endParaRPr lang="en-US" dirty="0"/>
+        </a:p>
+      </dgm:t>
+    </dgm:pt>
+    <dgm:pt modelId="{EFD50E91-C8EA-4C6A-8717-82271DC1C044}" type="parTrans" cxnId="{E9BAB5A5-CD9E-4678-855A-1B4A8A4BCD18}">
+      <dgm:prSet/>
+      <dgm:spPr/>
+      <dgm:t>
+        <a:bodyPr/>
+        <a:lstStyle/>
+        <a:p>
+          <a:endParaRPr lang="en-US"/>
+        </a:p>
+      </dgm:t>
+    </dgm:pt>
+    <dgm:pt modelId="{120D078B-A73A-49D1-A7F8-A7B7F015D9E2}" type="sibTrans" cxnId="{E9BAB5A5-CD9E-4678-855A-1B4A8A4BCD18}">
+      <dgm:prSet/>
+      <dgm:spPr/>
+      <dgm:t>
+        <a:bodyPr/>
+        <a:lstStyle/>
+        <a:p>
+          <a:endParaRPr lang="en-US"/>
+        </a:p>
+      </dgm:t>
+    </dgm:pt>
+    <dgm:pt modelId="{4FD171AD-92F4-4344-BD63-700FF70EC435}">
+      <dgm:prSet phldrT="[Text]"/>
+      <dgm:spPr/>
+      <dgm:t>
+        <a:bodyPr/>
+        <a:lstStyle/>
+        <a:p>
+          <a:r>
+            <a:rPr lang="en-US" dirty="0" smtClean="0"/>
+            <a:t>Classes</a:t>
+          </a:r>
+          <a:endParaRPr lang="en-US" dirty="0"/>
+        </a:p>
+      </dgm:t>
+    </dgm:pt>
+    <dgm:pt modelId="{64BA4B93-23B0-4AB3-AC2B-37975ECF3128}" type="parTrans" cxnId="{41744229-ABF7-4927-978B-68B4302D3B16}">
+      <dgm:prSet/>
+      <dgm:spPr/>
+      <dgm:t>
+        <a:bodyPr/>
+        <a:lstStyle/>
+        <a:p>
+          <a:endParaRPr lang="en-US"/>
+        </a:p>
+      </dgm:t>
+    </dgm:pt>
+    <dgm:pt modelId="{1533C989-F4DE-4E19-A2DE-5BEC4D5EC403}" type="sibTrans" cxnId="{41744229-ABF7-4927-978B-68B4302D3B16}">
+      <dgm:prSet/>
+      <dgm:spPr/>
+      <dgm:t>
+        <a:bodyPr/>
+        <a:lstStyle/>
+        <a:p>
+          <a:endParaRPr lang="en-US"/>
+        </a:p>
+      </dgm:t>
+    </dgm:pt>
+    <dgm:pt modelId="{93005DCE-65C7-4638-95BA-ACC8B30C08B3}">
+      <dgm:prSet phldrT="[Text]"/>
+      <dgm:spPr/>
+      <dgm:t>
+        <a:bodyPr/>
+        <a:lstStyle/>
+        <a:p>
+          <a:r>
+            <a:rPr lang="en-US" dirty="0" smtClean="0"/>
+            <a:t>Private Lessons</a:t>
+          </a:r>
+          <a:endParaRPr lang="en-US" dirty="0"/>
+        </a:p>
+      </dgm:t>
+    </dgm:pt>
+    <dgm:pt modelId="{7F43A3C7-A3C9-4A8E-98EB-6E7B1871DDA4}" type="parTrans" cxnId="{06B99BF5-51BD-4280-9643-7A9B0BE86125}">
+      <dgm:prSet/>
+      <dgm:spPr/>
+      <dgm:t>
+        <a:bodyPr/>
+        <a:lstStyle/>
+        <a:p>
+          <a:endParaRPr lang="en-US"/>
+        </a:p>
+      </dgm:t>
+    </dgm:pt>
+    <dgm:pt modelId="{C7EEC052-33AD-42F8-B93A-ECDB3589C57E}" type="sibTrans" cxnId="{06B99BF5-51BD-4280-9643-7A9B0BE86125}">
+      <dgm:prSet/>
+      <dgm:spPr/>
+      <dgm:t>
+        <a:bodyPr/>
+        <a:lstStyle/>
+        <a:p>
+          <a:endParaRPr lang="en-US"/>
+        </a:p>
+      </dgm:t>
+    </dgm:pt>
+    <dgm:pt modelId="{2B4FBA5E-6BB2-4EBF-AB29-75C7E8AC66CE}">
+      <dgm:prSet phldrT="[Text]"/>
+      <dgm:spPr/>
+      <dgm:t>
+        <a:bodyPr/>
+        <a:lstStyle/>
+        <a:p>
+          <a:r>
+            <a:rPr lang="en-US" dirty="0" smtClean="0"/>
+            <a:t>About (Maybe "Who We Are")</a:t>
+          </a:r>
+        </a:p>
+      </dgm:t>
+    </dgm:pt>
+    <dgm:pt modelId="{B1E583B3-5C60-4700-81F1-C1ABCA0D17BF}" type="parTrans" cxnId="{E335D243-7560-4D64-849A-00FFF5391B93}">
+      <dgm:prSet/>
+      <dgm:spPr/>
+      <dgm:t>
+        <a:bodyPr/>
+        <a:lstStyle/>
+        <a:p>
+          <a:endParaRPr lang="en-US"/>
+        </a:p>
+      </dgm:t>
+    </dgm:pt>
+    <dgm:pt modelId="{45610498-6676-490D-BADA-C27C45D3B651}" type="sibTrans" cxnId="{E335D243-7560-4D64-849A-00FFF5391B93}">
+      <dgm:prSet/>
+      <dgm:spPr/>
+      <dgm:t>
+        <a:bodyPr/>
+        <a:lstStyle/>
+        <a:p>
+          <a:endParaRPr lang="en-US"/>
+        </a:p>
+      </dgm:t>
+    </dgm:pt>
+    <dgm:pt modelId="{8BA29231-86AB-4378-B631-DF639BF828C3}">
+      <dgm:prSet phldrT="[Text]"/>
+      <dgm:spPr/>
+      <dgm:t>
+        <a:bodyPr/>
+        <a:lstStyle/>
+        <a:p>
+          <a:r>
+            <a:rPr lang="en-US" dirty="0" smtClean="0"/>
+            <a:t>Services (Maybe "What We Offer")</a:t>
+          </a:r>
+          <a:endParaRPr lang="en-US" dirty="0"/>
+        </a:p>
+      </dgm:t>
+    </dgm:pt>
+    <dgm:pt modelId="{F0BB6088-E650-44CC-9EA6-A909C983943D}" type="parTrans" cxnId="{EBF6EFC4-7C1E-4DCA-8F95-8B82925EC711}">
+      <dgm:prSet/>
+      <dgm:spPr/>
+      <dgm:t>
+        <a:bodyPr/>
+        <a:lstStyle/>
+        <a:p>
+          <a:endParaRPr lang="en-US"/>
+        </a:p>
+      </dgm:t>
+    </dgm:pt>
+    <dgm:pt modelId="{2FBB38FE-DCDE-45C1-865E-27638CA4F8EC}" type="sibTrans" cxnId="{EBF6EFC4-7C1E-4DCA-8F95-8B82925EC711}">
+      <dgm:prSet/>
+      <dgm:spPr/>
+      <dgm:t>
+        <a:bodyPr/>
+        <a:lstStyle/>
+        <a:p>
+          <a:endParaRPr lang="en-US"/>
+        </a:p>
+      </dgm:t>
+    </dgm:pt>
+    <dgm:pt modelId="{B122F3DA-6CC5-465F-AF1B-AD1E90948245}">
+      <dgm:prSet phldrT="[Text]"/>
+      <dgm:spPr/>
+      <dgm:t>
+        <a:bodyPr/>
+        <a:lstStyle/>
+        <a:p>
+          <a:r>
+            <a:rPr lang="en-US" sz="2600" dirty="0" smtClean="0"/>
+            <a:t>Non-Discriminatory Policy</a:t>
+          </a:r>
+        </a:p>
+      </dgm:t>
+    </dgm:pt>
+    <dgm:pt modelId="{73656F81-B995-4E81-AC9A-27DBFFF06C53}" type="parTrans" cxnId="{0F80BAA8-2EA3-4243-9874-17BEEAB919B4}">
+      <dgm:prSet/>
+      <dgm:spPr/>
+    </dgm:pt>
+    <dgm:pt modelId="{7DD29E4E-52E7-4AD0-AB9A-EBDD9C6575F7}" type="sibTrans" cxnId="{0F80BAA8-2EA3-4243-9874-17BEEAB919B4}">
+      <dgm:prSet/>
+      <dgm:spPr/>
+    </dgm:pt>
+    <dgm:pt modelId="{4116641D-3D4E-405A-9F35-20B3E4B45B4E}">
+      <dgm:prSet phldrT="[Text]"/>
+      <dgm:spPr/>
+      <dgm:t>
+        <a:bodyPr/>
+        <a:lstStyle/>
+        <a:p>
+          <a:r>
+            <a:rPr lang="en-US" sz="2600" dirty="0" smtClean="0"/>
+            <a:t>Instructors</a:t>
+          </a:r>
+        </a:p>
+      </dgm:t>
+    </dgm:pt>
+    <dgm:pt modelId="{0560174B-42D4-4E02-A81C-EE217C67ACD4}" type="parTrans" cxnId="{CD4BECF9-A8E7-4E9B-BE6B-23ABF177BB03}">
+      <dgm:prSet/>
+      <dgm:spPr/>
+    </dgm:pt>
+    <dgm:pt modelId="{3281A4CE-04B7-4023-8C9E-F3743FA476CE}" type="sibTrans" cxnId="{CD4BECF9-A8E7-4E9B-BE6B-23ABF177BB03}">
+      <dgm:prSet/>
+      <dgm:spPr/>
+    </dgm:pt>
+    <dgm:pt modelId="{B919DA54-A588-4F78-92D7-8749922780AA}" type="pres">
+      <dgm:prSet presAssocID="{51E2835D-7559-4EE5-BDB8-4922EA645C4F}" presName="hierChild1" presStyleCnt="0">
+        <dgm:presLayoutVars>
+          <dgm:chPref val="1"/>
+          <dgm:dir/>
+          <dgm:animOne val="branch"/>
+          <dgm:animLvl val="lvl"/>
+          <dgm:resizeHandles/>
+        </dgm:presLayoutVars>
+      </dgm:prSet>
+      <dgm:spPr/>
+      <dgm:t>
+        <a:bodyPr/>
+        <a:lstStyle/>
+        <a:p>
+          <a:endParaRPr lang="en-US"/>
+        </a:p>
+      </dgm:t>
+    </dgm:pt>
+    <dgm:pt modelId="{B73E4CC3-D3A0-4D74-BCC4-749F6A649AB4}" type="pres">
+      <dgm:prSet presAssocID="{393E2CA9-DE21-48E1-B389-2734D3A09E41}" presName="hierRoot1" presStyleCnt="0"/>
+      <dgm:spPr/>
+    </dgm:pt>
+    <dgm:pt modelId="{8CAC9664-ACF9-43BB-A488-F9724FE66016}" type="pres">
+      <dgm:prSet presAssocID="{393E2CA9-DE21-48E1-B389-2734D3A09E41}" presName="composite" presStyleCnt="0"/>
+      <dgm:spPr/>
+    </dgm:pt>
+    <dgm:pt modelId="{F4DE06BE-3A31-4EC5-80F3-3F941A4165C0}" type="pres">
+      <dgm:prSet presAssocID="{393E2CA9-DE21-48E1-B389-2734D3A09E41}" presName="image" presStyleLbl="node0" presStyleIdx="0" presStyleCnt="1"/>
+      <dgm:spPr/>
+    </dgm:pt>
+    <dgm:pt modelId="{79024153-1514-4B08-B0FB-3D41AF2E400C}" type="pres">
+      <dgm:prSet presAssocID="{393E2CA9-DE21-48E1-B389-2734D3A09E41}" presName="text" presStyleLbl="revTx" presStyleIdx="0" presStyleCnt="7">
+        <dgm:presLayoutVars>
+          <dgm:chPref val="3"/>
+        </dgm:presLayoutVars>
+      </dgm:prSet>
+      <dgm:spPr/>
+      <dgm:t>
+        <a:bodyPr/>
+        <a:lstStyle/>
+        <a:p>
+          <a:endParaRPr lang="en-US"/>
+        </a:p>
+      </dgm:t>
+    </dgm:pt>
+    <dgm:pt modelId="{0656C523-655D-4AC0-9CF6-4FD9FCDCFD62}" type="pres">
+      <dgm:prSet presAssocID="{393E2CA9-DE21-48E1-B389-2734D3A09E41}" presName="hierChild2" presStyleCnt="0"/>
+      <dgm:spPr/>
+    </dgm:pt>
+    <dgm:pt modelId="{69A109E8-5DE7-4CBE-9E21-12A634EEE4B8}" type="pres">
+      <dgm:prSet presAssocID="{F0BB6088-E650-44CC-9EA6-A909C983943D}" presName="Name10" presStyleLbl="parChTrans1D2" presStyleIdx="0" presStyleCnt="2"/>
+      <dgm:spPr/>
+      <dgm:t>
+        <a:bodyPr/>
+        <a:lstStyle/>
+        <a:p>
+          <a:endParaRPr lang="en-US"/>
+        </a:p>
+      </dgm:t>
+    </dgm:pt>
+    <dgm:pt modelId="{5BF5BB08-2BFB-4B39-82B2-B68B4F99304A}" type="pres">
+      <dgm:prSet presAssocID="{8BA29231-86AB-4378-B631-DF639BF828C3}" presName="hierRoot2" presStyleCnt="0"/>
+      <dgm:spPr/>
+    </dgm:pt>
+    <dgm:pt modelId="{1103B985-2E06-4F1B-BACE-41FA0C96B052}" type="pres">
+      <dgm:prSet presAssocID="{8BA29231-86AB-4378-B631-DF639BF828C3}" presName="composite2" presStyleCnt="0"/>
+      <dgm:spPr/>
+    </dgm:pt>
+    <dgm:pt modelId="{96293674-8A40-46A3-95E2-6466E78FA929}" type="pres">
+      <dgm:prSet presAssocID="{8BA29231-86AB-4378-B631-DF639BF828C3}" presName="image2" presStyleLbl="node2" presStyleIdx="0" presStyleCnt="2"/>
+      <dgm:spPr/>
+    </dgm:pt>
+    <dgm:pt modelId="{408271A7-565D-4B61-97FD-336E32E8FFA6}" type="pres">
+      <dgm:prSet presAssocID="{8BA29231-86AB-4378-B631-DF639BF828C3}" presName="text2" presStyleLbl="revTx" presStyleIdx="1" presStyleCnt="7">
+        <dgm:presLayoutVars>
+          <dgm:chPref val="3"/>
+        </dgm:presLayoutVars>
+      </dgm:prSet>
+      <dgm:spPr/>
+      <dgm:t>
+        <a:bodyPr/>
+        <a:lstStyle/>
+        <a:p>
+          <a:endParaRPr lang="en-US"/>
+        </a:p>
+      </dgm:t>
+    </dgm:pt>
+    <dgm:pt modelId="{EE8F85D2-D611-4CB9-8E05-CCCF2DCE535F}" type="pres">
+      <dgm:prSet presAssocID="{8BA29231-86AB-4378-B631-DF639BF828C3}" presName="hierChild3" presStyleCnt="0"/>
+      <dgm:spPr/>
+    </dgm:pt>
+    <dgm:pt modelId="{B0D64CB5-8607-4583-B22C-28C4F2B63660}" type="pres">
+      <dgm:prSet presAssocID="{64BA4B93-23B0-4AB3-AC2B-37975ECF3128}" presName="Name17" presStyleLbl="parChTrans1D3" presStyleIdx="0" presStyleCnt="4"/>
+      <dgm:spPr/>
+      <dgm:t>
+        <a:bodyPr/>
+        <a:lstStyle/>
+        <a:p>
+          <a:endParaRPr lang="en-US"/>
+        </a:p>
+      </dgm:t>
+    </dgm:pt>
+    <dgm:pt modelId="{C25824C8-D7E3-43EF-8296-B8000D77EF09}" type="pres">
+      <dgm:prSet presAssocID="{4FD171AD-92F4-4344-BD63-700FF70EC435}" presName="hierRoot3" presStyleCnt="0"/>
+      <dgm:spPr/>
+    </dgm:pt>
+    <dgm:pt modelId="{2C0B740D-56B8-4563-BB5F-C90EF19944C1}" type="pres">
+      <dgm:prSet presAssocID="{4FD171AD-92F4-4344-BD63-700FF70EC435}" presName="composite3" presStyleCnt="0"/>
+      <dgm:spPr/>
+    </dgm:pt>
+    <dgm:pt modelId="{45B94D86-F2CF-42A5-AA7F-F11F3871DD3D}" type="pres">
+      <dgm:prSet presAssocID="{4FD171AD-92F4-4344-BD63-700FF70EC435}" presName="image3" presStyleLbl="node3" presStyleIdx="0" presStyleCnt="4"/>
+      <dgm:spPr/>
+    </dgm:pt>
+    <dgm:pt modelId="{E3FE302E-4494-4DDF-880C-0D1C06C928BB}" type="pres">
+      <dgm:prSet presAssocID="{4FD171AD-92F4-4344-BD63-700FF70EC435}" presName="text3" presStyleLbl="revTx" presStyleIdx="2" presStyleCnt="7">
+        <dgm:presLayoutVars>
+          <dgm:chPref val="3"/>
+        </dgm:presLayoutVars>
+      </dgm:prSet>
+      <dgm:spPr/>
+      <dgm:t>
+        <a:bodyPr/>
+        <a:lstStyle/>
+        <a:p>
+          <a:endParaRPr lang="en-US"/>
+        </a:p>
+      </dgm:t>
+    </dgm:pt>
+    <dgm:pt modelId="{659C8897-20C4-4B08-B790-41B3E4B05961}" type="pres">
+      <dgm:prSet presAssocID="{4FD171AD-92F4-4344-BD63-700FF70EC435}" presName="hierChild4" presStyleCnt="0"/>
+      <dgm:spPr/>
+    </dgm:pt>
+    <dgm:pt modelId="{E96FF4A8-9E61-4036-B7ED-F12FE218A4E2}" type="pres">
+      <dgm:prSet presAssocID="{7F43A3C7-A3C9-4A8E-98EB-6E7B1871DDA4}" presName="Name17" presStyleLbl="parChTrans1D3" presStyleIdx="1" presStyleCnt="4"/>
+      <dgm:spPr/>
+      <dgm:t>
+        <a:bodyPr/>
+        <a:lstStyle/>
+        <a:p>
+          <a:endParaRPr lang="en-US"/>
+        </a:p>
+      </dgm:t>
+    </dgm:pt>
+    <dgm:pt modelId="{C8FB3F33-F39B-45AC-9937-DEED421B7A70}" type="pres">
+      <dgm:prSet presAssocID="{93005DCE-65C7-4638-95BA-ACC8B30C08B3}" presName="hierRoot3" presStyleCnt="0"/>
+      <dgm:spPr/>
+    </dgm:pt>
+    <dgm:pt modelId="{D85D53F0-0840-4357-8B91-5C7E8421AE0E}" type="pres">
+      <dgm:prSet presAssocID="{93005DCE-65C7-4638-95BA-ACC8B30C08B3}" presName="composite3" presStyleCnt="0"/>
+      <dgm:spPr/>
+    </dgm:pt>
+    <dgm:pt modelId="{40DA181C-4A10-4B39-998B-F0DD40BC2EE7}" type="pres">
+      <dgm:prSet presAssocID="{93005DCE-65C7-4638-95BA-ACC8B30C08B3}" presName="image3" presStyleLbl="node3" presStyleIdx="1" presStyleCnt="4"/>
+      <dgm:spPr/>
+    </dgm:pt>
+    <dgm:pt modelId="{442A0C03-C987-4F0C-AC03-24CBC1452F9B}" type="pres">
+      <dgm:prSet presAssocID="{93005DCE-65C7-4638-95BA-ACC8B30C08B3}" presName="text3" presStyleLbl="revTx" presStyleIdx="3" presStyleCnt="7">
+        <dgm:presLayoutVars>
+          <dgm:chPref val="3"/>
+        </dgm:presLayoutVars>
+      </dgm:prSet>
+      <dgm:spPr/>
+      <dgm:t>
+        <a:bodyPr/>
+        <a:lstStyle/>
+        <a:p>
+          <a:endParaRPr lang="en-US"/>
+        </a:p>
+      </dgm:t>
+    </dgm:pt>
+    <dgm:pt modelId="{8CC83B48-EAF3-4030-B55C-7E4875475F6F}" type="pres">
+      <dgm:prSet presAssocID="{93005DCE-65C7-4638-95BA-ACC8B30C08B3}" presName="hierChild4" presStyleCnt="0"/>
+      <dgm:spPr/>
+    </dgm:pt>
+    <dgm:pt modelId="{733FFFD2-60C2-4D98-A99F-AC9B7AE5A6E6}" type="pres">
+      <dgm:prSet presAssocID="{B1E583B3-5C60-4700-81F1-C1ABCA0D17BF}" presName="Name10" presStyleLbl="parChTrans1D2" presStyleIdx="1" presStyleCnt="2"/>
+      <dgm:spPr/>
+      <dgm:t>
+        <a:bodyPr/>
+        <a:lstStyle/>
+        <a:p>
+          <a:endParaRPr lang="en-US"/>
+        </a:p>
+      </dgm:t>
+    </dgm:pt>
+    <dgm:pt modelId="{B5115891-820C-443C-83B9-B9A69004DE61}" type="pres">
+      <dgm:prSet presAssocID="{2B4FBA5E-6BB2-4EBF-AB29-75C7E8AC66CE}" presName="hierRoot2" presStyleCnt="0"/>
+      <dgm:spPr/>
+    </dgm:pt>
+    <dgm:pt modelId="{020C5C2E-2D69-47F4-B161-5F858769B83B}" type="pres">
+      <dgm:prSet presAssocID="{2B4FBA5E-6BB2-4EBF-AB29-75C7E8AC66CE}" presName="composite2" presStyleCnt="0"/>
+      <dgm:spPr/>
+    </dgm:pt>
+    <dgm:pt modelId="{C1449B73-7CAB-419F-AE46-9BED7C29A0EA}" type="pres">
+      <dgm:prSet presAssocID="{2B4FBA5E-6BB2-4EBF-AB29-75C7E8AC66CE}" presName="image2" presStyleLbl="node2" presStyleIdx="1" presStyleCnt="2"/>
+      <dgm:spPr/>
+    </dgm:pt>
+    <dgm:pt modelId="{1DCDCA82-401E-4BB1-8708-90CB64051699}" type="pres">
+      <dgm:prSet presAssocID="{2B4FBA5E-6BB2-4EBF-AB29-75C7E8AC66CE}" presName="text2" presStyleLbl="revTx" presStyleIdx="4" presStyleCnt="7">
+        <dgm:presLayoutVars>
+          <dgm:chPref val="3"/>
+        </dgm:presLayoutVars>
+      </dgm:prSet>
+      <dgm:spPr/>
+      <dgm:t>
+        <a:bodyPr/>
+        <a:lstStyle/>
+        <a:p>
+          <a:endParaRPr lang="en-US"/>
+        </a:p>
+      </dgm:t>
+    </dgm:pt>
+    <dgm:pt modelId="{9B22F8A9-B69F-4A09-8590-88F2D5C3CC07}" type="pres">
+      <dgm:prSet presAssocID="{2B4FBA5E-6BB2-4EBF-AB29-75C7E8AC66CE}" presName="hierChild3" presStyleCnt="0"/>
+      <dgm:spPr/>
+    </dgm:pt>
+    <dgm:pt modelId="{BC5290C8-F4B8-4588-8F3A-E13CDE5CD932}" type="pres">
+      <dgm:prSet presAssocID="{0560174B-42D4-4E02-A81C-EE217C67ACD4}" presName="Name17" presStyleLbl="parChTrans1D3" presStyleIdx="2" presStyleCnt="4"/>
+      <dgm:spPr/>
+    </dgm:pt>
+    <dgm:pt modelId="{9446BB63-3CA3-4FE9-AD94-2F4286671A98}" type="pres">
+      <dgm:prSet presAssocID="{4116641D-3D4E-405A-9F35-20B3E4B45B4E}" presName="hierRoot3" presStyleCnt="0"/>
+      <dgm:spPr/>
+    </dgm:pt>
+    <dgm:pt modelId="{96761113-3564-495B-8048-AFBA202FBE6F}" type="pres">
+      <dgm:prSet presAssocID="{4116641D-3D4E-405A-9F35-20B3E4B45B4E}" presName="composite3" presStyleCnt="0"/>
+      <dgm:spPr/>
+    </dgm:pt>
+    <dgm:pt modelId="{A3C1F74B-CB7D-4791-A215-F34E029D67D0}" type="pres">
+      <dgm:prSet presAssocID="{4116641D-3D4E-405A-9F35-20B3E4B45B4E}" presName="image3" presStyleLbl="node3" presStyleIdx="2" presStyleCnt="4"/>
+      <dgm:spPr/>
+    </dgm:pt>
+    <dgm:pt modelId="{2ABE305A-CF3F-4731-BA54-C197307CC3B1}" type="pres">
+      <dgm:prSet presAssocID="{4116641D-3D4E-405A-9F35-20B3E4B45B4E}" presName="text3" presStyleLbl="revTx" presStyleIdx="5" presStyleCnt="7">
+        <dgm:presLayoutVars>
+          <dgm:chPref val="3"/>
+        </dgm:presLayoutVars>
+      </dgm:prSet>
+      <dgm:spPr/>
+      <dgm:t>
+        <a:bodyPr/>
+        <a:lstStyle/>
+        <a:p>
+          <a:endParaRPr lang="en-US"/>
+        </a:p>
+      </dgm:t>
+    </dgm:pt>
+    <dgm:pt modelId="{FE53682D-1173-4806-9CAA-BD28DBB95AEB}" type="pres">
+      <dgm:prSet presAssocID="{4116641D-3D4E-405A-9F35-20B3E4B45B4E}" presName="hierChild4" presStyleCnt="0"/>
+      <dgm:spPr/>
+    </dgm:pt>
+    <dgm:pt modelId="{9FDAB5A9-43D4-4E97-924B-5F1F4B8EBD76}" type="pres">
+      <dgm:prSet presAssocID="{73656F81-B995-4E81-AC9A-27DBFFF06C53}" presName="Name17" presStyleLbl="parChTrans1D3" presStyleIdx="3" presStyleCnt="4"/>
+      <dgm:spPr/>
+    </dgm:pt>
+    <dgm:pt modelId="{EFA65ED8-56F3-4DEA-8F96-30E440AD2A32}" type="pres">
+      <dgm:prSet presAssocID="{B122F3DA-6CC5-465F-AF1B-AD1E90948245}" presName="hierRoot3" presStyleCnt="0"/>
+      <dgm:spPr/>
+    </dgm:pt>
+    <dgm:pt modelId="{0EAD42A8-67C8-4F67-91AB-CED33409A3EB}" type="pres">
+      <dgm:prSet presAssocID="{B122F3DA-6CC5-465F-AF1B-AD1E90948245}" presName="composite3" presStyleCnt="0"/>
+      <dgm:spPr/>
+    </dgm:pt>
+    <dgm:pt modelId="{D940068F-4483-490E-8EED-00D1ACD0F65F}" type="pres">
+      <dgm:prSet presAssocID="{B122F3DA-6CC5-465F-AF1B-AD1E90948245}" presName="image3" presStyleLbl="node3" presStyleIdx="3" presStyleCnt="4"/>
+      <dgm:spPr/>
+    </dgm:pt>
+    <dgm:pt modelId="{F3029E17-338B-4CFA-8AE8-C2A9929078E1}" type="pres">
+      <dgm:prSet presAssocID="{B122F3DA-6CC5-465F-AF1B-AD1E90948245}" presName="text3" presStyleLbl="revTx" presStyleIdx="6" presStyleCnt="7">
+        <dgm:presLayoutVars>
+          <dgm:chPref val="3"/>
+        </dgm:presLayoutVars>
+      </dgm:prSet>
+      <dgm:spPr/>
+      <dgm:t>
+        <a:bodyPr/>
+        <a:lstStyle/>
+        <a:p>
+          <a:endParaRPr lang="en-US"/>
+        </a:p>
+      </dgm:t>
+    </dgm:pt>
+    <dgm:pt modelId="{D697ACFA-3B38-4D28-A300-E94976480290}" type="pres">
+      <dgm:prSet presAssocID="{B122F3DA-6CC5-465F-AF1B-AD1E90948245}" presName="hierChild4" presStyleCnt="0"/>
+      <dgm:spPr/>
+    </dgm:pt>
+  </dgm:ptLst>
+  <dgm:cxnLst>
+    <dgm:cxn modelId="{F94BF0DF-75B5-4FB7-B002-3306989334DF}" type="presOf" srcId="{93005DCE-65C7-4638-95BA-ACC8B30C08B3}" destId="{442A0C03-C987-4F0C-AC03-24CBC1452F9B}" srcOrd="0" destOrd="0" presId="urn:microsoft.com/office/officeart/2009/layout/CirclePictureHierarchy"/>
+    <dgm:cxn modelId="{E335D243-7560-4D64-849A-00FFF5391B93}" srcId="{393E2CA9-DE21-48E1-B389-2734D3A09E41}" destId="{2B4FBA5E-6BB2-4EBF-AB29-75C7E8AC66CE}" srcOrd="1" destOrd="0" parTransId="{B1E583B3-5C60-4700-81F1-C1ABCA0D17BF}" sibTransId="{45610498-6676-490D-BADA-C27C45D3B651}"/>
+    <dgm:cxn modelId="{582644C4-D941-4CA8-A269-C48FDB0FCD22}" type="presOf" srcId="{8BA29231-86AB-4378-B631-DF639BF828C3}" destId="{408271A7-565D-4B61-97FD-336E32E8FFA6}" srcOrd="0" destOrd="0" presId="urn:microsoft.com/office/officeart/2009/layout/CirclePictureHierarchy"/>
+    <dgm:cxn modelId="{E3CE516E-33B4-4F34-AE6D-1998BD3EE167}" type="presOf" srcId="{51E2835D-7559-4EE5-BDB8-4922EA645C4F}" destId="{B919DA54-A588-4F78-92D7-8749922780AA}" srcOrd="0" destOrd="0" presId="urn:microsoft.com/office/officeart/2009/layout/CirclePictureHierarchy"/>
+    <dgm:cxn modelId="{A36016D5-549A-4B7D-A509-EFD55E4160C4}" type="presOf" srcId="{0560174B-42D4-4E02-A81C-EE217C67ACD4}" destId="{BC5290C8-F4B8-4588-8F3A-E13CDE5CD932}" srcOrd="0" destOrd="0" presId="urn:microsoft.com/office/officeart/2009/layout/CirclePictureHierarchy"/>
+    <dgm:cxn modelId="{547421A0-61C5-4A0C-92DA-DF269C10EA23}" type="presOf" srcId="{2B4FBA5E-6BB2-4EBF-AB29-75C7E8AC66CE}" destId="{1DCDCA82-401E-4BB1-8708-90CB64051699}" srcOrd="0" destOrd="0" presId="urn:microsoft.com/office/officeart/2009/layout/CirclePictureHierarchy"/>
+    <dgm:cxn modelId="{E611AA55-0AD9-46E4-ADDB-4809969B7479}" type="presOf" srcId="{4116641D-3D4E-405A-9F35-20B3E4B45B4E}" destId="{2ABE305A-CF3F-4731-BA54-C197307CC3B1}" srcOrd="0" destOrd="0" presId="urn:microsoft.com/office/officeart/2009/layout/CirclePictureHierarchy"/>
+    <dgm:cxn modelId="{41744229-ABF7-4927-978B-68B4302D3B16}" srcId="{8BA29231-86AB-4378-B631-DF639BF828C3}" destId="{4FD171AD-92F4-4344-BD63-700FF70EC435}" srcOrd="0" destOrd="0" parTransId="{64BA4B93-23B0-4AB3-AC2B-37975ECF3128}" sibTransId="{1533C989-F4DE-4E19-A2DE-5BEC4D5EC403}"/>
+    <dgm:cxn modelId="{DED30E77-5F5D-4897-868E-6CE92D39A7AC}" type="presOf" srcId="{B1E583B3-5C60-4700-81F1-C1ABCA0D17BF}" destId="{733FFFD2-60C2-4D98-A99F-AC9B7AE5A6E6}" srcOrd="0" destOrd="0" presId="urn:microsoft.com/office/officeart/2009/layout/CirclePictureHierarchy"/>
+    <dgm:cxn modelId="{EFF771C1-660E-4750-B363-1F38E06C5551}" type="presOf" srcId="{393E2CA9-DE21-48E1-B389-2734D3A09E41}" destId="{79024153-1514-4B08-B0FB-3D41AF2E400C}" srcOrd="0" destOrd="0" presId="urn:microsoft.com/office/officeart/2009/layout/CirclePictureHierarchy"/>
+    <dgm:cxn modelId="{06B99BF5-51BD-4280-9643-7A9B0BE86125}" srcId="{8BA29231-86AB-4378-B631-DF639BF828C3}" destId="{93005DCE-65C7-4638-95BA-ACC8B30C08B3}" srcOrd="1" destOrd="0" parTransId="{7F43A3C7-A3C9-4A8E-98EB-6E7B1871DDA4}" sibTransId="{C7EEC052-33AD-42F8-B93A-ECDB3589C57E}"/>
+    <dgm:cxn modelId="{693C26F5-140C-4A60-B792-0E20F87E2F12}" type="presOf" srcId="{B122F3DA-6CC5-465F-AF1B-AD1E90948245}" destId="{F3029E17-338B-4CFA-8AE8-C2A9929078E1}" srcOrd="0" destOrd="0" presId="urn:microsoft.com/office/officeart/2009/layout/CirclePictureHierarchy"/>
+    <dgm:cxn modelId="{AABD10A6-89CC-42AC-992F-BF6E95F77302}" type="presOf" srcId="{7F43A3C7-A3C9-4A8E-98EB-6E7B1871DDA4}" destId="{E96FF4A8-9E61-4036-B7ED-F12FE218A4E2}" srcOrd="0" destOrd="0" presId="urn:microsoft.com/office/officeart/2009/layout/CirclePictureHierarchy"/>
+    <dgm:cxn modelId="{5340480B-7602-4246-BD6A-E2743681EAB9}" type="presOf" srcId="{64BA4B93-23B0-4AB3-AC2B-37975ECF3128}" destId="{B0D64CB5-8607-4583-B22C-28C4F2B63660}" srcOrd="0" destOrd="0" presId="urn:microsoft.com/office/officeart/2009/layout/CirclePictureHierarchy"/>
+    <dgm:cxn modelId="{3C2BFA60-B188-4E73-A5C2-F04730FCC7AB}" type="presOf" srcId="{73656F81-B995-4E81-AC9A-27DBFFF06C53}" destId="{9FDAB5A9-43D4-4E97-924B-5F1F4B8EBD76}" srcOrd="0" destOrd="0" presId="urn:microsoft.com/office/officeart/2009/layout/CirclePictureHierarchy"/>
+    <dgm:cxn modelId="{CD4BECF9-A8E7-4E9B-BE6B-23ABF177BB03}" srcId="{2B4FBA5E-6BB2-4EBF-AB29-75C7E8AC66CE}" destId="{4116641D-3D4E-405A-9F35-20B3E4B45B4E}" srcOrd="0" destOrd="0" parTransId="{0560174B-42D4-4E02-A81C-EE217C67ACD4}" sibTransId="{3281A4CE-04B7-4023-8C9E-F3743FA476CE}"/>
+    <dgm:cxn modelId="{B5009DB6-3025-478D-923C-A509CB3DA82A}" type="presOf" srcId="{F0BB6088-E650-44CC-9EA6-A909C983943D}" destId="{69A109E8-5DE7-4CBE-9E21-12A634EEE4B8}" srcOrd="0" destOrd="0" presId="urn:microsoft.com/office/officeart/2009/layout/CirclePictureHierarchy"/>
+    <dgm:cxn modelId="{E9BAB5A5-CD9E-4678-855A-1B4A8A4BCD18}" srcId="{51E2835D-7559-4EE5-BDB8-4922EA645C4F}" destId="{393E2CA9-DE21-48E1-B389-2734D3A09E41}" srcOrd="0" destOrd="0" parTransId="{EFD50E91-C8EA-4C6A-8717-82271DC1C044}" sibTransId="{120D078B-A73A-49D1-A7F8-A7B7F015D9E2}"/>
+    <dgm:cxn modelId="{EBF6EFC4-7C1E-4DCA-8F95-8B82925EC711}" srcId="{393E2CA9-DE21-48E1-B389-2734D3A09E41}" destId="{8BA29231-86AB-4378-B631-DF639BF828C3}" srcOrd="0" destOrd="0" parTransId="{F0BB6088-E650-44CC-9EA6-A909C983943D}" sibTransId="{2FBB38FE-DCDE-45C1-865E-27638CA4F8EC}"/>
+    <dgm:cxn modelId="{F802B847-E325-47FB-A529-DF595155324A}" type="presOf" srcId="{4FD171AD-92F4-4344-BD63-700FF70EC435}" destId="{E3FE302E-4494-4DDF-880C-0D1C06C928BB}" srcOrd="0" destOrd="0" presId="urn:microsoft.com/office/officeart/2009/layout/CirclePictureHierarchy"/>
+    <dgm:cxn modelId="{0F80BAA8-2EA3-4243-9874-17BEEAB919B4}" srcId="{2B4FBA5E-6BB2-4EBF-AB29-75C7E8AC66CE}" destId="{B122F3DA-6CC5-465F-AF1B-AD1E90948245}" srcOrd="1" destOrd="0" parTransId="{73656F81-B995-4E81-AC9A-27DBFFF06C53}" sibTransId="{7DD29E4E-52E7-4AD0-AB9A-EBDD9C6575F7}"/>
+    <dgm:cxn modelId="{64B014ED-F40C-4750-87F4-7644607D01E4}" type="presParOf" srcId="{B919DA54-A588-4F78-92D7-8749922780AA}" destId="{B73E4CC3-D3A0-4D74-BCC4-749F6A649AB4}" srcOrd="0" destOrd="0" presId="urn:microsoft.com/office/officeart/2009/layout/CirclePictureHierarchy"/>
+    <dgm:cxn modelId="{83175AE8-E232-4287-95F1-9AA4A27E0E72}" type="presParOf" srcId="{B73E4CC3-D3A0-4D74-BCC4-749F6A649AB4}" destId="{8CAC9664-ACF9-43BB-A488-F9724FE66016}" srcOrd="0" destOrd="0" presId="urn:microsoft.com/office/officeart/2009/layout/CirclePictureHierarchy"/>
+    <dgm:cxn modelId="{7213A537-6ACF-45A0-82F2-1391729A6631}" type="presParOf" srcId="{8CAC9664-ACF9-43BB-A488-F9724FE66016}" destId="{F4DE06BE-3A31-4EC5-80F3-3F941A4165C0}" srcOrd="0" destOrd="0" presId="urn:microsoft.com/office/officeart/2009/layout/CirclePictureHierarchy"/>
+    <dgm:cxn modelId="{30137771-0521-474E-8CED-FEB54F799871}" type="presParOf" srcId="{8CAC9664-ACF9-43BB-A488-F9724FE66016}" destId="{79024153-1514-4B08-B0FB-3D41AF2E400C}" srcOrd="1" destOrd="0" presId="urn:microsoft.com/office/officeart/2009/layout/CirclePictureHierarchy"/>
+    <dgm:cxn modelId="{514914F1-A284-4FC0-BF0B-020BAB93D4B4}" type="presParOf" srcId="{B73E4CC3-D3A0-4D74-BCC4-749F6A649AB4}" destId="{0656C523-655D-4AC0-9CF6-4FD9FCDCFD62}" srcOrd="1" destOrd="0" presId="urn:microsoft.com/office/officeart/2009/layout/CirclePictureHierarchy"/>
+    <dgm:cxn modelId="{743C10F7-1761-4824-A064-F33E4A61455B}" type="presParOf" srcId="{0656C523-655D-4AC0-9CF6-4FD9FCDCFD62}" destId="{69A109E8-5DE7-4CBE-9E21-12A634EEE4B8}" srcOrd="0" destOrd="0" presId="urn:microsoft.com/office/officeart/2009/layout/CirclePictureHierarchy"/>
+    <dgm:cxn modelId="{41E7D70E-F6E2-45FE-B888-804E3D53D77E}" type="presParOf" srcId="{0656C523-655D-4AC0-9CF6-4FD9FCDCFD62}" destId="{5BF5BB08-2BFB-4B39-82B2-B68B4F99304A}" srcOrd="1" destOrd="0" presId="urn:microsoft.com/office/officeart/2009/layout/CirclePictureHierarchy"/>
+    <dgm:cxn modelId="{D4805311-D05B-44E4-8D5A-D8755092D43C}" type="presParOf" srcId="{5BF5BB08-2BFB-4B39-82B2-B68B4F99304A}" destId="{1103B985-2E06-4F1B-BACE-41FA0C96B052}" srcOrd="0" destOrd="0" presId="urn:microsoft.com/office/officeart/2009/layout/CirclePictureHierarchy"/>
+    <dgm:cxn modelId="{33B190BB-FF1B-4303-894E-BB19DB8BB44C}" type="presParOf" srcId="{1103B985-2E06-4F1B-BACE-41FA0C96B052}" destId="{96293674-8A40-46A3-95E2-6466E78FA929}" srcOrd="0" destOrd="0" presId="urn:microsoft.com/office/officeart/2009/layout/CirclePictureHierarchy"/>
+    <dgm:cxn modelId="{52164410-1C99-47EE-9D9F-6551C28F4051}" type="presParOf" srcId="{1103B985-2E06-4F1B-BACE-41FA0C96B052}" destId="{408271A7-565D-4B61-97FD-336E32E8FFA6}" srcOrd="1" destOrd="0" presId="urn:microsoft.com/office/officeart/2009/layout/CirclePictureHierarchy"/>
+    <dgm:cxn modelId="{691D1E1E-BE4D-4207-B3C7-3AD49C69DF6B}" type="presParOf" srcId="{5BF5BB08-2BFB-4B39-82B2-B68B4F99304A}" destId="{EE8F85D2-D611-4CB9-8E05-CCCF2DCE535F}" srcOrd="1" destOrd="0" presId="urn:microsoft.com/office/officeart/2009/layout/CirclePictureHierarchy"/>
+    <dgm:cxn modelId="{35B3F7D1-B9FE-4B49-8C47-087BA68DC870}" type="presParOf" srcId="{EE8F85D2-D611-4CB9-8E05-CCCF2DCE535F}" destId="{B0D64CB5-8607-4583-B22C-28C4F2B63660}" srcOrd="0" destOrd="0" presId="urn:microsoft.com/office/officeart/2009/layout/CirclePictureHierarchy"/>
+    <dgm:cxn modelId="{6309AACE-918A-40B4-B8B9-5F9B3E3DC802}" type="presParOf" srcId="{EE8F85D2-D611-4CB9-8E05-CCCF2DCE535F}" destId="{C25824C8-D7E3-43EF-8296-B8000D77EF09}" srcOrd="1" destOrd="0" presId="urn:microsoft.com/office/officeart/2009/layout/CirclePictureHierarchy"/>
+    <dgm:cxn modelId="{AB9BE8A9-4AC4-4E8A-AFFD-89C699B7867C}" type="presParOf" srcId="{C25824C8-D7E3-43EF-8296-B8000D77EF09}" destId="{2C0B740D-56B8-4563-BB5F-C90EF19944C1}" srcOrd="0" destOrd="0" presId="urn:microsoft.com/office/officeart/2009/layout/CirclePictureHierarchy"/>
+    <dgm:cxn modelId="{30FCC092-5302-49C3-9107-D7EEFD3E33FE}" type="presParOf" srcId="{2C0B740D-56B8-4563-BB5F-C90EF19944C1}" destId="{45B94D86-F2CF-42A5-AA7F-F11F3871DD3D}" srcOrd="0" destOrd="0" presId="urn:microsoft.com/office/officeart/2009/layout/CirclePictureHierarchy"/>
+    <dgm:cxn modelId="{ADB4E276-1C32-458C-8F59-D568652E62FD}" type="presParOf" srcId="{2C0B740D-56B8-4563-BB5F-C90EF19944C1}" destId="{E3FE302E-4494-4DDF-880C-0D1C06C928BB}" srcOrd="1" destOrd="0" presId="urn:microsoft.com/office/officeart/2009/layout/CirclePictureHierarchy"/>
+    <dgm:cxn modelId="{5C632AAE-D323-4D51-81B1-45E79037F8B4}" type="presParOf" srcId="{C25824C8-D7E3-43EF-8296-B8000D77EF09}" destId="{659C8897-20C4-4B08-B790-41B3E4B05961}" srcOrd="1" destOrd="0" presId="urn:microsoft.com/office/officeart/2009/layout/CirclePictureHierarchy"/>
+    <dgm:cxn modelId="{DF920DBD-BCA4-4A96-9193-1D46844240FB}" type="presParOf" srcId="{EE8F85D2-D611-4CB9-8E05-CCCF2DCE535F}" destId="{E96FF4A8-9E61-4036-B7ED-F12FE218A4E2}" srcOrd="2" destOrd="0" presId="urn:microsoft.com/office/officeart/2009/layout/CirclePictureHierarchy"/>
+    <dgm:cxn modelId="{15B4B9FB-6BC5-4BAD-BF18-CFEBB4049250}" type="presParOf" srcId="{EE8F85D2-D611-4CB9-8E05-CCCF2DCE535F}" destId="{C8FB3F33-F39B-45AC-9937-DEED421B7A70}" srcOrd="3" destOrd="0" presId="urn:microsoft.com/office/officeart/2009/layout/CirclePictureHierarchy"/>
+    <dgm:cxn modelId="{92EB6795-CCEF-4026-8767-D8837C537D3E}" type="presParOf" srcId="{C8FB3F33-F39B-45AC-9937-DEED421B7A70}" destId="{D85D53F0-0840-4357-8B91-5C7E8421AE0E}" srcOrd="0" destOrd="0" presId="urn:microsoft.com/office/officeart/2009/layout/CirclePictureHierarchy"/>
+    <dgm:cxn modelId="{98B08BD0-D690-45B6-90E2-C9516815F32B}" type="presParOf" srcId="{D85D53F0-0840-4357-8B91-5C7E8421AE0E}" destId="{40DA181C-4A10-4B39-998B-F0DD40BC2EE7}" srcOrd="0" destOrd="0" presId="urn:microsoft.com/office/officeart/2009/layout/CirclePictureHierarchy"/>
+    <dgm:cxn modelId="{B1F04508-75C2-411F-B703-4CD206876FE6}" type="presParOf" srcId="{D85D53F0-0840-4357-8B91-5C7E8421AE0E}" destId="{442A0C03-C987-4F0C-AC03-24CBC1452F9B}" srcOrd="1" destOrd="0" presId="urn:microsoft.com/office/officeart/2009/layout/CirclePictureHierarchy"/>
+    <dgm:cxn modelId="{753AF878-B2C9-49F5-8FE9-B4C635CDD474}" type="presParOf" srcId="{C8FB3F33-F39B-45AC-9937-DEED421B7A70}" destId="{8CC83B48-EAF3-4030-B55C-7E4875475F6F}" srcOrd="1" destOrd="0" presId="urn:microsoft.com/office/officeart/2009/layout/CirclePictureHierarchy"/>
+    <dgm:cxn modelId="{D2245803-7946-4C17-ABB9-18643254096F}" type="presParOf" srcId="{0656C523-655D-4AC0-9CF6-4FD9FCDCFD62}" destId="{733FFFD2-60C2-4D98-A99F-AC9B7AE5A6E6}" srcOrd="2" destOrd="0" presId="urn:microsoft.com/office/officeart/2009/layout/CirclePictureHierarchy"/>
+    <dgm:cxn modelId="{8A485CE0-D45C-44DB-8EE0-96DD7BA93039}" type="presParOf" srcId="{0656C523-655D-4AC0-9CF6-4FD9FCDCFD62}" destId="{B5115891-820C-443C-83B9-B9A69004DE61}" srcOrd="3" destOrd="0" presId="urn:microsoft.com/office/officeart/2009/layout/CirclePictureHierarchy"/>
+    <dgm:cxn modelId="{1E4F2C19-D183-4FBF-90C3-2C29968F233C}" type="presParOf" srcId="{B5115891-820C-443C-83B9-B9A69004DE61}" destId="{020C5C2E-2D69-47F4-B161-5F858769B83B}" srcOrd="0" destOrd="0" presId="urn:microsoft.com/office/officeart/2009/layout/CirclePictureHierarchy"/>
+    <dgm:cxn modelId="{FB995E36-E9D5-4CC9-B903-A67139212B61}" type="presParOf" srcId="{020C5C2E-2D69-47F4-B161-5F858769B83B}" destId="{C1449B73-7CAB-419F-AE46-9BED7C29A0EA}" srcOrd="0" destOrd="0" presId="urn:microsoft.com/office/officeart/2009/layout/CirclePictureHierarchy"/>
+    <dgm:cxn modelId="{66057412-08B5-4EB4-9FC8-28BB48385303}" type="presParOf" srcId="{020C5C2E-2D69-47F4-B161-5F858769B83B}" destId="{1DCDCA82-401E-4BB1-8708-90CB64051699}" srcOrd="1" destOrd="0" presId="urn:microsoft.com/office/officeart/2009/layout/CirclePictureHierarchy"/>
+    <dgm:cxn modelId="{C4A3DEAC-F49D-42FA-9B95-16A3E139D4BA}" type="presParOf" srcId="{B5115891-820C-443C-83B9-B9A69004DE61}" destId="{9B22F8A9-B69F-4A09-8590-88F2D5C3CC07}" srcOrd="1" destOrd="0" presId="urn:microsoft.com/office/officeart/2009/layout/CirclePictureHierarchy"/>
+    <dgm:cxn modelId="{82C1E17E-5462-4E80-B72B-647FE91C453E}" type="presParOf" srcId="{9B22F8A9-B69F-4A09-8590-88F2D5C3CC07}" destId="{BC5290C8-F4B8-4588-8F3A-E13CDE5CD932}" srcOrd="0" destOrd="0" presId="urn:microsoft.com/office/officeart/2009/layout/CirclePictureHierarchy"/>
+    <dgm:cxn modelId="{30CD7AF9-A5D8-4303-A4D9-6C186CFC9248}" type="presParOf" srcId="{9B22F8A9-B69F-4A09-8590-88F2D5C3CC07}" destId="{9446BB63-3CA3-4FE9-AD94-2F4286671A98}" srcOrd="1" destOrd="0" presId="urn:microsoft.com/office/officeart/2009/layout/CirclePictureHierarchy"/>
+    <dgm:cxn modelId="{14811DA1-554A-45B1-9148-8748269D1517}" type="presParOf" srcId="{9446BB63-3CA3-4FE9-AD94-2F4286671A98}" destId="{96761113-3564-495B-8048-AFBA202FBE6F}" srcOrd="0" destOrd="0" presId="urn:microsoft.com/office/officeart/2009/layout/CirclePictureHierarchy"/>
+    <dgm:cxn modelId="{935980EC-EDBF-499B-AE8A-D2DE78BA80B8}" type="presParOf" srcId="{96761113-3564-495B-8048-AFBA202FBE6F}" destId="{A3C1F74B-CB7D-4791-A215-F34E029D67D0}" srcOrd="0" destOrd="0" presId="urn:microsoft.com/office/officeart/2009/layout/CirclePictureHierarchy"/>
+    <dgm:cxn modelId="{CC6C2DC8-75F9-451F-8128-7CA7A1D71087}" type="presParOf" srcId="{96761113-3564-495B-8048-AFBA202FBE6F}" destId="{2ABE305A-CF3F-4731-BA54-C197307CC3B1}" srcOrd="1" destOrd="0" presId="urn:microsoft.com/office/officeart/2009/layout/CirclePictureHierarchy"/>
+    <dgm:cxn modelId="{9481D7AE-695D-4A41-BD87-A02790B3C18C}" type="presParOf" srcId="{9446BB63-3CA3-4FE9-AD94-2F4286671A98}" destId="{FE53682D-1173-4806-9CAA-BD28DBB95AEB}" srcOrd="1" destOrd="0" presId="urn:microsoft.com/office/officeart/2009/layout/CirclePictureHierarchy"/>
+    <dgm:cxn modelId="{AD80E452-9EF6-4609-8D38-7857E727516E}" type="presParOf" srcId="{9B22F8A9-B69F-4A09-8590-88F2D5C3CC07}" destId="{9FDAB5A9-43D4-4E97-924B-5F1F4B8EBD76}" srcOrd="2" destOrd="0" presId="urn:microsoft.com/office/officeart/2009/layout/CirclePictureHierarchy"/>
+    <dgm:cxn modelId="{3C148FCF-B38E-4F93-B83B-4F07C620E25E}" type="presParOf" srcId="{9B22F8A9-B69F-4A09-8590-88F2D5C3CC07}" destId="{EFA65ED8-56F3-4DEA-8F96-30E440AD2A32}" srcOrd="3" destOrd="0" presId="urn:microsoft.com/office/officeart/2009/layout/CirclePictureHierarchy"/>
+    <dgm:cxn modelId="{ABB686EC-753C-463F-857F-5BDE1F487A8E}" type="presParOf" srcId="{EFA65ED8-56F3-4DEA-8F96-30E440AD2A32}" destId="{0EAD42A8-67C8-4F67-91AB-CED33409A3EB}" srcOrd="0" destOrd="0" presId="urn:microsoft.com/office/officeart/2009/layout/CirclePictureHierarchy"/>
+    <dgm:cxn modelId="{7E61087D-8206-46A4-A08C-BDC9989551A4}" type="presParOf" srcId="{0EAD42A8-67C8-4F67-91AB-CED33409A3EB}" destId="{D940068F-4483-490E-8EED-00D1ACD0F65F}" srcOrd="0" destOrd="0" presId="urn:microsoft.com/office/officeart/2009/layout/CirclePictureHierarchy"/>
+    <dgm:cxn modelId="{996821F0-0864-42B4-96EF-8710FBADE7B8}" type="presParOf" srcId="{0EAD42A8-67C8-4F67-91AB-CED33409A3EB}" destId="{F3029E17-338B-4CFA-8AE8-C2A9929078E1}" srcOrd="1" destOrd="0" presId="urn:microsoft.com/office/officeart/2009/layout/CirclePictureHierarchy"/>
+    <dgm:cxn modelId="{32D84C17-B841-4363-9567-9B364303A854}" type="presParOf" srcId="{EFA65ED8-56F3-4DEA-8F96-30E440AD2A32}" destId="{D697ACFA-3B38-4D28-A300-E94976480290}" srcOrd="1" destOrd="0" presId="urn:microsoft.com/office/officeart/2009/layout/CirclePictureHierarchy"/>
+  </dgm:cxnLst>
+  <dgm:bg/>
+  <dgm:whole/>
+  <dgm:extLst>
+    <a:ext uri="http://schemas.microsoft.com/office/drawing/2008/diagram">
+      <dsp:dataModelExt xmlns:dsp="http://schemas.microsoft.com/office/drawing/2008/diagram" relId="rId7" minVer="http://schemas.openxmlformats.org/drawingml/2006/diagram"/>
     </a:ext>
   </dgm:extLst>
 </dgm:dataModel>
@@ -2920,7 +4276,1719 @@
 </dsp:drawing>
 </file>
 
+<file path=ppt/diagrams/drawing2.xml><?xml version="1.0" encoding="utf-8"?>
+<dsp:drawing xmlns:dgm="http://schemas.openxmlformats.org/drawingml/2006/diagram" xmlns:dsp="http://schemas.microsoft.com/office/drawing/2008/diagram" xmlns:a="http://schemas.openxmlformats.org/drawingml/2006/main">
+  <dsp:spTree>
+    <dsp:nvGrpSpPr>
+      <dsp:cNvPr id="0" name=""/>
+      <dsp:cNvGrpSpPr/>
+    </dsp:nvGrpSpPr>
+    <dsp:grpSpPr/>
+    <dsp:sp modelId="{9FDAB5A9-43D4-4E97-924B-5F1F4B8EBD76}">
+      <dsp:nvSpPr>
+        <dsp:cNvPr id="0" name=""/>
+        <dsp:cNvSpPr/>
+      </dsp:nvSpPr>
+      <dsp:spPr>
+        <a:xfrm>
+          <a:off x="7440174" y="3801459"/>
+          <a:ext cx="1386558" cy="317648"/>
+        </a:xfrm>
+        <a:custGeom>
+          <a:avLst/>
+          <a:gdLst/>
+          <a:ahLst/>
+          <a:cxnLst/>
+          <a:rect l="0" t="0" r="0" b="0"/>
+          <a:pathLst>
+            <a:path>
+              <a:moveTo>
+                <a:pt x="0" y="0"/>
+              </a:moveTo>
+              <a:lnTo>
+                <a:pt x="0" y="160084"/>
+              </a:lnTo>
+              <a:lnTo>
+                <a:pt x="1386558" y="160084"/>
+              </a:lnTo>
+              <a:lnTo>
+                <a:pt x="1386558" y="317648"/>
+              </a:lnTo>
+            </a:path>
+          </a:pathLst>
+        </a:custGeom>
+        <a:noFill/>
+        <a:ln w="12700" cap="flat" cmpd="sng" algn="ctr">
+          <a:solidFill>
+            <a:schemeClr val="accent1">
+              <a:shade val="80000"/>
+              <a:hueOff val="0"/>
+              <a:satOff val="0"/>
+              <a:lumOff val="0"/>
+              <a:alphaOff val="0"/>
+            </a:schemeClr>
+          </a:solidFill>
+          <a:prstDash val="solid"/>
+          <a:miter lim="800000"/>
+        </a:ln>
+        <a:effectLst/>
+      </dsp:spPr>
+      <dsp:style>
+        <a:lnRef idx="2">
+          <a:scrgbClr r="0" g="0" b="0"/>
+        </a:lnRef>
+        <a:fillRef idx="0">
+          <a:scrgbClr r="0" g="0" b="0"/>
+        </a:fillRef>
+        <a:effectRef idx="0">
+          <a:scrgbClr r="0" g="0" b="0"/>
+        </a:effectRef>
+        <a:fontRef idx="minor"/>
+      </dsp:style>
+    </dsp:sp>
+    <dsp:sp modelId="{BC5290C8-F4B8-4588-8F3A-E13CDE5CD932}">
+      <dsp:nvSpPr>
+        <dsp:cNvPr id="0" name=""/>
+        <dsp:cNvSpPr/>
+      </dsp:nvSpPr>
+      <dsp:spPr>
+        <a:xfrm>
+          <a:off x="6053615" y="3801459"/>
+          <a:ext cx="1386558" cy="317648"/>
+        </a:xfrm>
+        <a:custGeom>
+          <a:avLst/>
+          <a:gdLst/>
+          <a:ahLst/>
+          <a:cxnLst/>
+          <a:rect l="0" t="0" r="0" b="0"/>
+          <a:pathLst>
+            <a:path>
+              <a:moveTo>
+                <a:pt x="1386558" y="0"/>
+              </a:moveTo>
+              <a:lnTo>
+                <a:pt x="1386558" y="160084"/>
+              </a:lnTo>
+              <a:lnTo>
+                <a:pt x="0" y="160084"/>
+              </a:lnTo>
+              <a:lnTo>
+                <a:pt x="0" y="317648"/>
+              </a:lnTo>
+            </a:path>
+          </a:pathLst>
+        </a:custGeom>
+        <a:noFill/>
+        <a:ln w="12700" cap="flat" cmpd="sng" algn="ctr">
+          <a:solidFill>
+            <a:schemeClr val="accent1">
+              <a:shade val="80000"/>
+              <a:hueOff val="0"/>
+              <a:satOff val="0"/>
+              <a:lumOff val="0"/>
+              <a:alphaOff val="0"/>
+            </a:schemeClr>
+          </a:solidFill>
+          <a:prstDash val="solid"/>
+          <a:miter lim="800000"/>
+        </a:ln>
+        <a:effectLst/>
+      </dsp:spPr>
+      <dsp:style>
+        <a:lnRef idx="2">
+          <a:scrgbClr r="0" g="0" b="0"/>
+        </a:lnRef>
+        <a:fillRef idx="0">
+          <a:scrgbClr r="0" g="0" b="0"/>
+        </a:fillRef>
+        <a:effectRef idx="0">
+          <a:scrgbClr r="0" g="0" b="0"/>
+        </a:effectRef>
+        <a:fontRef idx="minor"/>
+      </dsp:style>
+    </dsp:sp>
+    <dsp:sp modelId="{733FFFD2-60C2-4D98-A99F-AC9B7AE5A6E6}">
+      <dsp:nvSpPr>
+        <dsp:cNvPr id="0" name=""/>
+        <dsp:cNvSpPr/>
+      </dsp:nvSpPr>
+      <dsp:spPr>
+        <a:xfrm>
+          <a:off x="4667057" y="2475405"/>
+          <a:ext cx="2773117" cy="317648"/>
+        </a:xfrm>
+        <a:custGeom>
+          <a:avLst/>
+          <a:gdLst/>
+          <a:ahLst/>
+          <a:cxnLst/>
+          <a:rect l="0" t="0" r="0" b="0"/>
+          <a:pathLst>
+            <a:path>
+              <a:moveTo>
+                <a:pt x="0" y="0"/>
+              </a:moveTo>
+              <a:lnTo>
+                <a:pt x="0" y="160084"/>
+              </a:lnTo>
+              <a:lnTo>
+                <a:pt x="2773117" y="160084"/>
+              </a:lnTo>
+              <a:lnTo>
+                <a:pt x="2773117" y="317648"/>
+              </a:lnTo>
+            </a:path>
+          </a:pathLst>
+        </a:custGeom>
+        <a:noFill/>
+        <a:ln w="12700" cap="flat" cmpd="sng" algn="ctr">
+          <a:solidFill>
+            <a:schemeClr val="accent1">
+              <a:shade val="60000"/>
+              <a:hueOff val="0"/>
+              <a:satOff val="0"/>
+              <a:lumOff val="0"/>
+              <a:alphaOff val="0"/>
+            </a:schemeClr>
+          </a:solidFill>
+          <a:prstDash val="solid"/>
+          <a:miter lim="800000"/>
+        </a:ln>
+        <a:effectLst/>
+      </dsp:spPr>
+      <dsp:style>
+        <a:lnRef idx="2">
+          <a:scrgbClr r="0" g="0" b="0"/>
+        </a:lnRef>
+        <a:fillRef idx="0">
+          <a:scrgbClr r="0" g="0" b="0"/>
+        </a:fillRef>
+        <a:effectRef idx="0">
+          <a:scrgbClr r="0" g="0" b="0"/>
+        </a:effectRef>
+        <a:fontRef idx="minor"/>
+      </dsp:style>
+    </dsp:sp>
+    <dsp:sp modelId="{E96FF4A8-9E61-4036-B7ED-F12FE218A4E2}">
+      <dsp:nvSpPr>
+        <dsp:cNvPr id="0" name=""/>
+        <dsp:cNvSpPr/>
+      </dsp:nvSpPr>
+      <dsp:spPr>
+        <a:xfrm>
+          <a:off x="1893939" y="3801459"/>
+          <a:ext cx="1386558" cy="317648"/>
+        </a:xfrm>
+        <a:custGeom>
+          <a:avLst/>
+          <a:gdLst/>
+          <a:ahLst/>
+          <a:cxnLst/>
+          <a:rect l="0" t="0" r="0" b="0"/>
+          <a:pathLst>
+            <a:path>
+              <a:moveTo>
+                <a:pt x="0" y="0"/>
+              </a:moveTo>
+              <a:lnTo>
+                <a:pt x="0" y="160084"/>
+              </a:lnTo>
+              <a:lnTo>
+                <a:pt x="1386558" y="160084"/>
+              </a:lnTo>
+              <a:lnTo>
+                <a:pt x="1386558" y="317648"/>
+              </a:lnTo>
+            </a:path>
+          </a:pathLst>
+        </a:custGeom>
+        <a:noFill/>
+        <a:ln w="12700" cap="flat" cmpd="sng" algn="ctr">
+          <a:solidFill>
+            <a:schemeClr val="accent1">
+              <a:shade val="80000"/>
+              <a:hueOff val="0"/>
+              <a:satOff val="0"/>
+              <a:lumOff val="0"/>
+              <a:alphaOff val="0"/>
+            </a:schemeClr>
+          </a:solidFill>
+          <a:prstDash val="solid"/>
+          <a:miter lim="800000"/>
+        </a:ln>
+        <a:effectLst/>
+      </dsp:spPr>
+      <dsp:style>
+        <a:lnRef idx="2">
+          <a:scrgbClr r="0" g="0" b="0"/>
+        </a:lnRef>
+        <a:fillRef idx="0">
+          <a:scrgbClr r="0" g="0" b="0"/>
+        </a:fillRef>
+        <a:effectRef idx="0">
+          <a:scrgbClr r="0" g="0" b="0"/>
+        </a:effectRef>
+        <a:fontRef idx="minor"/>
+      </dsp:style>
+    </dsp:sp>
+    <dsp:sp modelId="{B0D64CB5-8607-4583-B22C-28C4F2B63660}">
+      <dsp:nvSpPr>
+        <dsp:cNvPr id="0" name=""/>
+        <dsp:cNvSpPr/>
+      </dsp:nvSpPr>
+      <dsp:spPr>
+        <a:xfrm>
+          <a:off x="507380" y="3801459"/>
+          <a:ext cx="1386558" cy="317648"/>
+        </a:xfrm>
+        <a:custGeom>
+          <a:avLst/>
+          <a:gdLst/>
+          <a:ahLst/>
+          <a:cxnLst/>
+          <a:rect l="0" t="0" r="0" b="0"/>
+          <a:pathLst>
+            <a:path>
+              <a:moveTo>
+                <a:pt x="1386558" y="0"/>
+              </a:moveTo>
+              <a:lnTo>
+                <a:pt x="1386558" y="160084"/>
+              </a:lnTo>
+              <a:lnTo>
+                <a:pt x="0" y="160084"/>
+              </a:lnTo>
+              <a:lnTo>
+                <a:pt x="0" y="317648"/>
+              </a:lnTo>
+            </a:path>
+          </a:pathLst>
+        </a:custGeom>
+        <a:noFill/>
+        <a:ln w="12700" cap="flat" cmpd="sng" algn="ctr">
+          <a:solidFill>
+            <a:schemeClr val="accent1">
+              <a:shade val="80000"/>
+              <a:hueOff val="0"/>
+              <a:satOff val="0"/>
+              <a:lumOff val="0"/>
+              <a:alphaOff val="0"/>
+            </a:schemeClr>
+          </a:solidFill>
+          <a:prstDash val="solid"/>
+          <a:miter lim="800000"/>
+        </a:ln>
+        <a:effectLst/>
+      </dsp:spPr>
+      <dsp:style>
+        <a:lnRef idx="2">
+          <a:scrgbClr r="0" g="0" b="0"/>
+        </a:lnRef>
+        <a:fillRef idx="0">
+          <a:scrgbClr r="0" g="0" b="0"/>
+        </a:fillRef>
+        <a:effectRef idx="0">
+          <a:scrgbClr r="0" g="0" b="0"/>
+        </a:effectRef>
+        <a:fontRef idx="minor"/>
+      </dsp:style>
+    </dsp:sp>
+    <dsp:sp modelId="{69A109E8-5DE7-4CBE-9E21-12A634EEE4B8}">
+      <dsp:nvSpPr>
+        <dsp:cNvPr id="0" name=""/>
+        <dsp:cNvSpPr/>
+      </dsp:nvSpPr>
+      <dsp:spPr>
+        <a:xfrm>
+          <a:off x="1893939" y="2475405"/>
+          <a:ext cx="2773117" cy="317648"/>
+        </a:xfrm>
+        <a:custGeom>
+          <a:avLst/>
+          <a:gdLst/>
+          <a:ahLst/>
+          <a:cxnLst/>
+          <a:rect l="0" t="0" r="0" b="0"/>
+          <a:pathLst>
+            <a:path>
+              <a:moveTo>
+                <a:pt x="2773117" y="0"/>
+              </a:moveTo>
+              <a:lnTo>
+                <a:pt x="2773117" y="160084"/>
+              </a:lnTo>
+              <a:lnTo>
+                <a:pt x="0" y="160084"/>
+              </a:lnTo>
+              <a:lnTo>
+                <a:pt x="0" y="317648"/>
+              </a:lnTo>
+            </a:path>
+          </a:pathLst>
+        </a:custGeom>
+        <a:noFill/>
+        <a:ln w="12700" cap="flat" cmpd="sng" algn="ctr">
+          <a:solidFill>
+            <a:schemeClr val="accent1">
+              <a:shade val="60000"/>
+              <a:hueOff val="0"/>
+              <a:satOff val="0"/>
+              <a:lumOff val="0"/>
+              <a:alphaOff val="0"/>
+            </a:schemeClr>
+          </a:solidFill>
+          <a:prstDash val="solid"/>
+          <a:miter lim="800000"/>
+        </a:ln>
+        <a:effectLst/>
+      </dsp:spPr>
+      <dsp:style>
+        <a:lnRef idx="2">
+          <a:scrgbClr r="0" g="0" b="0"/>
+        </a:lnRef>
+        <a:fillRef idx="0">
+          <a:scrgbClr r="0" g="0" b="0"/>
+        </a:fillRef>
+        <a:effectRef idx="0">
+          <a:scrgbClr r="0" g="0" b="0"/>
+        </a:effectRef>
+        <a:fontRef idx="minor"/>
+      </dsp:style>
+    </dsp:sp>
+    <dsp:sp modelId="{F4DE06BE-3A31-4EC5-80F3-3F941A4165C0}">
+      <dsp:nvSpPr>
+        <dsp:cNvPr id="0" name=""/>
+        <dsp:cNvSpPr/>
+      </dsp:nvSpPr>
+      <dsp:spPr>
+        <a:xfrm>
+          <a:off x="4162854" y="1466998"/>
+          <a:ext cx="1008406" cy="1008406"/>
+        </a:xfrm>
+        <a:prstGeom prst="ellipse">
+          <a:avLst/>
+        </a:prstGeom>
+        <a:solidFill>
+          <a:schemeClr val="accent1">
+            <a:hueOff val="0"/>
+            <a:satOff val="0"/>
+            <a:lumOff val="0"/>
+            <a:alphaOff val="0"/>
+          </a:schemeClr>
+        </a:solidFill>
+        <a:ln w="12700" cap="flat" cmpd="sng" algn="ctr">
+          <a:solidFill>
+            <a:schemeClr val="lt1">
+              <a:hueOff val="0"/>
+              <a:satOff val="0"/>
+              <a:lumOff val="0"/>
+              <a:alphaOff val="0"/>
+            </a:schemeClr>
+          </a:solidFill>
+          <a:prstDash val="solid"/>
+          <a:miter lim="800000"/>
+        </a:ln>
+        <a:effectLst/>
+      </dsp:spPr>
+      <dsp:style>
+        <a:lnRef idx="2">
+          <a:scrgbClr r="0" g="0" b="0"/>
+        </a:lnRef>
+        <a:fillRef idx="1">
+          <a:scrgbClr r="0" g="0" b="0"/>
+        </a:fillRef>
+        <a:effectRef idx="0">
+          <a:scrgbClr r="0" g="0" b="0"/>
+        </a:effectRef>
+        <a:fontRef idx="minor">
+          <a:schemeClr val="lt1"/>
+        </a:fontRef>
+      </dsp:style>
+    </dsp:sp>
+    <dsp:sp modelId="{79024153-1514-4B08-B0FB-3D41AF2E400C}">
+      <dsp:nvSpPr>
+        <dsp:cNvPr id="0" name=""/>
+        <dsp:cNvSpPr/>
+      </dsp:nvSpPr>
+      <dsp:spPr>
+        <a:xfrm>
+          <a:off x="5171260" y="1464477"/>
+          <a:ext cx="1512609" cy="1008406"/>
+        </a:xfrm>
+        <a:prstGeom prst="rect">
+          <a:avLst/>
+        </a:prstGeom>
+        <a:noFill/>
+        <a:ln>
+          <a:noFill/>
+        </a:ln>
+        <a:effectLst/>
+      </dsp:spPr>
+      <dsp:style>
+        <a:lnRef idx="0">
+          <a:scrgbClr r="0" g="0" b="0"/>
+        </a:lnRef>
+        <a:fillRef idx="0">
+          <a:scrgbClr r="0" g="0" b="0"/>
+        </a:fillRef>
+        <a:effectRef idx="0">
+          <a:scrgbClr r="0" g="0" b="0"/>
+        </a:effectRef>
+        <a:fontRef idx="minor"/>
+      </dsp:style>
+      <dsp:txBody>
+        <a:bodyPr spcFirstLastPara="0" vert="horz" wrap="square" lIns="68580" tIns="68580" rIns="68580" bIns="68580" numCol="1" spcCol="1270" anchor="ctr" anchorCtr="0">
+          <a:noAutofit/>
+        </a:bodyPr>
+        <a:lstStyle/>
+        <a:p>
+          <a:pPr lvl="0" algn="l" defTabSz="800100">
+            <a:lnSpc>
+              <a:spcPct val="90000"/>
+            </a:lnSpc>
+            <a:spcBef>
+              <a:spcPct val="0"/>
+            </a:spcBef>
+            <a:spcAft>
+              <a:spcPct val="35000"/>
+            </a:spcAft>
+          </a:pPr>
+          <a:r>
+            <a:rPr lang="en-US" sz="1800" kern="1200" dirty="0" smtClean="0"/>
+            <a:t>Home</a:t>
+          </a:r>
+          <a:endParaRPr lang="en-US" sz="1800" kern="1200" dirty="0"/>
+        </a:p>
+      </dsp:txBody>
+      <dsp:txXfrm>
+        <a:off x="5171260" y="1464477"/>
+        <a:ext cx="1512609" cy="1008406"/>
+      </dsp:txXfrm>
+    </dsp:sp>
+    <dsp:sp modelId="{96293674-8A40-46A3-95E2-6466E78FA929}">
+      <dsp:nvSpPr>
+        <dsp:cNvPr id="0" name=""/>
+        <dsp:cNvSpPr/>
+      </dsp:nvSpPr>
+      <dsp:spPr>
+        <a:xfrm>
+          <a:off x="1389736" y="2793053"/>
+          <a:ext cx="1008406" cy="1008406"/>
+        </a:xfrm>
+        <a:prstGeom prst="ellipse">
+          <a:avLst/>
+        </a:prstGeom>
+        <a:solidFill>
+          <a:schemeClr val="accent1">
+            <a:hueOff val="0"/>
+            <a:satOff val="0"/>
+            <a:lumOff val="0"/>
+            <a:alphaOff val="0"/>
+          </a:schemeClr>
+        </a:solidFill>
+        <a:ln w="12700" cap="flat" cmpd="sng" algn="ctr">
+          <a:solidFill>
+            <a:schemeClr val="lt1">
+              <a:hueOff val="0"/>
+              <a:satOff val="0"/>
+              <a:lumOff val="0"/>
+              <a:alphaOff val="0"/>
+            </a:schemeClr>
+          </a:solidFill>
+          <a:prstDash val="solid"/>
+          <a:miter lim="800000"/>
+        </a:ln>
+        <a:effectLst/>
+      </dsp:spPr>
+      <dsp:style>
+        <a:lnRef idx="2">
+          <a:scrgbClr r="0" g="0" b="0"/>
+        </a:lnRef>
+        <a:fillRef idx="1">
+          <a:scrgbClr r="0" g="0" b="0"/>
+        </a:fillRef>
+        <a:effectRef idx="0">
+          <a:scrgbClr r="0" g="0" b="0"/>
+        </a:effectRef>
+        <a:fontRef idx="minor">
+          <a:schemeClr val="lt1"/>
+        </a:fontRef>
+      </dsp:style>
+    </dsp:sp>
+    <dsp:sp modelId="{408271A7-565D-4B61-97FD-336E32E8FFA6}">
+      <dsp:nvSpPr>
+        <dsp:cNvPr id="0" name=""/>
+        <dsp:cNvSpPr/>
+      </dsp:nvSpPr>
+      <dsp:spPr>
+        <a:xfrm>
+          <a:off x="2398142" y="2790532"/>
+          <a:ext cx="1512609" cy="1008406"/>
+        </a:xfrm>
+        <a:prstGeom prst="rect">
+          <a:avLst/>
+        </a:prstGeom>
+        <a:noFill/>
+        <a:ln>
+          <a:noFill/>
+        </a:ln>
+        <a:effectLst/>
+      </dsp:spPr>
+      <dsp:style>
+        <a:lnRef idx="0">
+          <a:scrgbClr r="0" g="0" b="0"/>
+        </a:lnRef>
+        <a:fillRef idx="0">
+          <a:scrgbClr r="0" g="0" b="0"/>
+        </a:fillRef>
+        <a:effectRef idx="0">
+          <a:scrgbClr r="0" g="0" b="0"/>
+        </a:effectRef>
+        <a:fontRef idx="minor"/>
+      </dsp:style>
+      <dsp:txBody>
+        <a:bodyPr spcFirstLastPara="0" vert="horz" wrap="square" lIns="68580" tIns="68580" rIns="68580" bIns="68580" numCol="1" spcCol="1270" anchor="ctr" anchorCtr="0">
+          <a:noAutofit/>
+        </a:bodyPr>
+        <a:lstStyle/>
+        <a:p>
+          <a:pPr lvl="0" algn="l" defTabSz="800100">
+            <a:lnSpc>
+              <a:spcPct val="90000"/>
+            </a:lnSpc>
+            <a:spcBef>
+              <a:spcPct val="0"/>
+            </a:spcBef>
+            <a:spcAft>
+              <a:spcPct val="35000"/>
+            </a:spcAft>
+          </a:pPr>
+          <a:r>
+            <a:rPr lang="en-US" sz="1800" kern="1200" dirty="0" smtClean="0"/>
+            <a:t>Services (Maybe "What We Offer")</a:t>
+          </a:r>
+          <a:endParaRPr lang="en-US" sz="1800" kern="1200" dirty="0"/>
+        </a:p>
+      </dsp:txBody>
+      <dsp:txXfrm>
+        <a:off x="2398142" y="2790532"/>
+        <a:ext cx="1512609" cy="1008406"/>
+      </dsp:txXfrm>
+    </dsp:sp>
+    <dsp:sp modelId="{45B94D86-F2CF-42A5-AA7F-F11F3871DD3D}">
+      <dsp:nvSpPr>
+        <dsp:cNvPr id="0" name=""/>
+        <dsp:cNvSpPr/>
+      </dsp:nvSpPr>
+      <dsp:spPr>
+        <a:xfrm>
+          <a:off x="3177" y="4119107"/>
+          <a:ext cx="1008406" cy="1008406"/>
+        </a:xfrm>
+        <a:prstGeom prst="ellipse">
+          <a:avLst/>
+        </a:prstGeom>
+        <a:solidFill>
+          <a:schemeClr val="accent1">
+            <a:hueOff val="0"/>
+            <a:satOff val="0"/>
+            <a:lumOff val="0"/>
+            <a:alphaOff val="0"/>
+          </a:schemeClr>
+        </a:solidFill>
+        <a:ln w="12700" cap="flat" cmpd="sng" algn="ctr">
+          <a:solidFill>
+            <a:schemeClr val="lt1">
+              <a:hueOff val="0"/>
+              <a:satOff val="0"/>
+              <a:lumOff val="0"/>
+              <a:alphaOff val="0"/>
+            </a:schemeClr>
+          </a:solidFill>
+          <a:prstDash val="solid"/>
+          <a:miter lim="800000"/>
+        </a:ln>
+        <a:effectLst/>
+      </dsp:spPr>
+      <dsp:style>
+        <a:lnRef idx="2">
+          <a:scrgbClr r="0" g="0" b="0"/>
+        </a:lnRef>
+        <a:fillRef idx="1">
+          <a:scrgbClr r="0" g="0" b="0"/>
+        </a:fillRef>
+        <a:effectRef idx="0">
+          <a:scrgbClr r="0" g="0" b="0"/>
+        </a:effectRef>
+        <a:fontRef idx="minor">
+          <a:schemeClr val="lt1"/>
+        </a:fontRef>
+      </dsp:style>
+    </dsp:sp>
+    <dsp:sp modelId="{E3FE302E-4494-4DDF-880C-0D1C06C928BB}">
+      <dsp:nvSpPr>
+        <dsp:cNvPr id="0" name=""/>
+        <dsp:cNvSpPr/>
+      </dsp:nvSpPr>
+      <dsp:spPr>
+        <a:xfrm>
+          <a:off x="1011584" y="4116586"/>
+          <a:ext cx="1512609" cy="1008406"/>
+        </a:xfrm>
+        <a:prstGeom prst="rect">
+          <a:avLst/>
+        </a:prstGeom>
+        <a:noFill/>
+        <a:ln>
+          <a:noFill/>
+        </a:ln>
+        <a:effectLst/>
+      </dsp:spPr>
+      <dsp:style>
+        <a:lnRef idx="0">
+          <a:scrgbClr r="0" g="0" b="0"/>
+        </a:lnRef>
+        <a:fillRef idx="0">
+          <a:scrgbClr r="0" g="0" b="0"/>
+        </a:fillRef>
+        <a:effectRef idx="0">
+          <a:scrgbClr r="0" g="0" b="0"/>
+        </a:effectRef>
+        <a:fontRef idx="minor"/>
+      </dsp:style>
+      <dsp:txBody>
+        <a:bodyPr spcFirstLastPara="0" vert="horz" wrap="square" lIns="68580" tIns="68580" rIns="68580" bIns="68580" numCol="1" spcCol="1270" anchor="ctr" anchorCtr="0">
+          <a:noAutofit/>
+        </a:bodyPr>
+        <a:lstStyle/>
+        <a:p>
+          <a:pPr lvl="0" algn="l" defTabSz="800100">
+            <a:lnSpc>
+              <a:spcPct val="90000"/>
+            </a:lnSpc>
+            <a:spcBef>
+              <a:spcPct val="0"/>
+            </a:spcBef>
+            <a:spcAft>
+              <a:spcPct val="35000"/>
+            </a:spcAft>
+          </a:pPr>
+          <a:r>
+            <a:rPr lang="en-US" sz="1800" kern="1200" dirty="0" smtClean="0"/>
+            <a:t>Classes</a:t>
+          </a:r>
+          <a:endParaRPr lang="en-US" sz="1800" kern="1200" dirty="0"/>
+        </a:p>
+      </dsp:txBody>
+      <dsp:txXfrm>
+        <a:off x="1011584" y="4116586"/>
+        <a:ext cx="1512609" cy="1008406"/>
+      </dsp:txXfrm>
+    </dsp:sp>
+    <dsp:sp modelId="{40DA181C-4A10-4B39-998B-F0DD40BC2EE7}">
+      <dsp:nvSpPr>
+        <dsp:cNvPr id="0" name=""/>
+        <dsp:cNvSpPr/>
+      </dsp:nvSpPr>
+      <dsp:spPr>
+        <a:xfrm>
+          <a:off x="2776295" y="4119107"/>
+          <a:ext cx="1008406" cy="1008406"/>
+        </a:xfrm>
+        <a:prstGeom prst="ellipse">
+          <a:avLst/>
+        </a:prstGeom>
+        <a:solidFill>
+          <a:schemeClr val="accent1">
+            <a:hueOff val="0"/>
+            <a:satOff val="0"/>
+            <a:lumOff val="0"/>
+            <a:alphaOff val="0"/>
+          </a:schemeClr>
+        </a:solidFill>
+        <a:ln w="12700" cap="flat" cmpd="sng" algn="ctr">
+          <a:solidFill>
+            <a:schemeClr val="lt1">
+              <a:hueOff val="0"/>
+              <a:satOff val="0"/>
+              <a:lumOff val="0"/>
+              <a:alphaOff val="0"/>
+            </a:schemeClr>
+          </a:solidFill>
+          <a:prstDash val="solid"/>
+          <a:miter lim="800000"/>
+        </a:ln>
+        <a:effectLst/>
+      </dsp:spPr>
+      <dsp:style>
+        <a:lnRef idx="2">
+          <a:scrgbClr r="0" g="0" b="0"/>
+        </a:lnRef>
+        <a:fillRef idx="1">
+          <a:scrgbClr r="0" g="0" b="0"/>
+        </a:fillRef>
+        <a:effectRef idx="0">
+          <a:scrgbClr r="0" g="0" b="0"/>
+        </a:effectRef>
+        <a:fontRef idx="minor">
+          <a:schemeClr val="lt1"/>
+        </a:fontRef>
+      </dsp:style>
+    </dsp:sp>
+    <dsp:sp modelId="{442A0C03-C987-4F0C-AC03-24CBC1452F9B}">
+      <dsp:nvSpPr>
+        <dsp:cNvPr id="0" name=""/>
+        <dsp:cNvSpPr/>
+      </dsp:nvSpPr>
+      <dsp:spPr>
+        <a:xfrm>
+          <a:off x="3784701" y="4116586"/>
+          <a:ext cx="1512609" cy="1008406"/>
+        </a:xfrm>
+        <a:prstGeom prst="rect">
+          <a:avLst/>
+        </a:prstGeom>
+        <a:noFill/>
+        <a:ln>
+          <a:noFill/>
+        </a:ln>
+        <a:effectLst/>
+      </dsp:spPr>
+      <dsp:style>
+        <a:lnRef idx="0">
+          <a:scrgbClr r="0" g="0" b="0"/>
+        </a:lnRef>
+        <a:fillRef idx="0">
+          <a:scrgbClr r="0" g="0" b="0"/>
+        </a:fillRef>
+        <a:effectRef idx="0">
+          <a:scrgbClr r="0" g="0" b="0"/>
+        </a:effectRef>
+        <a:fontRef idx="minor"/>
+      </dsp:style>
+      <dsp:txBody>
+        <a:bodyPr spcFirstLastPara="0" vert="horz" wrap="square" lIns="68580" tIns="68580" rIns="68580" bIns="68580" numCol="1" spcCol="1270" anchor="ctr" anchorCtr="0">
+          <a:noAutofit/>
+        </a:bodyPr>
+        <a:lstStyle/>
+        <a:p>
+          <a:pPr lvl="0" algn="l" defTabSz="800100">
+            <a:lnSpc>
+              <a:spcPct val="90000"/>
+            </a:lnSpc>
+            <a:spcBef>
+              <a:spcPct val="0"/>
+            </a:spcBef>
+            <a:spcAft>
+              <a:spcPct val="35000"/>
+            </a:spcAft>
+          </a:pPr>
+          <a:r>
+            <a:rPr lang="en-US" sz="1800" kern="1200" dirty="0" smtClean="0"/>
+            <a:t>Private Lessons</a:t>
+          </a:r>
+          <a:endParaRPr lang="en-US" sz="1800" kern="1200" dirty="0"/>
+        </a:p>
+      </dsp:txBody>
+      <dsp:txXfrm>
+        <a:off x="3784701" y="4116586"/>
+        <a:ext cx="1512609" cy="1008406"/>
+      </dsp:txXfrm>
+    </dsp:sp>
+    <dsp:sp modelId="{C1449B73-7CAB-419F-AE46-9BED7C29A0EA}">
+      <dsp:nvSpPr>
+        <dsp:cNvPr id="0" name=""/>
+        <dsp:cNvSpPr/>
+      </dsp:nvSpPr>
+      <dsp:spPr>
+        <a:xfrm>
+          <a:off x="6935971" y="2793053"/>
+          <a:ext cx="1008406" cy="1008406"/>
+        </a:xfrm>
+        <a:prstGeom prst="ellipse">
+          <a:avLst/>
+        </a:prstGeom>
+        <a:solidFill>
+          <a:schemeClr val="accent1">
+            <a:hueOff val="0"/>
+            <a:satOff val="0"/>
+            <a:lumOff val="0"/>
+            <a:alphaOff val="0"/>
+          </a:schemeClr>
+        </a:solidFill>
+        <a:ln w="12700" cap="flat" cmpd="sng" algn="ctr">
+          <a:solidFill>
+            <a:schemeClr val="lt1">
+              <a:hueOff val="0"/>
+              <a:satOff val="0"/>
+              <a:lumOff val="0"/>
+              <a:alphaOff val="0"/>
+            </a:schemeClr>
+          </a:solidFill>
+          <a:prstDash val="solid"/>
+          <a:miter lim="800000"/>
+        </a:ln>
+        <a:effectLst/>
+      </dsp:spPr>
+      <dsp:style>
+        <a:lnRef idx="2">
+          <a:scrgbClr r="0" g="0" b="0"/>
+        </a:lnRef>
+        <a:fillRef idx="1">
+          <a:scrgbClr r="0" g="0" b="0"/>
+        </a:fillRef>
+        <a:effectRef idx="0">
+          <a:scrgbClr r="0" g="0" b="0"/>
+        </a:effectRef>
+        <a:fontRef idx="minor">
+          <a:schemeClr val="lt1"/>
+        </a:fontRef>
+      </dsp:style>
+    </dsp:sp>
+    <dsp:sp modelId="{1DCDCA82-401E-4BB1-8708-90CB64051699}">
+      <dsp:nvSpPr>
+        <dsp:cNvPr id="0" name=""/>
+        <dsp:cNvSpPr/>
+      </dsp:nvSpPr>
+      <dsp:spPr>
+        <a:xfrm>
+          <a:off x="7944377" y="2790532"/>
+          <a:ext cx="1512609" cy="1008406"/>
+        </a:xfrm>
+        <a:prstGeom prst="rect">
+          <a:avLst/>
+        </a:prstGeom>
+        <a:noFill/>
+        <a:ln>
+          <a:noFill/>
+        </a:ln>
+        <a:effectLst/>
+      </dsp:spPr>
+      <dsp:style>
+        <a:lnRef idx="0">
+          <a:scrgbClr r="0" g="0" b="0"/>
+        </a:lnRef>
+        <a:fillRef idx="0">
+          <a:scrgbClr r="0" g="0" b="0"/>
+        </a:fillRef>
+        <a:effectRef idx="0">
+          <a:scrgbClr r="0" g="0" b="0"/>
+        </a:effectRef>
+        <a:fontRef idx="minor"/>
+      </dsp:style>
+      <dsp:txBody>
+        <a:bodyPr spcFirstLastPara="0" vert="horz" wrap="square" lIns="68580" tIns="68580" rIns="68580" bIns="68580" numCol="1" spcCol="1270" anchor="ctr" anchorCtr="0">
+          <a:noAutofit/>
+        </a:bodyPr>
+        <a:lstStyle/>
+        <a:p>
+          <a:pPr lvl="0" algn="l" defTabSz="800100">
+            <a:lnSpc>
+              <a:spcPct val="90000"/>
+            </a:lnSpc>
+            <a:spcBef>
+              <a:spcPct val="0"/>
+            </a:spcBef>
+            <a:spcAft>
+              <a:spcPct val="35000"/>
+            </a:spcAft>
+          </a:pPr>
+          <a:r>
+            <a:rPr lang="en-US" sz="1800" kern="1200" dirty="0" smtClean="0"/>
+            <a:t>About (Maybe "Who We Are")</a:t>
+          </a:r>
+        </a:p>
+      </dsp:txBody>
+      <dsp:txXfrm>
+        <a:off x="7944377" y="2790532"/>
+        <a:ext cx="1512609" cy="1008406"/>
+      </dsp:txXfrm>
+    </dsp:sp>
+    <dsp:sp modelId="{A3C1F74B-CB7D-4791-A215-F34E029D67D0}">
+      <dsp:nvSpPr>
+        <dsp:cNvPr id="0" name=""/>
+        <dsp:cNvSpPr/>
+      </dsp:nvSpPr>
+      <dsp:spPr>
+        <a:xfrm>
+          <a:off x="5549412" y="4119107"/>
+          <a:ext cx="1008406" cy="1008406"/>
+        </a:xfrm>
+        <a:prstGeom prst="ellipse">
+          <a:avLst/>
+        </a:prstGeom>
+        <a:solidFill>
+          <a:schemeClr val="accent1">
+            <a:hueOff val="0"/>
+            <a:satOff val="0"/>
+            <a:lumOff val="0"/>
+            <a:alphaOff val="0"/>
+          </a:schemeClr>
+        </a:solidFill>
+        <a:ln w="12700" cap="flat" cmpd="sng" algn="ctr">
+          <a:solidFill>
+            <a:schemeClr val="lt1">
+              <a:hueOff val="0"/>
+              <a:satOff val="0"/>
+              <a:lumOff val="0"/>
+              <a:alphaOff val="0"/>
+            </a:schemeClr>
+          </a:solidFill>
+          <a:prstDash val="solid"/>
+          <a:miter lim="800000"/>
+        </a:ln>
+        <a:effectLst/>
+      </dsp:spPr>
+      <dsp:style>
+        <a:lnRef idx="2">
+          <a:scrgbClr r="0" g="0" b="0"/>
+        </a:lnRef>
+        <a:fillRef idx="1">
+          <a:scrgbClr r="0" g="0" b="0"/>
+        </a:fillRef>
+        <a:effectRef idx="0">
+          <a:scrgbClr r="0" g="0" b="0"/>
+        </a:effectRef>
+        <a:fontRef idx="minor">
+          <a:schemeClr val="lt1"/>
+        </a:fontRef>
+      </dsp:style>
+    </dsp:sp>
+    <dsp:sp modelId="{2ABE305A-CF3F-4731-BA54-C197307CC3B1}">
+      <dsp:nvSpPr>
+        <dsp:cNvPr id="0" name=""/>
+        <dsp:cNvSpPr/>
+      </dsp:nvSpPr>
+      <dsp:spPr>
+        <a:xfrm>
+          <a:off x="6557819" y="4116586"/>
+          <a:ext cx="1512609" cy="1008406"/>
+        </a:xfrm>
+        <a:prstGeom prst="rect">
+          <a:avLst/>
+        </a:prstGeom>
+        <a:noFill/>
+        <a:ln>
+          <a:noFill/>
+        </a:ln>
+        <a:effectLst/>
+      </dsp:spPr>
+      <dsp:style>
+        <a:lnRef idx="0">
+          <a:scrgbClr r="0" g="0" b="0"/>
+        </a:lnRef>
+        <a:fillRef idx="0">
+          <a:scrgbClr r="0" g="0" b="0"/>
+        </a:fillRef>
+        <a:effectRef idx="0">
+          <a:scrgbClr r="0" g="0" b="0"/>
+        </a:effectRef>
+        <a:fontRef idx="minor"/>
+      </dsp:style>
+      <dsp:txBody>
+        <a:bodyPr spcFirstLastPara="0" vert="horz" wrap="square" lIns="68580" tIns="68580" rIns="68580" bIns="68580" numCol="1" spcCol="1270" anchor="ctr" anchorCtr="0">
+          <a:noAutofit/>
+        </a:bodyPr>
+        <a:lstStyle/>
+        <a:p>
+          <a:pPr lvl="0" algn="l" defTabSz="800100">
+            <a:lnSpc>
+              <a:spcPct val="90000"/>
+            </a:lnSpc>
+            <a:spcBef>
+              <a:spcPct val="0"/>
+            </a:spcBef>
+            <a:spcAft>
+              <a:spcPct val="35000"/>
+            </a:spcAft>
+          </a:pPr>
+          <a:r>
+            <a:rPr lang="en-US" sz="1800" kern="1200" dirty="0" smtClean="0"/>
+            <a:t>Instructors</a:t>
+          </a:r>
+        </a:p>
+      </dsp:txBody>
+      <dsp:txXfrm>
+        <a:off x="6557819" y="4116586"/>
+        <a:ext cx="1512609" cy="1008406"/>
+      </dsp:txXfrm>
+    </dsp:sp>
+    <dsp:sp modelId="{D940068F-4483-490E-8EED-00D1ACD0F65F}">
+      <dsp:nvSpPr>
+        <dsp:cNvPr id="0" name=""/>
+        <dsp:cNvSpPr/>
+      </dsp:nvSpPr>
+      <dsp:spPr>
+        <a:xfrm>
+          <a:off x="8322530" y="4119107"/>
+          <a:ext cx="1008406" cy="1008406"/>
+        </a:xfrm>
+        <a:prstGeom prst="ellipse">
+          <a:avLst/>
+        </a:prstGeom>
+        <a:solidFill>
+          <a:schemeClr val="accent1">
+            <a:hueOff val="0"/>
+            <a:satOff val="0"/>
+            <a:lumOff val="0"/>
+            <a:alphaOff val="0"/>
+          </a:schemeClr>
+        </a:solidFill>
+        <a:ln w="12700" cap="flat" cmpd="sng" algn="ctr">
+          <a:solidFill>
+            <a:schemeClr val="lt1">
+              <a:hueOff val="0"/>
+              <a:satOff val="0"/>
+              <a:lumOff val="0"/>
+              <a:alphaOff val="0"/>
+            </a:schemeClr>
+          </a:solidFill>
+          <a:prstDash val="solid"/>
+          <a:miter lim="800000"/>
+        </a:ln>
+        <a:effectLst/>
+      </dsp:spPr>
+      <dsp:style>
+        <a:lnRef idx="2">
+          <a:scrgbClr r="0" g="0" b="0"/>
+        </a:lnRef>
+        <a:fillRef idx="1">
+          <a:scrgbClr r="0" g="0" b="0"/>
+        </a:fillRef>
+        <a:effectRef idx="0">
+          <a:scrgbClr r="0" g="0" b="0"/>
+        </a:effectRef>
+        <a:fontRef idx="minor">
+          <a:schemeClr val="lt1"/>
+        </a:fontRef>
+      </dsp:style>
+    </dsp:sp>
+    <dsp:sp modelId="{F3029E17-338B-4CFA-8AE8-C2A9929078E1}">
+      <dsp:nvSpPr>
+        <dsp:cNvPr id="0" name=""/>
+        <dsp:cNvSpPr/>
+      </dsp:nvSpPr>
+      <dsp:spPr>
+        <a:xfrm>
+          <a:off x="9330936" y="4116586"/>
+          <a:ext cx="1512609" cy="1008406"/>
+        </a:xfrm>
+        <a:prstGeom prst="rect">
+          <a:avLst/>
+        </a:prstGeom>
+        <a:noFill/>
+        <a:ln>
+          <a:noFill/>
+        </a:ln>
+        <a:effectLst/>
+      </dsp:spPr>
+      <dsp:style>
+        <a:lnRef idx="0">
+          <a:scrgbClr r="0" g="0" b="0"/>
+        </a:lnRef>
+        <a:fillRef idx="0">
+          <a:scrgbClr r="0" g="0" b="0"/>
+        </a:fillRef>
+        <a:effectRef idx="0">
+          <a:scrgbClr r="0" g="0" b="0"/>
+        </a:effectRef>
+        <a:fontRef idx="minor"/>
+      </dsp:style>
+      <dsp:txBody>
+        <a:bodyPr spcFirstLastPara="0" vert="horz" wrap="square" lIns="68580" tIns="68580" rIns="68580" bIns="68580" numCol="1" spcCol="1270" anchor="ctr" anchorCtr="0">
+          <a:noAutofit/>
+        </a:bodyPr>
+        <a:lstStyle/>
+        <a:p>
+          <a:pPr lvl="0" algn="l" defTabSz="800100">
+            <a:lnSpc>
+              <a:spcPct val="90000"/>
+            </a:lnSpc>
+            <a:spcBef>
+              <a:spcPct val="0"/>
+            </a:spcBef>
+            <a:spcAft>
+              <a:spcPct val="35000"/>
+            </a:spcAft>
+          </a:pPr>
+          <a:r>
+            <a:rPr lang="en-US" sz="1800" kern="1200" dirty="0" smtClean="0"/>
+            <a:t>Non-Discriminatory Policy</a:t>
+          </a:r>
+        </a:p>
+      </dsp:txBody>
+      <dsp:txXfrm>
+        <a:off x="9330936" y="4116586"/>
+        <a:ext cx="1512609" cy="1008406"/>
+      </dsp:txXfrm>
+    </dsp:sp>
+  </dsp:spTree>
+</dsp:drawing>
+</file>
+
 <file path=ppt/diagrams/layout1.xml><?xml version="1.0" encoding="utf-8"?>
+<dgm:layoutDef xmlns:dgm="http://schemas.openxmlformats.org/drawingml/2006/diagram" xmlns:a="http://schemas.openxmlformats.org/drawingml/2006/main" uniqueId="urn:microsoft.com/office/officeart/2009/layout/CirclePictureHierarchy">
+  <dgm:title val=""/>
+  <dgm:desc val=""/>
+  <dgm:catLst>
+    <dgm:cat type="hierarchy" pri="1750"/>
+    <dgm:cat type="picture" pri="23000"/>
+    <dgm:cat type="pictureconvert" pri="23000"/>
+  </dgm:catLst>
+  <dgm:sampData>
+    <dgm:dataModel>
+      <dgm:ptLst>
+        <dgm:pt modelId="0" type="doc"/>
+        <dgm:pt modelId="1">
+          <dgm:prSet phldr="1"/>
+        </dgm:pt>
+        <dgm:pt modelId="2">
+          <dgm:prSet phldr="1"/>
+        </dgm:pt>
+        <dgm:pt modelId="21">
+          <dgm:prSet phldr="1"/>
+        </dgm:pt>
+        <dgm:pt modelId="22">
+          <dgm:prSet phldr="1"/>
+        </dgm:pt>
+        <dgm:pt modelId="3">
+          <dgm:prSet phldr="1"/>
+        </dgm:pt>
+        <dgm:pt modelId="31">
+          <dgm:prSet phldr="1"/>
+        </dgm:pt>
+      </dgm:ptLst>
+      <dgm:cxnLst>
+        <dgm:cxn modelId="4" srcId="0" destId="1" srcOrd="0" destOrd="0"/>
+        <dgm:cxn modelId="5" srcId="1" destId="2" srcOrd="0" destOrd="0"/>
+        <dgm:cxn modelId="6" srcId="1" destId="3" srcOrd="1" destOrd="0"/>
+        <dgm:cxn modelId="23" srcId="2" destId="21" srcOrd="0" destOrd="0"/>
+        <dgm:cxn modelId="24" srcId="2" destId="22" srcOrd="1" destOrd="0"/>
+        <dgm:cxn modelId="33" srcId="3" destId="31" srcOrd="0" destOrd="0"/>
+      </dgm:cxnLst>
+      <dgm:bg/>
+      <dgm:whole/>
+    </dgm:dataModel>
+  </dgm:sampData>
+  <dgm:styleData>
+    <dgm:dataModel>
+      <dgm:ptLst>
+        <dgm:pt modelId="0" type="doc"/>
+        <dgm:pt modelId="1"/>
+        <dgm:pt modelId="11"/>
+        <dgm:pt modelId="12"/>
+      </dgm:ptLst>
+      <dgm:cxnLst>
+        <dgm:cxn modelId="2" srcId="0" destId="1" srcOrd="0" destOrd="0"/>
+        <dgm:cxn modelId="13" srcId="1" destId="11" srcOrd="0" destOrd="0"/>
+        <dgm:cxn modelId="14" srcId="1" destId="12" srcOrd="1" destOrd="0"/>
+      </dgm:cxnLst>
+      <dgm:bg/>
+      <dgm:whole/>
+    </dgm:dataModel>
+  </dgm:styleData>
+  <dgm:clrData>
+    <dgm:dataModel>
+      <dgm:ptLst>
+        <dgm:pt modelId="0" type="doc"/>
+        <dgm:pt modelId="1"/>
+        <dgm:pt modelId="2"/>
+        <dgm:pt modelId="21"/>
+        <dgm:pt modelId="211"/>
+        <dgm:pt modelId="3"/>
+        <dgm:pt modelId="31"/>
+        <dgm:pt modelId="311"/>
+      </dgm:ptLst>
+      <dgm:cxnLst>
+        <dgm:cxn modelId="4" srcId="0" destId="1" srcOrd="0" destOrd="0"/>
+        <dgm:cxn modelId="5" srcId="1" destId="2" srcOrd="0" destOrd="0"/>
+        <dgm:cxn modelId="6" srcId="1" destId="3" srcOrd="1" destOrd="0"/>
+        <dgm:cxn modelId="23" srcId="2" destId="21" srcOrd="0" destOrd="0"/>
+        <dgm:cxn modelId="24" srcId="21" destId="211" srcOrd="0" destOrd="0"/>
+        <dgm:cxn modelId="33" srcId="3" destId="31" srcOrd="0" destOrd="0"/>
+        <dgm:cxn modelId="34" srcId="31" destId="311" srcOrd="0" destOrd="0"/>
+      </dgm:cxnLst>
+      <dgm:bg/>
+      <dgm:whole/>
+    </dgm:dataModel>
+  </dgm:clrData>
+  <dgm:layoutNode name="hierChild1">
+    <dgm:varLst>
+      <dgm:chPref val="1"/>
+      <dgm:dir/>
+      <dgm:animOne val="branch"/>
+      <dgm:animLvl val="lvl"/>
+      <dgm:resizeHandles/>
+    </dgm:varLst>
+    <dgm:choose name="Name0">
+      <dgm:if name="Name1" func="var" arg="dir" op="equ" val="norm">
+        <dgm:alg type="hierChild">
+          <dgm:param type="linDir" val="fromL"/>
+        </dgm:alg>
+      </dgm:if>
+      <dgm:else name="Name2">
+        <dgm:alg type="hierChild">
+          <dgm:param type="linDir" val="fromR"/>
+        </dgm:alg>
+      </dgm:else>
+    </dgm:choose>
+    <dgm:shape xmlns:r="http://schemas.openxmlformats.org/officeDocument/2006/relationships" r:blip="">
+      <dgm:adjLst/>
+    </dgm:shape>
+    <dgm:presOf/>
+    <dgm:constrLst>
+      <dgm:constr type="primFontSz" for="des" ptType="node" op="equ" val="65"/>
+      <dgm:constr type="w" for="des" forName="composite" refType="w"/>
+      <dgm:constr type="h" for="des" forName="composite" refType="w" refFor="des" refForName="composite" fact="0.5"/>
+      <dgm:constr type="w" for="des" forName="composite2" refType="w" refFor="des" refForName="composite"/>
+      <dgm:constr type="h" for="des" forName="composite2" refType="h" refFor="des" refForName="composite"/>
+      <dgm:constr type="w" for="des" forName="composite3" refType="w" refFor="des" refForName="composite"/>
+      <dgm:constr type="h" for="des" forName="composite3" refType="h" refFor="des" refForName="composite"/>
+      <dgm:constr type="w" for="des" forName="composite4" refType="w" refFor="des" refForName="composite"/>
+      <dgm:constr type="h" for="des" forName="composite4" refType="h" refFor="des" refForName="composite"/>
+      <dgm:constr type="w" for="des" forName="composite5" refType="w" refFor="des" refForName="composite"/>
+      <dgm:constr type="h" for="des" forName="composite5" refType="h" refFor="des" refForName="composite"/>
+      <dgm:constr type="sibSp" refType="w" refFor="des" refForName="composite" fact="0.1"/>
+      <dgm:constr type="sibSp" for="des" forName="hierChild2" refType="sibSp"/>
+      <dgm:constr type="sibSp" for="des" forName="hierChild3" refType="sibSp"/>
+      <dgm:constr type="sibSp" for="des" forName="hierChild4" refType="sibSp"/>
+      <dgm:constr type="sibSp" for="des" forName="hierChild5" refType="sibSp"/>
+      <dgm:constr type="sibSp" for="des" forName="hierChild6" refType="sibSp"/>
+      <dgm:constr type="sp" for="des" forName="hierRoot1" refType="h" refFor="des" refForName="composite" fact="0.25"/>
+      <dgm:constr type="sp" for="des" forName="hierRoot2" refType="sp" refFor="des" refForName="hierRoot1"/>
+      <dgm:constr type="sp" for="des" forName="hierRoot3" refType="sp" refFor="des" refForName="hierRoot1"/>
+      <dgm:constr type="sp" for="des" forName="hierRoot4" refType="sp" refFor="des" refForName="hierRoot1"/>
+      <dgm:constr type="sp" for="des" forName="hierRoot5" refType="sp" refFor="des" refForName="hierRoot1"/>
+    </dgm:constrLst>
+    <dgm:ruleLst/>
+    <dgm:forEach name="Name3" axis="ch">
+      <dgm:forEach name="Name4" axis="self" ptType="node">
+        <dgm:layoutNode name="hierRoot1">
+          <dgm:alg type="hierRoot"/>
+          <dgm:shape xmlns:r="http://schemas.openxmlformats.org/officeDocument/2006/relationships" r:blip="">
+            <dgm:adjLst/>
+          </dgm:shape>
+          <dgm:presOf/>
+          <dgm:constrLst>
+            <dgm:constr type="bendDist" for="des" ptType="parTrans" refType="sp" fact="0.5"/>
+          </dgm:constrLst>
+          <dgm:ruleLst/>
+          <dgm:layoutNode name="composite">
+            <dgm:alg type="composite"/>
+            <dgm:shape xmlns:r="http://schemas.openxmlformats.org/officeDocument/2006/relationships" r:blip="">
+              <dgm:adjLst/>
+            </dgm:shape>
+            <dgm:presOf/>
+            <dgm:constrLst>
+              <dgm:constr type="h" for="ch" forName="image" refType="h" fact="0.8"/>
+              <dgm:constr type="w" for="ch" forName="image" refType="h" refFor="ch" refForName="image"/>
+              <dgm:constr type="t" for="ch" forName="image" refType="h" fact="0.1"/>
+              <dgm:constr type="l" for="ch" forName="image"/>
+              <dgm:constr type="w" for="ch" forName="text" refType="w" fact="0.6"/>
+              <dgm:constr type="h" for="ch" forName="text" refType="h" fact="0.8"/>
+              <dgm:constr type="t" for="ch" forName="text" refType="w" fact="0.04"/>
+              <dgm:constr type="l" for="ch" forName="text" refType="w" fact="0.4"/>
+            </dgm:constrLst>
+            <dgm:ruleLst/>
+            <dgm:layoutNode name="image" styleLbl="node0">
+              <dgm:alg type="sp"/>
+              <dgm:shape xmlns:r="http://schemas.openxmlformats.org/officeDocument/2006/relationships" type="ellipse" r:blip="" blipPhldr="1">
+                <dgm:adjLst/>
+              </dgm:shape>
+              <dgm:presOf/>
+              <dgm:constrLst/>
+              <dgm:ruleLst/>
+            </dgm:layoutNode>
+            <dgm:layoutNode name="text" styleLbl="revTx">
+              <dgm:varLst>
+                <dgm:chPref val="3"/>
+              </dgm:varLst>
+              <dgm:alg type="tx">
+                <dgm:param type="parTxLTRAlign" val="l"/>
+                <dgm:param type="parTxRTLAlign" val="r"/>
+              </dgm:alg>
+              <dgm:shape xmlns:r="http://schemas.openxmlformats.org/officeDocument/2006/relationships" type="rect" r:blip="">
+                <dgm:adjLst/>
+              </dgm:shape>
+              <dgm:presOf axis="self"/>
+              <dgm:constrLst>
+                <dgm:constr type="tMarg" refType="primFontSz" fact="0.3"/>
+                <dgm:constr type="bMarg" refType="primFontSz" fact="0.3"/>
+                <dgm:constr type="lMarg" refType="primFontSz" fact="0.3"/>
+                <dgm:constr type="rMarg" refType="primFontSz" fact="0.3"/>
+              </dgm:constrLst>
+              <dgm:ruleLst>
+                <dgm:rule type="primFontSz" val="5" fact="NaN" max="NaN"/>
+              </dgm:ruleLst>
+            </dgm:layoutNode>
+          </dgm:layoutNode>
+          <dgm:layoutNode name="hierChild2">
+            <dgm:choose name="Name5">
+              <dgm:if name="Name6" func="var" arg="dir" op="equ" val="norm">
+                <dgm:alg type="hierChild">
+                  <dgm:param type="linDir" val="fromL"/>
+                </dgm:alg>
+              </dgm:if>
+              <dgm:else name="Name7">
+                <dgm:alg type="hierChild">
+                  <dgm:param type="linDir" val="fromR"/>
+                </dgm:alg>
+              </dgm:else>
+            </dgm:choose>
+            <dgm:shape xmlns:r="http://schemas.openxmlformats.org/officeDocument/2006/relationships" r:blip="">
+              <dgm:adjLst/>
+            </dgm:shape>
+            <dgm:presOf/>
+            <dgm:constrLst/>
+            <dgm:ruleLst/>
+            <dgm:forEach name="Name8" axis="ch">
+              <dgm:forEach name="Name9" axis="self" ptType="parTrans" cnt="1">
+                <dgm:layoutNode name="Name10">
+                  <dgm:alg type="conn">
+                    <dgm:param type="dim" val="1D"/>
+                    <dgm:param type="endSty" val="noArr"/>
+                    <dgm:param type="connRout" val="bend"/>
+                    <dgm:param type="bendPt" val="end"/>
+                    <dgm:param type="begPts" val="bCtr"/>
+                    <dgm:param type="endPts" val="tCtr"/>
+                    <dgm:param type="srcNode" val="image"/>
+                    <dgm:param type="dstNode" val="image2"/>
+                  </dgm:alg>
+                  <dgm:shape xmlns:r="http://schemas.openxmlformats.org/officeDocument/2006/relationships" type="conn" r:blip="" zOrderOff="-999">
+                    <dgm:adjLst/>
+                  </dgm:shape>
+                  <dgm:presOf axis="self"/>
+                  <dgm:constrLst>
+                    <dgm:constr type="begPad"/>
+                    <dgm:constr type="endPad"/>
+                  </dgm:constrLst>
+                  <dgm:ruleLst/>
+                </dgm:layoutNode>
+              </dgm:forEach>
+              <dgm:forEach name="Name11" axis="self" ptType="node">
+                <dgm:layoutNode name="hierRoot2">
+                  <dgm:alg type="hierRoot"/>
+                  <dgm:shape xmlns:r="http://schemas.openxmlformats.org/officeDocument/2006/relationships" r:blip="">
+                    <dgm:adjLst/>
+                  </dgm:shape>
+                  <dgm:presOf/>
+                  <dgm:constrLst>
+                    <dgm:constr type="bendDist" for="des" ptType="parTrans" refType="sp" fact="0.5"/>
+                  </dgm:constrLst>
+                  <dgm:ruleLst/>
+                  <dgm:layoutNode name="composite2">
+                    <dgm:alg type="composite"/>
+                    <dgm:shape xmlns:r="http://schemas.openxmlformats.org/officeDocument/2006/relationships" r:blip="">
+                      <dgm:adjLst/>
+                    </dgm:shape>
+                    <dgm:presOf/>
+                    <dgm:constrLst>
+                      <dgm:constr type="h" for="ch" forName="image2" refType="h" fact="0.8"/>
+                      <dgm:constr type="w" for="ch" forName="image2" refType="h" refFor="ch" refForName="image2"/>
+                      <dgm:constr type="t" for="ch" forName="image2" refType="h" fact="0.1"/>
+                      <dgm:constr type="l" for="ch" forName="image2"/>
+                      <dgm:constr type="w" for="ch" forName="text2" refType="w" fact="0.6"/>
+                      <dgm:constr type="h" for="ch" forName="text2" refType="h" fact="0.8"/>
+                      <dgm:constr type="t" for="ch" forName="text2" refType="w" fact="0.04"/>
+                      <dgm:constr type="l" for="ch" forName="text2" refType="w" fact="0.4"/>
+                    </dgm:constrLst>
+                    <dgm:ruleLst/>
+                    <dgm:layoutNode name="image2">
+                      <dgm:alg type="sp"/>
+                      <dgm:shape xmlns:r="http://schemas.openxmlformats.org/officeDocument/2006/relationships" type="ellipse" r:blip="" blipPhldr="1">
+                        <dgm:adjLst/>
+                      </dgm:shape>
+                      <dgm:presOf/>
+                      <dgm:constrLst/>
+                      <dgm:ruleLst/>
+                    </dgm:layoutNode>
+                    <dgm:layoutNode name="text2" styleLbl="revTx">
+                      <dgm:varLst>
+                        <dgm:chPref val="3"/>
+                      </dgm:varLst>
+                      <dgm:alg type="tx">
+                        <dgm:param type="parTxLTRAlign" val="l"/>
+                        <dgm:param type="parTxRTLAlign" val="r"/>
+                      </dgm:alg>
+                      <dgm:shape xmlns:r="http://schemas.openxmlformats.org/officeDocument/2006/relationships" type="rect" r:blip="">
+                        <dgm:adjLst/>
+                      </dgm:shape>
+                      <dgm:presOf axis="self"/>
+                      <dgm:constrLst>
+                        <dgm:constr type="tMarg" refType="primFontSz" fact="0.3"/>
+                        <dgm:constr type="bMarg" refType="primFontSz" fact="0.3"/>
+                        <dgm:constr type="lMarg" refType="primFontSz" fact="0.3"/>
+                        <dgm:constr type="rMarg" refType="primFontSz" fact="0.3"/>
+                      </dgm:constrLst>
+                      <dgm:ruleLst>
+                        <dgm:rule type="primFontSz" val="5" fact="NaN" max="NaN"/>
+                      </dgm:ruleLst>
+                    </dgm:layoutNode>
+                  </dgm:layoutNode>
+                  <dgm:layoutNode name="hierChild3">
+                    <dgm:choose name="Name12">
+                      <dgm:if name="Name13" func="var" arg="dir" op="equ" val="norm">
+                        <dgm:alg type="hierChild">
+                          <dgm:param type="linDir" val="fromL"/>
+                        </dgm:alg>
+                      </dgm:if>
+                      <dgm:else name="Name14">
+                        <dgm:alg type="hierChild">
+                          <dgm:param type="linDir" val="fromR"/>
+                        </dgm:alg>
+                      </dgm:else>
+                    </dgm:choose>
+                    <dgm:shape xmlns:r="http://schemas.openxmlformats.org/officeDocument/2006/relationships" r:blip="">
+                      <dgm:adjLst/>
+                    </dgm:shape>
+                    <dgm:presOf/>
+                    <dgm:constrLst/>
+                    <dgm:ruleLst/>
+                    <dgm:forEach name="Name15" axis="ch">
+                      <dgm:forEach name="Name16" axis="self" ptType="parTrans" cnt="1">
+                        <dgm:layoutNode name="Name17">
+                          <dgm:alg type="conn">
+                            <dgm:param type="dim" val="1D"/>
+                            <dgm:param type="endSty" val="noArr"/>
+                            <dgm:param type="connRout" val="bend"/>
+                            <dgm:param type="bendPt" val="end"/>
+                            <dgm:param type="begPts" val="bCtr"/>
+                            <dgm:param type="endPts" val="tCtr"/>
+                            <dgm:param type="srcNode" val="image2"/>
+                            <dgm:param type="dstNode" val="image3"/>
+                          </dgm:alg>
+                          <dgm:shape xmlns:r="http://schemas.openxmlformats.org/officeDocument/2006/relationships" type="conn" r:blip="" zOrderOff="-999">
+                            <dgm:adjLst/>
+                          </dgm:shape>
+                          <dgm:presOf axis="self"/>
+                          <dgm:constrLst>
+                            <dgm:constr type="begPad"/>
+                            <dgm:constr type="endPad"/>
+                          </dgm:constrLst>
+                          <dgm:ruleLst/>
+                        </dgm:layoutNode>
+                      </dgm:forEach>
+                      <dgm:forEach name="Name18" axis="self" ptType="node">
+                        <dgm:layoutNode name="hierRoot3">
+                          <dgm:alg type="hierRoot"/>
+                          <dgm:shape xmlns:r="http://schemas.openxmlformats.org/officeDocument/2006/relationships" r:blip="">
+                            <dgm:adjLst/>
+                          </dgm:shape>
+                          <dgm:presOf/>
+                          <dgm:constrLst>
+                            <dgm:constr type="bendDist" for="des" ptType="parTrans" refType="sp" fact="0.5"/>
+                          </dgm:constrLst>
+                          <dgm:ruleLst/>
+                          <dgm:layoutNode name="composite3">
+                            <dgm:alg type="composite"/>
+                            <dgm:shape xmlns:r="http://schemas.openxmlformats.org/officeDocument/2006/relationships" r:blip="">
+                              <dgm:adjLst/>
+                            </dgm:shape>
+                            <dgm:presOf/>
+                            <dgm:constrLst>
+                              <dgm:constr type="h" for="ch" forName="image3" refType="h" fact="0.8"/>
+                              <dgm:constr type="w" for="ch" forName="image3" refType="h" refFor="ch" refForName="image3"/>
+                              <dgm:constr type="t" for="ch" forName="image3" refType="h" fact="0.1"/>
+                              <dgm:constr type="l" for="ch" forName="image3"/>
+                              <dgm:constr type="w" for="ch" forName="text3" refType="w" fact="0.6"/>
+                              <dgm:constr type="h" for="ch" forName="text3" refType="h" fact="0.8"/>
+                              <dgm:constr type="t" for="ch" forName="text3" refType="w" fact="0.04"/>
+                              <dgm:constr type="l" for="ch" forName="text3" refType="w" fact="0.4"/>
+                            </dgm:constrLst>
+                            <dgm:ruleLst/>
+                            <dgm:layoutNode name="image3">
+                              <dgm:alg type="sp"/>
+                              <dgm:shape xmlns:r="http://schemas.openxmlformats.org/officeDocument/2006/relationships" type="ellipse" r:blip="" blipPhldr="1">
+                                <dgm:adjLst/>
+                              </dgm:shape>
+                              <dgm:presOf/>
+                              <dgm:constrLst/>
+                              <dgm:ruleLst/>
+                            </dgm:layoutNode>
+                            <dgm:layoutNode name="text3" styleLbl="revTx">
+                              <dgm:varLst>
+                                <dgm:chPref val="3"/>
+                              </dgm:varLst>
+                              <dgm:alg type="tx">
+                                <dgm:param type="parTxLTRAlign" val="l"/>
+                                <dgm:param type="parTxRTLAlign" val="r"/>
+                              </dgm:alg>
+                              <dgm:shape xmlns:r="http://schemas.openxmlformats.org/officeDocument/2006/relationships" type="rect" r:blip="">
+                                <dgm:adjLst/>
+                              </dgm:shape>
+                              <dgm:presOf axis="self"/>
+                              <dgm:constrLst>
+                                <dgm:constr type="tMarg" refType="primFontSz" fact="0.3"/>
+                                <dgm:constr type="bMarg" refType="primFontSz" fact="0.3"/>
+                                <dgm:constr type="lMarg" refType="primFontSz" fact="0.3"/>
+                                <dgm:constr type="rMarg" refType="primFontSz" fact="0.3"/>
+                              </dgm:constrLst>
+                              <dgm:ruleLst>
+                                <dgm:rule type="primFontSz" val="5" fact="NaN" max="NaN"/>
+                              </dgm:ruleLst>
+                            </dgm:layoutNode>
+                          </dgm:layoutNode>
+                          <dgm:layoutNode name="hierChild4">
+                            <dgm:choose name="Name19">
+                              <dgm:if name="Name20" func="var" arg="dir" op="equ" val="norm">
+                                <dgm:alg type="hierChild">
+                                  <dgm:param type="linDir" val="fromL"/>
+                                </dgm:alg>
+                              </dgm:if>
+                              <dgm:else name="Name21">
+                                <dgm:alg type="hierChild">
+                                  <dgm:param type="linDir" val="fromR"/>
+                                </dgm:alg>
+                              </dgm:else>
+                            </dgm:choose>
+                            <dgm:shape xmlns:r="http://schemas.openxmlformats.org/officeDocument/2006/relationships" r:blip="">
+                              <dgm:adjLst/>
+                            </dgm:shape>
+                            <dgm:presOf/>
+                            <dgm:constrLst/>
+                            <dgm:ruleLst/>
+                            <dgm:forEach name="repeat" axis="ch">
+                              <dgm:forEach name="Name22" axis="self" ptType="parTrans" cnt="1">
+                                <dgm:layoutNode name="Name23">
+                                  <dgm:choose name="Name24">
+                                    <dgm:if name="Name25" axis="self" func="depth" op="lte" val="4">
+                                      <dgm:alg type="conn">
+                                        <dgm:param type="dim" val="1D"/>
+                                        <dgm:param type="endSty" val="noArr"/>
+                                        <dgm:param type="connRout" val="bend"/>
+                                        <dgm:param type="bendPt" val="end"/>
+                                        <dgm:param type="begPts" val="bCtr"/>
+                                        <dgm:param type="endPts" val="tCtr"/>
+                                        <dgm:param type="srcNode" val="image3"/>
+                                        <dgm:param type="dstNode" val="image4"/>
+                                      </dgm:alg>
+                                    </dgm:if>
+                                    <dgm:else name="Name26">
+                                      <dgm:alg type="conn">
+                                        <dgm:param type="dim" val="1D"/>
+                                        <dgm:param type="endSty" val="noArr"/>
+                                        <dgm:param type="connRout" val="bend"/>
+                                        <dgm:param type="bendPt" val="end"/>
+                                        <dgm:param type="begPts" val="bCtr"/>
+                                        <dgm:param type="endPts" val="tCtr"/>
+                                        <dgm:param type="srcNode" val="image4"/>
+                                        <dgm:param type="dstNode" val="image4"/>
+                                      </dgm:alg>
+                                    </dgm:else>
+                                  </dgm:choose>
+                                  <dgm:shape xmlns:r="http://schemas.openxmlformats.org/officeDocument/2006/relationships" type="conn" r:blip="" zOrderOff="-999">
+                                    <dgm:adjLst/>
+                                  </dgm:shape>
+                                  <dgm:presOf axis="self"/>
+                                  <dgm:constrLst>
+                                    <dgm:constr type="begPad"/>
+                                    <dgm:constr type="endPad"/>
+                                  </dgm:constrLst>
+                                  <dgm:ruleLst/>
+                                </dgm:layoutNode>
+                              </dgm:forEach>
+                              <dgm:forEach name="Name27" axis="self" ptType="node">
+                                <dgm:layoutNode name="hierRoot4">
+                                  <dgm:alg type="hierRoot"/>
+                                  <dgm:shape xmlns:r="http://schemas.openxmlformats.org/officeDocument/2006/relationships" r:blip="">
+                                    <dgm:adjLst/>
+                                  </dgm:shape>
+                                  <dgm:presOf/>
+                                  <dgm:constrLst>
+                                    <dgm:constr type="bendDist" for="des" ptType="parTrans" refType="sp" fact="0.5"/>
+                                  </dgm:constrLst>
+                                  <dgm:ruleLst/>
+                                  <dgm:layoutNode name="composite4">
+                                    <dgm:alg type="composite"/>
+                                    <dgm:shape xmlns:r="http://schemas.openxmlformats.org/officeDocument/2006/relationships" r:blip="">
+                                      <dgm:adjLst/>
+                                    </dgm:shape>
+                                    <dgm:presOf/>
+                                    <dgm:constrLst>
+                                      <dgm:constr type="h" for="ch" forName="image4" refType="h" fact="0.8"/>
+                                      <dgm:constr type="w" for="ch" forName="image4" refType="h" refFor="ch" refForName="image4"/>
+                                      <dgm:constr type="t" for="ch" forName="image4" refType="h" fact="0.1"/>
+                                      <dgm:constr type="l" for="ch" forName="image4"/>
+                                      <dgm:constr type="w" for="ch" forName="text4" refType="w" fact="0.6"/>
+                                      <dgm:constr type="h" for="ch" forName="text4" refType="h" fact="0.8"/>
+                                      <dgm:constr type="t" for="ch" forName="text4" refType="w" fact="0.04"/>
+                                      <dgm:constr type="l" for="ch" forName="text4" refType="w" fact="0.4"/>
+                                    </dgm:constrLst>
+                                    <dgm:ruleLst/>
+                                    <dgm:layoutNode name="image4">
+                                      <dgm:alg type="sp"/>
+                                      <dgm:shape xmlns:r="http://schemas.openxmlformats.org/officeDocument/2006/relationships" type="ellipse" r:blip="" blipPhldr="1">
+                                        <dgm:adjLst/>
+                                      </dgm:shape>
+                                      <dgm:presOf/>
+                                      <dgm:constrLst/>
+                                      <dgm:ruleLst/>
+                                    </dgm:layoutNode>
+                                    <dgm:layoutNode name="text4" styleLbl="revTx">
+                                      <dgm:varLst>
+                                        <dgm:chPref val="3"/>
+                                      </dgm:varLst>
+                                      <dgm:alg type="tx">
+                                        <dgm:param type="parTxLTRAlign" val="l"/>
+                                        <dgm:param type="parTxRTLAlign" val="r"/>
+                                      </dgm:alg>
+                                      <dgm:shape xmlns:r="http://schemas.openxmlformats.org/officeDocument/2006/relationships" type="rect" r:blip="">
+                                        <dgm:adjLst/>
+                                      </dgm:shape>
+                                      <dgm:presOf axis="self"/>
+                                      <dgm:constrLst>
+                                        <dgm:constr type="tMarg" refType="primFontSz" fact="0.3"/>
+                                        <dgm:constr type="bMarg" refType="primFontSz" fact="0.3"/>
+                                        <dgm:constr type="lMarg" refType="primFontSz" fact="0.3"/>
+                                        <dgm:constr type="rMarg" refType="primFontSz" fact="0.3"/>
+                                      </dgm:constrLst>
+                                      <dgm:ruleLst>
+                                        <dgm:rule type="primFontSz" val="5" fact="NaN" max="NaN"/>
+                                      </dgm:ruleLst>
+                                    </dgm:layoutNode>
+                                  </dgm:layoutNode>
+                                  <dgm:layoutNode name="hierChild5">
+                                    <dgm:choose name="Name28">
+                                      <dgm:if name="Name29" func="var" arg="dir" op="equ" val="norm">
+                                        <dgm:alg type="hierChild">
+                                          <dgm:param type="linDir" val="fromL"/>
+                                        </dgm:alg>
+                                      </dgm:if>
+                                      <dgm:else name="Name30">
+                                        <dgm:alg type="hierChild">
+                                          <dgm:param type="linDir" val="fromR"/>
+                                        </dgm:alg>
+                                      </dgm:else>
+                                    </dgm:choose>
+                                    <dgm:shape xmlns:r="http://schemas.openxmlformats.org/officeDocument/2006/relationships" r:blip="">
+                                      <dgm:adjLst/>
+                                    </dgm:shape>
+                                    <dgm:presOf/>
+                                    <dgm:constrLst/>
+                                    <dgm:ruleLst/>
+                                    <dgm:forEach name="Name31" ref="repeat"/>
+                                  </dgm:layoutNode>
+                                </dgm:layoutNode>
+                              </dgm:forEach>
+                            </dgm:forEach>
+                          </dgm:layoutNode>
+                        </dgm:layoutNode>
+                      </dgm:forEach>
+                    </dgm:forEach>
+                  </dgm:layoutNode>
+                </dgm:layoutNode>
+              </dgm:forEach>
+            </dgm:forEach>
+          </dgm:layoutNode>
+        </dgm:layoutNode>
+      </dgm:forEach>
+    </dgm:forEach>
+  </dgm:layoutNode>
+</dgm:layoutDef>
+</file>
+
+<file path=ppt/diagrams/layout2.xml><?xml version="1.0" encoding="utf-8"?>
 <dgm:layoutDef xmlns:dgm="http://schemas.openxmlformats.org/drawingml/2006/diagram" xmlns:a="http://schemas.openxmlformats.org/drawingml/2006/main" uniqueId="urn:microsoft.com/office/officeart/2009/layout/CirclePictureHierarchy">
   <dgm:title val=""/>
   <dgm:desc val=""/>
@@ -4515,6 +7583,1977 @@
 </dgm:styleDef>
 </file>
 
+<file path=ppt/diagrams/quickStyle2.xml><?xml version="1.0" encoding="utf-8"?>
+<dgm:styleDef xmlns:dgm="http://schemas.openxmlformats.org/drawingml/2006/diagram" xmlns:a="http://schemas.openxmlformats.org/drawingml/2006/main" uniqueId="urn:microsoft.com/office/officeart/2005/8/quickstyle/simple1">
+  <dgm:title val=""/>
+  <dgm:desc val=""/>
+  <dgm:catLst>
+    <dgm:cat type="simple" pri="10100"/>
+  </dgm:catLst>
+  <dgm:scene3d>
+    <a:camera prst="orthographicFront"/>
+    <a:lightRig rig="threePt" dir="t"/>
+  </dgm:scene3d>
+  <dgm:styleLbl name="node0">
+    <dgm:scene3d>
+      <a:camera prst="orthographicFront"/>
+      <a:lightRig rig="threePt" dir="t"/>
+    </dgm:scene3d>
+    <dgm:sp3d/>
+    <dgm:txPr/>
+    <dgm:style>
+      <a:lnRef idx="2">
+        <a:scrgbClr r="0" g="0" b="0"/>
+      </a:lnRef>
+      <a:fillRef idx="1">
+        <a:scrgbClr r="0" g="0" b="0"/>
+      </a:fillRef>
+      <a:effectRef idx="0">
+        <a:scrgbClr r="0" g="0" b="0"/>
+      </a:effectRef>
+      <a:fontRef idx="minor">
+        <a:schemeClr val="lt1"/>
+      </a:fontRef>
+    </dgm:style>
+  </dgm:styleLbl>
+  <dgm:styleLbl name="lnNode1">
+    <dgm:scene3d>
+      <a:camera prst="orthographicFront"/>
+      <a:lightRig rig="threePt" dir="t"/>
+    </dgm:scene3d>
+    <dgm:sp3d/>
+    <dgm:txPr/>
+    <dgm:style>
+      <a:lnRef idx="2">
+        <a:scrgbClr r="0" g="0" b="0"/>
+      </a:lnRef>
+      <a:fillRef idx="1">
+        <a:scrgbClr r="0" g="0" b="0"/>
+      </a:fillRef>
+      <a:effectRef idx="0">
+        <a:scrgbClr r="0" g="0" b="0"/>
+      </a:effectRef>
+      <a:fontRef idx="minor">
+        <a:schemeClr val="lt1"/>
+      </a:fontRef>
+    </dgm:style>
+  </dgm:styleLbl>
+  <dgm:styleLbl name="vennNode1">
+    <dgm:scene3d>
+      <a:camera prst="orthographicFront"/>
+      <a:lightRig rig="threePt" dir="t"/>
+    </dgm:scene3d>
+    <dgm:sp3d/>
+    <dgm:txPr/>
+    <dgm:style>
+      <a:lnRef idx="2">
+        <a:scrgbClr r="0" g="0" b="0"/>
+      </a:lnRef>
+      <a:fillRef idx="1">
+        <a:scrgbClr r="0" g="0" b="0"/>
+      </a:fillRef>
+      <a:effectRef idx="0">
+        <a:scrgbClr r="0" g="0" b="0"/>
+      </a:effectRef>
+      <a:fontRef idx="minor">
+        <a:schemeClr val="tx1"/>
+      </a:fontRef>
+    </dgm:style>
+  </dgm:styleLbl>
+  <dgm:styleLbl name="alignNode1">
+    <dgm:scene3d>
+      <a:camera prst="orthographicFront"/>
+      <a:lightRig rig="threePt" dir="t"/>
+    </dgm:scene3d>
+    <dgm:sp3d/>
+    <dgm:txPr/>
+    <dgm:style>
+      <a:lnRef idx="2">
+        <a:scrgbClr r="0" g="0" b="0"/>
+      </a:lnRef>
+      <a:fillRef idx="1">
+        <a:scrgbClr r="0" g="0" b="0"/>
+      </a:fillRef>
+      <a:effectRef idx="0">
+        <a:scrgbClr r="0" g="0" b="0"/>
+      </a:effectRef>
+      <a:fontRef idx="minor">
+        <a:schemeClr val="lt1"/>
+      </a:fontRef>
+    </dgm:style>
+  </dgm:styleLbl>
+  <dgm:styleLbl name="node1">
+    <dgm:scene3d>
+      <a:camera prst="orthographicFront"/>
+      <a:lightRig rig="threePt" dir="t"/>
+    </dgm:scene3d>
+    <dgm:sp3d/>
+    <dgm:txPr/>
+    <dgm:style>
+      <a:lnRef idx="2">
+        <a:scrgbClr r="0" g="0" b="0"/>
+      </a:lnRef>
+      <a:fillRef idx="1">
+        <a:scrgbClr r="0" g="0" b="0"/>
+      </a:fillRef>
+      <a:effectRef idx="0">
+        <a:scrgbClr r="0" g="0" b="0"/>
+      </a:effectRef>
+      <a:fontRef idx="minor">
+        <a:schemeClr val="lt1"/>
+      </a:fontRef>
+    </dgm:style>
+  </dgm:styleLbl>
+  <dgm:styleLbl name="node2">
+    <dgm:scene3d>
+      <a:camera prst="orthographicFront"/>
+      <a:lightRig rig="threePt" dir="t"/>
+    </dgm:scene3d>
+    <dgm:sp3d/>
+    <dgm:txPr/>
+    <dgm:style>
+      <a:lnRef idx="2">
+        <a:scrgbClr r="0" g="0" b="0"/>
+      </a:lnRef>
+      <a:fillRef idx="1">
+        <a:scrgbClr r="0" g="0" b="0"/>
+      </a:fillRef>
+      <a:effectRef idx="0">
+        <a:scrgbClr r="0" g="0" b="0"/>
+      </a:effectRef>
+      <a:fontRef idx="minor">
+        <a:schemeClr val="lt1"/>
+      </a:fontRef>
+    </dgm:style>
+  </dgm:styleLbl>
+  <dgm:styleLbl name="node3">
+    <dgm:scene3d>
+      <a:camera prst="orthographicFront"/>
+      <a:lightRig rig="threePt" dir="t"/>
+    </dgm:scene3d>
+    <dgm:sp3d/>
+    <dgm:txPr/>
+    <dgm:style>
+      <a:lnRef idx="2">
+        <a:scrgbClr r="0" g="0" b="0"/>
+      </a:lnRef>
+      <a:fillRef idx="1">
+        <a:scrgbClr r="0" g="0" b="0"/>
+      </a:fillRef>
+      <a:effectRef idx="0">
+        <a:scrgbClr r="0" g="0" b="0"/>
+      </a:effectRef>
+      <a:fontRef idx="minor">
+        <a:schemeClr val="lt1"/>
+      </a:fontRef>
+    </dgm:style>
+  </dgm:styleLbl>
+  <dgm:styleLbl name="node4">
+    <dgm:scene3d>
+      <a:camera prst="orthographicFront"/>
+      <a:lightRig rig="threePt" dir="t"/>
+    </dgm:scene3d>
+    <dgm:sp3d/>
+    <dgm:txPr/>
+    <dgm:style>
+      <a:lnRef idx="2">
+        <a:scrgbClr r="0" g="0" b="0"/>
+      </a:lnRef>
+      <a:fillRef idx="1">
+        <a:scrgbClr r="0" g="0" b="0"/>
+      </a:fillRef>
+      <a:effectRef idx="0">
+        <a:scrgbClr r="0" g="0" b="0"/>
+      </a:effectRef>
+      <a:fontRef idx="minor">
+        <a:schemeClr val="lt1"/>
+      </a:fontRef>
+    </dgm:style>
+  </dgm:styleLbl>
+  <dgm:styleLbl name="fgImgPlace1">
+    <dgm:scene3d>
+      <a:camera prst="orthographicFront"/>
+      <a:lightRig rig="threePt" dir="t"/>
+    </dgm:scene3d>
+    <dgm:sp3d/>
+    <dgm:txPr/>
+    <dgm:style>
+      <a:lnRef idx="2">
+        <a:scrgbClr r="0" g="0" b="0"/>
+      </a:lnRef>
+      <a:fillRef idx="1">
+        <a:scrgbClr r="0" g="0" b="0"/>
+      </a:fillRef>
+      <a:effectRef idx="0">
+        <a:scrgbClr r="0" g="0" b="0"/>
+      </a:effectRef>
+      <a:fontRef idx="minor"/>
+    </dgm:style>
+  </dgm:styleLbl>
+  <dgm:styleLbl name="alignImgPlace1">
+    <dgm:scene3d>
+      <a:camera prst="orthographicFront"/>
+      <a:lightRig rig="threePt" dir="t"/>
+    </dgm:scene3d>
+    <dgm:sp3d/>
+    <dgm:txPr/>
+    <dgm:style>
+      <a:lnRef idx="2">
+        <a:scrgbClr r="0" g="0" b="0"/>
+      </a:lnRef>
+      <a:fillRef idx="1">
+        <a:scrgbClr r="0" g="0" b="0"/>
+      </a:fillRef>
+      <a:effectRef idx="0">
+        <a:scrgbClr r="0" g="0" b="0"/>
+      </a:effectRef>
+      <a:fontRef idx="minor"/>
+    </dgm:style>
+  </dgm:styleLbl>
+  <dgm:styleLbl name="bgImgPlace1">
+    <dgm:scene3d>
+      <a:camera prst="orthographicFront"/>
+      <a:lightRig rig="threePt" dir="t"/>
+    </dgm:scene3d>
+    <dgm:sp3d/>
+    <dgm:txPr/>
+    <dgm:style>
+      <a:lnRef idx="2">
+        <a:scrgbClr r="0" g="0" b="0"/>
+      </a:lnRef>
+      <a:fillRef idx="1">
+        <a:scrgbClr r="0" g="0" b="0"/>
+      </a:fillRef>
+      <a:effectRef idx="0">
+        <a:scrgbClr r="0" g="0" b="0"/>
+      </a:effectRef>
+      <a:fontRef idx="minor"/>
+    </dgm:style>
+  </dgm:styleLbl>
+  <dgm:styleLbl name="sibTrans2D1">
+    <dgm:scene3d>
+      <a:camera prst="orthographicFront"/>
+      <a:lightRig rig="threePt" dir="t"/>
+    </dgm:scene3d>
+    <dgm:sp3d/>
+    <dgm:txPr/>
+    <dgm:style>
+      <a:lnRef idx="0">
+        <a:scrgbClr r="0" g="0" b="0"/>
+      </a:lnRef>
+      <a:fillRef idx="1">
+        <a:scrgbClr r="0" g="0" b="0"/>
+      </a:fillRef>
+      <a:effectRef idx="0">
+        <a:scrgbClr r="0" g="0" b="0"/>
+      </a:effectRef>
+      <a:fontRef idx="minor">
+        <a:schemeClr val="lt1"/>
+      </a:fontRef>
+    </dgm:style>
+  </dgm:styleLbl>
+  <dgm:styleLbl name="fgSibTrans2D1">
+    <dgm:scene3d>
+      <a:camera prst="orthographicFront"/>
+      <a:lightRig rig="threePt" dir="t"/>
+    </dgm:scene3d>
+    <dgm:sp3d/>
+    <dgm:txPr/>
+    <dgm:style>
+      <a:lnRef idx="0">
+        <a:scrgbClr r="0" g="0" b="0"/>
+      </a:lnRef>
+      <a:fillRef idx="1">
+        <a:scrgbClr r="0" g="0" b="0"/>
+      </a:fillRef>
+      <a:effectRef idx="0">
+        <a:scrgbClr r="0" g="0" b="0"/>
+      </a:effectRef>
+      <a:fontRef idx="minor">
+        <a:schemeClr val="lt1"/>
+      </a:fontRef>
+    </dgm:style>
+  </dgm:styleLbl>
+  <dgm:styleLbl name="bgSibTrans2D1">
+    <dgm:scene3d>
+      <a:camera prst="orthographicFront"/>
+      <a:lightRig rig="threePt" dir="t"/>
+    </dgm:scene3d>
+    <dgm:sp3d/>
+    <dgm:txPr/>
+    <dgm:style>
+      <a:lnRef idx="0">
+        <a:scrgbClr r="0" g="0" b="0"/>
+      </a:lnRef>
+      <a:fillRef idx="1">
+        <a:scrgbClr r="0" g="0" b="0"/>
+      </a:fillRef>
+      <a:effectRef idx="0">
+        <a:scrgbClr r="0" g="0" b="0"/>
+      </a:effectRef>
+      <a:fontRef idx="minor">
+        <a:schemeClr val="lt1"/>
+      </a:fontRef>
+    </dgm:style>
+  </dgm:styleLbl>
+  <dgm:styleLbl name="sibTrans1D1">
+    <dgm:scene3d>
+      <a:camera prst="orthographicFront"/>
+      <a:lightRig rig="threePt" dir="t"/>
+    </dgm:scene3d>
+    <dgm:sp3d/>
+    <dgm:txPr/>
+    <dgm:style>
+      <a:lnRef idx="1">
+        <a:scrgbClr r="0" g="0" b="0"/>
+      </a:lnRef>
+      <a:fillRef idx="0">
+        <a:scrgbClr r="0" g="0" b="0"/>
+      </a:fillRef>
+      <a:effectRef idx="0">
+        <a:scrgbClr r="0" g="0" b="0"/>
+      </a:effectRef>
+      <a:fontRef idx="minor"/>
+    </dgm:style>
+  </dgm:styleLbl>
+  <dgm:styleLbl name="callout">
+    <dgm:scene3d>
+      <a:camera prst="orthographicFront"/>
+      <a:lightRig rig="threePt" dir="t"/>
+    </dgm:scene3d>
+    <dgm:sp3d/>
+    <dgm:txPr/>
+    <dgm:style>
+      <a:lnRef idx="2">
+        <a:scrgbClr r="0" g="0" b="0"/>
+      </a:lnRef>
+      <a:fillRef idx="1">
+        <a:scrgbClr r="0" g="0" b="0"/>
+      </a:fillRef>
+      <a:effectRef idx="0">
+        <a:scrgbClr r="0" g="0" b="0"/>
+      </a:effectRef>
+      <a:fontRef idx="minor"/>
+    </dgm:style>
+  </dgm:styleLbl>
+  <dgm:styleLbl name="asst0">
+    <dgm:scene3d>
+      <a:camera prst="orthographicFront"/>
+      <a:lightRig rig="threePt" dir="t"/>
+    </dgm:scene3d>
+    <dgm:sp3d/>
+    <dgm:txPr/>
+    <dgm:style>
+      <a:lnRef idx="2">
+        <a:scrgbClr r="0" g="0" b="0"/>
+      </a:lnRef>
+      <a:fillRef idx="1">
+        <a:scrgbClr r="0" g="0" b="0"/>
+      </a:fillRef>
+      <a:effectRef idx="0">
+        <a:scrgbClr r="0" g="0" b="0"/>
+      </a:effectRef>
+      <a:fontRef idx="minor">
+        <a:schemeClr val="lt1"/>
+      </a:fontRef>
+    </dgm:style>
+  </dgm:styleLbl>
+  <dgm:styleLbl name="asst1">
+    <dgm:scene3d>
+      <a:camera prst="orthographicFront"/>
+      <a:lightRig rig="threePt" dir="t"/>
+    </dgm:scene3d>
+    <dgm:sp3d/>
+    <dgm:txPr/>
+    <dgm:style>
+      <a:lnRef idx="2">
+        <a:scrgbClr r="0" g="0" b="0"/>
+      </a:lnRef>
+      <a:fillRef idx="1">
+        <a:scrgbClr r="0" g="0" b="0"/>
+      </a:fillRef>
+      <a:effectRef idx="0">
+        <a:scrgbClr r="0" g="0" b="0"/>
+      </a:effectRef>
+      <a:fontRef idx="minor">
+        <a:schemeClr val="lt1"/>
+      </a:fontRef>
+    </dgm:style>
+  </dgm:styleLbl>
+  <dgm:styleLbl name="asst2">
+    <dgm:scene3d>
+      <a:camera prst="orthographicFront"/>
+      <a:lightRig rig="threePt" dir="t"/>
+    </dgm:scene3d>
+    <dgm:sp3d/>
+    <dgm:txPr/>
+    <dgm:style>
+      <a:lnRef idx="2">
+        <a:scrgbClr r="0" g="0" b="0"/>
+      </a:lnRef>
+      <a:fillRef idx="1">
+        <a:scrgbClr r="0" g="0" b="0"/>
+      </a:fillRef>
+      <a:effectRef idx="0">
+        <a:scrgbClr r="0" g="0" b="0"/>
+      </a:effectRef>
+      <a:fontRef idx="minor">
+        <a:schemeClr val="lt1"/>
+      </a:fontRef>
+    </dgm:style>
+  </dgm:styleLbl>
+  <dgm:styleLbl name="asst3">
+    <dgm:scene3d>
+      <a:camera prst="orthographicFront"/>
+      <a:lightRig rig="threePt" dir="t"/>
+    </dgm:scene3d>
+    <dgm:sp3d/>
+    <dgm:txPr/>
+    <dgm:style>
+      <a:lnRef idx="2">
+        <a:scrgbClr r="0" g="0" b="0"/>
+      </a:lnRef>
+      <a:fillRef idx="1">
+        <a:scrgbClr r="0" g="0" b="0"/>
+      </a:fillRef>
+      <a:effectRef idx="0">
+        <a:scrgbClr r="0" g="0" b="0"/>
+      </a:effectRef>
+      <a:fontRef idx="minor">
+        <a:schemeClr val="lt1"/>
+      </a:fontRef>
+    </dgm:style>
+  </dgm:styleLbl>
+  <dgm:styleLbl name="asst4">
+    <dgm:scene3d>
+      <a:camera prst="orthographicFront"/>
+      <a:lightRig rig="threePt" dir="t"/>
+    </dgm:scene3d>
+    <dgm:sp3d/>
+    <dgm:txPr/>
+    <dgm:style>
+      <a:lnRef idx="2">
+        <a:scrgbClr r="0" g="0" b="0"/>
+      </a:lnRef>
+      <a:fillRef idx="1">
+        <a:scrgbClr r="0" g="0" b="0"/>
+      </a:fillRef>
+      <a:effectRef idx="0">
+        <a:scrgbClr r="0" g="0" b="0"/>
+      </a:effectRef>
+      <a:fontRef idx="minor">
+        <a:schemeClr val="lt1"/>
+      </a:fontRef>
+    </dgm:style>
+  </dgm:styleLbl>
+  <dgm:styleLbl name="parChTrans2D1">
+    <dgm:scene3d>
+      <a:camera prst="orthographicFront"/>
+      <a:lightRig rig="threePt" dir="t"/>
+    </dgm:scene3d>
+    <dgm:sp3d/>
+    <dgm:txPr/>
+    <dgm:style>
+      <a:lnRef idx="2">
+        <a:scrgbClr r="0" g="0" b="0"/>
+      </a:lnRef>
+      <a:fillRef idx="1">
+        <a:scrgbClr r="0" g="0" b="0"/>
+      </a:fillRef>
+      <a:effectRef idx="0">
+        <a:scrgbClr r="0" g="0" b="0"/>
+      </a:effectRef>
+      <a:fontRef idx="minor">
+        <a:schemeClr val="lt1"/>
+      </a:fontRef>
+    </dgm:style>
+  </dgm:styleLbl>
+  <dgm:styleLbl name="parChTrans2D2">
+    <dgm:scene3d>
+      <a:camera prst="orthographicFront"/>
+      <a:lightRig rig="threePt" dir="t"/>
+    </dgm:scene3d>
+    <dgm:sp3d/>
+    <dgm:txPr/>
+    <dgm:style>
+      <a:lnRef idx="2">
+        <a:scrgbClr r="0" g="0" b="0"/>
+      </a:lnRef>
+      <a:fillRef idx="1">
+        <a:scrgbClr r="0" g="0" b="0"/>
+      </a:fillRef>
+      <a:effectRef idx="0">
+        <a:scrgbClr r="0" g="0" b="0"/>
+      </a:effectRef>
+      <a:fontRef idx="minor">
+        <a:schemeClr val="lt1"/>
+      </a:fontRef>
+    </dgm:style>
+  </dgm:styleLbl>
+  <dgm:styleLbl name="parChTrans2D3">
+    <dgm:scene3d>
+      <a:camera prst="orthographicFront"/>
+      <a:lightRig rig="threePt" dir="t"/>
+    </dgm:scene3d>
+    <dgm:sp3d/>
+    <dgm:txPr/>
+    <dgm:style>
+      <a:lnRef idx="2">
+        <a:scrgbClr r="0" g="0" b="0"/>
+      </a:lnRef>
+      <a:fillRef idx="1">
+        <a:scrgbClr r="0" g="0" b="0"/>
+      </a:fillRef>
+      <a:effectRef idx="0">
+        <a:scrgbClr r="0" g="0" b="0"/>
+      </a:effectRef>
+      <a:fontRef idx="minor">
+        <a:schemeClr val="lt1"/>
+      </a:fontRef>
+    </dgm:style>
+  </dgm:styleLbl>
+  <dgm:styleLbl name="parChTrans2D4">
+    <dgm:scene3d>
+      <a:camera prst="orthographicFront"/>
+      <a:lightRig rig="threePt" dir="t"/>
+    </dgm:scene3d>
+    <dgm:sp3d/>
+    <dgm:txPr/>
+    <dgm:style>
+      <a:lnRef idx="2">
+        <a:scrgbClr r="0" g="0" b="0"/>
+      </a:lnRef>
+      <a:fillRef idx="1">
+        <a:scrgbClr r="0" g="0" b="0"/>
+      </a:fillRef>
+      <a:effectRef idx="0">
+        <a:scrgbClr r="0" g="0" b="0"/>
+      </a:effectRef>
+      <a:fontRef idx="minor">
+        <a:schemeClr val="lt1"/>
+      </a:fontRef>
+    </dgm:style>
+  </dgm:styleLbl>
+  <dgm:styleLbl name="parChTrans1D1">
+    <dgm:scene3d>
+      <a:camera prst="orthographicFront"/>
+      <a:lightRig rig="threePt" dir="t"/>
+    </dgm:scene3d>
+    <dgm:sp3d/>
+    <dgm:txPr/>
+    <dgm:style>
+      <a:lnRef idx="2">
+        <a:scrgbClr r="0" g="0" b="0"/>
+      </a:lnRef>
+      <a:fillRef idx="0">
+        <a:scrgbClr r="0" g="0" b="0"/>
+      </a:fillRef>
+      <a:effectRef idx="0">
+        <a:scrgbClr r="0" g="0" b="0"/>
+      </a:effectRef>
+      <a:fontRef idx="minor"/>
+    </dgm:style>
+  </dgm:styleLbl>
+  <dgm:styleLbl name="parChTrans1D2">
+    <dgm:scene3d>
+      <a:camera prst="orthographicFront"/>
+      <a:lightRig rig="threePt" dir="t"/>
+    </dgm:scene3d>
+    <dgm:sp3d/>
+    <dgm:txPr/>
+    <dgm:style>
+      <a:lnRef idx="2">
+        <a:scrgbClr r="0" g="0" b="0"/>
+      </a:lnRef>
+      <a:fillRef idx="0">
+        <a:scrgbClr r="0" g="0" b="0"/>
+      </a:fillRef>
+      <a:effectRef idx="0">
+        <a:scrgbClr r="0" g="0" b="0"/>
+      </a:effectRef>
+      <a:fontRef idx="minor"/>
+    </dgm:style>
+  </dgm:styleLbl>
+  <dgm:styleLbl name="parChTrans1D3">
+    <dgm:scene3d>
+      <a:camera prst="orthographicFront"/>
+      <a:lightRig rig="threePt" dir="t"/>
+    </dgm:scene3d>
+    <dgm:sp3d/>
+    <dgm:txPr/>
+    <dgm:style>
+      <a:lnRef idx="2">
+        <a:scrgbClr r="0" g="0" b="0"/>
+      </a:lnRef>
+      <a:fillRef idx="0">
+        <a:scrgbClr r="0" g="0" b="0"/>
+      </a:fillRef>
+      <a:effectRef idx="0">
+        <a:scrgbClr r="0" g="0" b="0"/>
+      </a:effectRef>
+      <a:fontRef idx="minor"/>
+    </dgm:style>
+  </dgm:styleLbl>
+  <dgm:styleLbl name="parChTrans1D4">
+    <dgm:scene3d>
+      <a:camera prst="orthographicFront"/>
+      <a:lightRig rig="threePt" dir="t"/>
+    </dgm:scene3d>
+    <dgm:sp3d/>
+    <dgm:txPr/>
+    <dgm:style>
+      <a:lnRef idx="2">
+        <a:scrgbClr r="0" g="0" b="0"/>
+      </a:lnRef>
+      <a:fillRef idx="0">
+        <a:scrgbClr r="0" g="0" b="0"/>
+      </a:fillRef>
+      <a:effectRef idx="0">
+        <a:scrgbClr r="0" g="0" b="0"/>
+      </a:effectRef>
+      <a:fontRef idx="minor"/>
+    </dgm:style>
+  </dgm:styleLbl>
+  <dgm:styleLbl name="fgAcc1">
+    <dgm:scene3d>
+      <a:camera prst="orthographicFront"/>
+      <a:lightRig rig="threePt" dir="t"/>
+    </dgm:scene3d>
+    <dgm:sp3d/>
+    <dgm:txPr/>
+    <dgm:style>
+      <a:lnRef idx="2">
+        <a:scrgbClr r="0" g="0" b="0"/>
+      </a:lnRef>
+      <a:fillRef idx="1">
+        <a:scrgbClr r="0" g="0" b="0"/>
+      </a:fillRef>
+      <a:effectRef idx="0">
+        <a:scrgbClr r="0" g="0" b="0"/>
+      </a:effectRef>
+      <a:fontRef idx="minor"/>
+    </dgm:style>
+  </dgm:styleLbl>
+  <dgm:styleLbl name="conFgAcc1">
+    <dgm:scene3d>
+      <a:camera prst="orthographicFront"/>
+      <a:lightRig rig="threePt" dir="t"/>
+    </dgm:scene3d>
+    <dgm:sp3d/>
+    <dgm:txPr/>
+    <dgm:style>
+      <a:lnRef idx="2">
+        <a:scrgbClr r="0" g="0" b="0"/>
+      </a:lnRef>
+      <a:fillRef idx="1">
+        <a:scrgbClr r="0" g="0" b="0"/>
+      </a:fillRef>
+      <a:effectRef idx="0">
+        <a:scrgbClr r="0" g="0" b="0"/>
+      </a:effectRef>
+      <a:fontRef idx="minor"/>
+    </dgm:style>
+  </dgm:styleLbl>
+  <dgm:styleLbl name="alignAcc1">
+    <dgm:scene3d>
+      <a:camera prst="orthographicFront"/>
+      <a:lightRig rig="threePt" dir="t"/>
+    </dgm:scene3d>
+    <dgm:sp3d/>
+    <dgm:txPr/>
+    <dgm:style>
+      <a:lnRef idx="2">
+        <a:scrgbClr r="0" g="0" b="0"/>
+      </a:lnRef>
+      <a:fillRef idx="1">
+        <a:scrgbClr r="0" g="0" b="0"/>
+      </a:fillRef>
+      <a:effectRef idx="0">
+        <a:scrgbClr r="0" g="0" b="0"/>
+      </a:effectRef>
+      <a:fontRef idx="minor"/>
+    </dgm:style>
+  </dgm:styleLbl>
+  <dgm:styleLbl name="trAlignAcc1">
+    <dgm:scene3d>
+      <a:camera prst="orthographicFront"/>
+      <a:lightRig rig="threePt" dir="t"/>
+    </dgm:scene3d>
+    <dgm:sp3d/>
+    <dgm:txPr/>
+    <dgm:style>
+      <a:lnRef idx="1">
+        <a:scrgbClr r="0" g="0" b="0"/>
+      </a:lnRef>
+      <a:fillRef idx="1">
+        <a:scrgbClr r="0" g="0" b="0"/>
+      </a:fillRef>
+      <a:effectRef idx="0">
+        <a:scrgbClr r="0" g="0" b="0"/>
+      </a:effectRef>
+      <a:fontRef idx="minor"/>
+    </dgm:style>
+  </dgm:styleLbl>
+  <dgm:styleLbl name="bgAcc1">
+    <dgm:scene3d>
+      <a:camera prst="orthographicFront"/>
+      <a:lightRig rig="threePt" dir="t"/>
+    </dgm:scene3d>
+    <dgm:sp3d/>
+    <dgm:txPr/>
+    <dgm:style>
+      <a:lnRef idx="2">
+        <a:scrgbClr r="0" g="0" b="0"/>
+      </a:lnRef>
+      <a:fillRef idx="1">
+        <a:scrgbClr r="0" g="0" b="0"/>
+      </a:fillRef>
+      <a:effectRef idx="0">
+        <a:scrgbClr r="0" g="0" b="0"/>
+      </a:effectRef>
+      <a:fontRef idx="minor"/>
+    </dgm:style>
+  </dgm:styleLbl>
+  <dgm:styleLbl name="solidFgAcc1">
+    <dgm:scene3d>
+      <a:camera prst="orthographicFront"/>
+      <a:lightRig rig="threePt" dir="t"/>
+    </dgm:scene3d>
+    <dgm:sp3d/>
+    <dgm:txPr/>
+    <dgm:style>
+      <a:lnRef idx="2">
+        <a:scrgbClr r="0" g="0" b="0"/>
+      </a:lnRef>
+      <a:fillRef idx="1">
+        <a:scrgbClr r="0" g="0" b="0"/>
+      </a:fillRef>
+      <a:effectRef idx="0">
+        <a:scrgbClr r="0" g="0" b="0"/>
+      </a:effectRef>
+      <a:fontRef idx="minor"/>
+    </dgm:style>
+  </dgm:styleLbl>
+  <dgm:styleLbl name="solidAlignAcc1">
+    <dgm:scene3d>
+      <a:camera prst="orthographicFront"/>
+      <a:lightRig rig="threePt" dir="t"/>
+    </dgm:scene3d>
+    <dgm:sp3d/>
+    <dgm:txPr/>
+    <dgm:style>
+      <a:lnRef idx="2">
+        <a:scrgbClr r="0" g="0" b="0"/>
+      </a:lnRef>
+      <a:fillRef idx="1">
+        <a:scrgbClr r="0" g="0" b="0"/>
+      </a:fillRef>
+      <a:effectRef idx="0">
+        <a:scrgbClr r="0" g="0" b="0"/>
+      </a:effectRef>
+      <a:fontRef idx="minor"/>
+    </dgm:style>
+  </dgm:styleLbl>
+  <dgm:styleLbl name="solidBgAcc1">
+    <dgm:scene3d>
+      <a:camera prst="orthographicFront"/>
+      <a:lightRig rig="threePt" dir="t"/>
+    </dgm:scene3d>
+    <dgm:sp3d/>
+    <dgm:txPr/>
+    <dgm:style>
+      <a:lnRef idx="2">
+        <a:scrgbClr r="0" g="0" b="0"/>
+      </a:lnRef>
+      <a:fillRef idx="1">
+        <a:scrgbClr r="0" g="0" b="0"/>
+      </a:fillRef>
+      <a:effectRef idx="0">
+        <a:scrgbClr r="0" g="0" b="0"/>
+      </a:effectRef>
+      <a:fontRef idx="minor"/>
+    </dgm:style>
+  </dgm:styleLbl>
+  <dgm:styleLbl name="fgAccFollowNode1">
+    <dgm:scene3d>
+      <a:camera prst="orthographicFront"/>
+      <a:lightRig rig="threePt" dir="t"/>
+    </dgm:scene3d>
+    <dgm:sp3d/>
+    <dgm:txPr/>
+    <dgm:style>
+      <a:lnRef idx="2">
+        <a:scrgbClr r="0" g="0" b="0"/>
+      </a:lnRef>
+      <a:fillRef idx="1">
+        <a:scrgbClr r="0" g="0" b="0"/>
+      </a:fillRef>
+      <a:effectRef idx="0">
+        <a:scrgbClr r="0" g="0" b="0"/>
+      </a:effectRef>
+      <a:fontRef idx="minor"/>
+    </dgm:style>
+  </dgm:styleLbl>
+  <dgm:styleLbl name="alignAccFollowNode1">
+    <dgm:scene3d>
+      <a:camera prst="orthographicFront"/>
+      <a:lightRig rig="threePt" dir="t"/>
+    </dgm:scene3d>
+    <dgm:sp3d/>
+    <dgm:txPr/>
+    <dgm:style>
+      <a:lnRef idx="2">
+        <a:scrgbClr r="0" g="0" b="0"/>
+      </a:lnRef>
+      <a:fillRef idx="1">
+        <a:scrgbClr r="0" g="0" b="0"/>
+      </a:fillRef>
+      <a:effectRef idx="0">
+        <a:scrgbClr r="0" g="0" b="0"/>
+      </a:effectRef>
+      <a:fontRef idx="minor"/>
+    </dgm:style>
+  </dgm:styleLbl>
+  <dgm:styleLbl name="bgAccFollowNode1">
+    <dgm:scene3d>
+      <a:camera prst="orthographicFront"/>
+      <a:lightRig rig="threePt" dir="t"/>
+    </dgm:scene3d>
+    <dgm:sp3d/>
+    <dgm:txPr/>
+    <dgm:style>
+      <a:lnRef idx="2">
+        <a:scrgbClr r="0" g="0" b="0"/>
+      </a:lnRef>
+      <a:fillRef idx="1">
+        <a:scrgbClr r="0" g="0" b="0"/>
+      </a:fillRef>
+      <a:effectRef idx="0">
+        <a:scrgbClr r="0" g="0" b="0"/>
+      </a:effectRef>
+      <a:fontRef idx="minor"/>
+    </dgm:style>
+  </dgm:styleLbl>
+  <dgm:styleLbl name="fgAcc0">
+    <dgm:scene3d>
+      <a:camera prst="orthographicFront"/>
+      <a:lightRig rig="threePt" dir="t"/>
+    </dgm:scene3d>
+    <dgm:sp3d/>
+    <dgm:txPr/>
+    <dgm:style>
+      <a:lnRef idx="2">
+        <a:scrgbClr r="0" g="0" b="0"/>
+      </a:lnRef>
+      <a:fillRef idx="1">
+        <a:scrgbClr r="0" g="0" b="0"/>
+      </a:fillRef>
+      <a:effectRef idx="0">
+        <a:scrgbClr r="0" g="0" b="0"/>
+      </a:effectRef>
+      <a:fontRef idx="minor"/>
+    </dgm:style>
+  </dgm:styleLbl>
+  <dgm:styleLbl name="fgAcc2">
+    <dgm:scene3d>
+      <a:camera prst="orthographicFront"/>
+      <a:lightRig rig="threePt" dir="t"/>
+    </dgm:scene3d>
+    <dgm:sp3d/>
+    <dgm:txPr/>
+    <dgm:style>
+      <a:lnRef idx="2">
+        <a:scrgbClr r="0" g="0" b="0"/>
+      </a:lnRef>
+      <a:fillRef idx="1">
+        <a:scrgbClr r="0" g="0" b="0"/>
+      </a:fillRef>
+      <a:effectRef idx="0">
+        <a:scrgbClr r="0" g="0" b="0"/>
+      </a:effectRef>
+      <a:fontRef idx="minor"/>
+    </dgm:style>
+  </dgm:styleLbl>
+  <dgm:styleLbl name="fgAcc3">
+    <dgm:scene3d>
+      <a:camera prst="orthographicFront"/>
+      <a:lightRig rig="threePt" dir="t"/>
+    </dgm:scene3d>
+    <dgm:sp3d/>
+    <dgm:txPr/>
+    <dgm:style>
+      <a:lnRef idx="2">
+        <a:scrgbClr r="0" g="0" b="0"/>
+      </a:lnRef>
+      <a:fillRef idx="1">
+        <a:scrgbClr r="0" g="0" b="0"/>
+      </a:fillRef>
+      <a:effectRef idx="0">
+        <a:scrgbClr r="0" g="0" b="0"/>
+      </a:effectRef>
+      <a:fontRef idx="minor"/>
+    </dgm:style>
+  </dgm:styleLbl>
+  <dgm:styleLbl name="fgAcc4">
+    <dgm:scene3d>
+      <a:camera prst="orthographicFront"/>
+      <a:lightRig rig="threePt" dir="t"/>
+    </dgm:scene3d>
+    <dgm:sp3d/>
+    <dgm:txPr/>
+    <dgm:style>
+      <a:lnRef idx="2">
+        <a:scrgbClr r="0" g="0" b="0"/>
+      </a:lnRef>
+      <a:fillRef idx="1">
+        <a:scrgbClr r="0" g="0" b="0"/>
+      </a:fillRef>
+      <a:effectRef idx="0">
+        <a:scrgbClr r="0" g="0" b="0"/>
+      </a:effectRef>
+      <a:fontRef idx="minor"/>
+    </dgm:style>
+  </dgm:styleLbl>
+  <dgm:styleLbl name="bgShp">
+    <dgm:scene3d>
+      <a:camera prst="orthographicFront"/>
+      <a:lightRig rig="threePt" dir="t"/>
+    </dgm:scene3d>
+    <dgm:sp3d/>
+    <dgm:txPr/>
+    <dgm:style>
+      <a:lnRef idx="0">
+        <a:scrgbClr r="0" g="0" b="0"/>
+      </a:lnRef>
+      <a:fillRef idx="1">
+        <a:scrgbClr r="0" g="0" b="0"/>
+      </a:fillRef>
+      <a:effectRef idx="0">
+        <a:scrgbClr r="0" g="0" b="0"/>
+      </a:effectRef>
+      <a:fontRef idx="minor"/>
+    </dgm:style>
+  </dgm:styleLbl>
+  <dgm:styleLbl name="dkBgShp">
+    <dgm:scene3d>
+      <a:camera prst="orthographicFront"/>
+      <a:lightRig rig="threePt" dir="t"/>
+    </dgm:scene3d>
+    <dgm:sp3d/>
+    <dgm:txPr/>
+    <dgm:style>
+      <a:lnRef idx="0">
+        <a:scrgbClr r="0" g="0" b="0"/>
+      </a:lnRef>
+      <a:fillRef idx="1">
+        <a:scrgbClr r="0" g="0" b="0"/>
+      </a:fillRef>
+      <a:effectRef idx="0">
+        <a:scrgbClr r="0" g="0" b="0"/>
+      </a:effectRef>
+      <a:fontRef idx="minor"/>
+    </dgm:style>
+  </dgm:styleLbl>
+  <dgm:styleLbl name="trBgShp">
+    <dgm:scene3d>
+      <a:camera prst="orthographicFront"/>
+      <a:lightRig rig="threePt" dir="t"/>
+    </dgm:scene3d>
+    <dgm:sp3d/>
+    <dgm:txPr/>
+    <dgm:style>
+      <a:lnRef idx="0">
+        <a:scrgbClr r="0" g="0" b="0"/>
+      </a:lnRef>
+      <a:fillRef idx="1">
+        <a:scrgbClr r="0" g="0" b="0"/>
+      </a:fillRef>
+      <a:effectRef idx="0">
+        <a:scrgbClr r="0" g="0" b="0"/>
+      </a:effectRef>
+      <a:fontRef idx="minor"/>
+    </dgm:style>
+  </dgm:styleLbl>
+  <dgm:styleLbl name="fgShp">
+    <dgm:scene3d>
+      <a:camera prst="orthographicFront"/>
+      <a:lightRig rig="threePt" dir="t"/>
+    </dgm:scene3d>
+    <dgm:sp3d/>
+    <dgm:txPr/>
+    <dgm:style>
+      <a:lnRef idx="2">
+        <a:scrgbClr r="0" g="0" b="0"/>
+      </a:lnRef>
+      <a:fillRef idx="1">
+        <a:scrgbClr r="0" g="0" b="0"/>
+      </a:fillRef>
+      <a:effectRef idx="0">
+        <a:scrgbClr r="0" g="0" b="0"/>
+      </a:effectRef>
+      <a:fontRef idx="minor"/>
+    </dgm:style>
+  </dgm:styleLbl>
+  <dgm:styleLbl name="revTx">
+    <dgm:scene3d>
+      <a:camera prst="orthographicFront"/>
+      <a:lightRig rig="threePt" dir="t"/>
+    </dgm:scene3d>
+    <dgm:sp3d/>
+    <dgm:txPr/>
+    <dgm:style>
+      <a:lnRef idx="0">
+        <a:scrgbClr r="0" g="0" b="0"/>
+      </a:lnRef>
+      <a:fillRef idx="0">
+        <a:scrgbClr r="0" g="0" b="0"/>
+      </a:fillRef>
+      <a:effectRef idx="0">
+        <a:scrgbClr r="0" g="0" b="0"/>
+      </a:effectRef>
+      <a:fontRef idx="minor"/>
+    </dgm:style>
+  </dgm:styleLbl>
+</dgm:styleDef>
+</file>
+
+<file path=ppt/notesMasters/notesMaster1.xml><?xml version="1.0" encoding="utf-8"?>
+<p:notesMaster xmlns:a="http://schemas.openxmlformats.org/drawingml/2006/main" xmlns:r="http://schemas.openxmlformats.org/officeDocument/2006/relationships" xmlns:p="http://schemas.openxmlformats.org/presentationml/2006/main">
+  <p:cSld>
+    <p:bg>
+      <p:bgRef idx="1001">
+        <a:schemeClr val="bg1"/>
+      </p:bgRef>
+    </p:bg>
+    <p:spTree>
+      <p:nvGrpSpPr>
+        <p:cNvPr id="1" name=""/>
+        <p:cNvGrpSpPr/>
+        <p:nvPr/>
+      </p:nvGrpSpPr>
+      <p:grpSpPr>
+        <a:xfrm>
+          <a:off x="0" y="0"/>
+          <a:ext cx="0" cy="0"/>
+          <a:chOff x="0" y="0"/>
+          <a:chExt cx="0" cy="0"/>
+        </a:xfrm>
+      </p:grpSpPr>
+      <p:sp>
+        <p:nvSpPr>
+          <p:cNvPr id="2" name="Header Placeholder 1"/>
+          <p:cNvSpPr>
+            <a:spLocks noGrp="1"/>
+          </p:cNvSpPr>
+          <p:nvPr>
+            <p:ph type="hdr" sz="quarter"/>
+          </p:nvPr>
+        </p:nvSpPr>
+        <p:spPr>
+          <a:xfrm>
+            <a:off x="0" y="0"/>
+            <a:ext cx="2971800" cy="458788"/>
+          </a:xfrm>
+          <a:prstGeom prst="rect">
+            <a:avLst/>
+          </a:prstGeom>
+        </p:spPr>
+        <p:txBody>
+          <a:bodyPr vert="horz" lIns="91440" tIns="45720" rIns="91440" bIns="45720" rtlCol="0"/>
+          <a:lstStyle>
+            <a:lvl1pPr algn="l">
+              <a:defRPr sz="1200"/>
+            </a:lvl1pPr>
+          </a:lstStyle>
+          <a:p>
+            <a:endParaRPr lang="en-US"/>
+          </a:p>
+        </p:txBody>
+      </p:sp>
+      <p:sp>
+        <p:nvSpPr>
+          <p:cNvPr id="3" name="Date Placeholder 2"/>
+          <p:cNvSpPr>
+            <a:spLocks noGrp="1"/>
+          </p:cNvSpPr>
+          <p:nvPr>
+            <p:ph type="dt" idx="1"/>
+          </p:nvPr>
+        </p:nvSpPr>
+        <p:spPr>
+          <a:xfrm>
+            <a:off x="3884613" y="0"/>
+            <a:ext cx="2971800" cy="458788"/>
+          </a:xfrm>
+          <a:prstGeom prst="rect">
+            <a:avLst/>
+          </a:prstGeom>
+        </p:spPr>
+        <p:txBody>
+          <a:bodyPr vert="horz" lIns="91440" tIns="45720" rIns="91440" bIns="45720" rtlCol="0"/>
+          <a:lstStyle>
+            <a:lvl1pPr algn="r">
+              <a:defRPr sz="1200"/>
+            </a:lvl1pPr>
+          </a:lstStyle>
+          <a:p>
+            <a:fld id="{4B91A12D-555C-4B5E-A3D0-55D28096A47E}" type="datetimeFigureOut">
+              <a:rPr lang="en-US"/>
+              <a:t>12/2/2015</a:t>
+            </a:fld>
+            <a:endParaRPr lang="en-US"/>
+          </a:p>
+        </p:txBody>
+      </p:sp>
+      <p:sp>
+        <p:nvSpPr>
+          <p:cNvPr id="4" name="Slide Image Placeholder 3"/>
+          <p:cNvSpPr>
+            <a:spLocks noGrp="1" noRot="1" noChangeAspect="1"/>
+          </p:cNvSpPr>
+          <p:nvPr>
+            <p:ph type="sldImg" idx="2"/>
+          </p:nvPr>
+        </p:nvSpPr>
+        <p:spPr>
+          <a:xfrm>
+            <a:off x="685800" y="1143000"/>
+            <a:ext cx="5486400" cy="3086100"/>
+          </a:xfrm>
+          <a:prstGeom prst="rect">
+            <a:avLst/>
+          </a:prstGeom>
+          <a:noFill/>
+          <a:ln w="12700">
+            <a:solidFill>
+              <a:prstClr val="black"/>
+            </a:solidFill>
+          </a:ln>
+        </p:spPr>
+        <p:txBody>
+          <a:bodyPr vert="horz" lIns="91440" tIns="45720" rIns="91440" bIns="45720" rtlCol="0" anchor="ctr"/>
+          <a:lstStyle/>
+          <a:p>
+            <a:endParaRPr lang="en-US"/>
+          </a:p>
+        </p:txBody>
+      </p:sp>
+      <p:sp>
+        <p:nvSpPr>
+          <p:cNvPr id="5" name="Notes Placeholder 4"/>
+          <p:cNvSpPr>
+            <a:spLocks noGrp="1"/>
+          </p:cNvSpPr>
+          <p:nvPr>
+            <p:ph type="body" sz="quarter" idx="3"/>
+          </p:nvPr>
+        </p:nvSpPr>
+        <p:spPr>
+          <a:xfrm>
+            <a:off x="685800" y="4400550"/>
+            <a:ext cx="5486400" cy="3600450"/>
+          </a:xfrm>
+          <a:prstGeom prst="rect">
+            <a:avLst/>
+          </a:prstGeom>
+        </p:spPr>
+        <p:txBody>
+          <a:bodyPr vert="horz" lIns="91440" tIns="45720" rIns="91440" bIns="45720" rtlCol="0"/>
+          <a:lstStyle/>
+          <a:p>
+            <a:pPr lvl="0"/>
+            <a:r>
+              <a:rPr lang="en-US"/>
+              <a:t>Edit Master text styles</a:t>
+            </a:r>
+          </a:p>
+          <a:p>
+            <a:pPr lvl="1"/>
+            <a:r>
+              <a:rPr lang="en-US"/>
+              <a:t>Second level</a:t>
+            </a:r>
+          </a:p>
+          <a:p>
+            <a:pPr lvl="2"/>
+            <a:r>
+              <a:rPr lang="en-US"/>
+              <a:t>Third level</a:t>
+            </a:r>
+          </a:p>
+          <a:p>
+            <a:pPr lvl="3"/>
+            <a:r>
+              <a:rPr lang="en-US"/>
+              <a:t>Fourth level</a:t>
+            </a:r>
+          </a:p>
+          <a:p>
+            <a:pPr lvl="4"/>
+            <a:r>
+              <a:rPr lang="en-US"/>
+              <a:t>Fifth level</a:t>
+            </a:r>
+          </a:p>
+        </p:txBody>
+      </p:sp>
+      <p:sp>
+        <p:nvSpPr>
+          <p:cNvPr id="6" name="Footer Placeholder 5"/>
+          <p:cNvSpPr>
+            <a:spLocks noGrp="1"/>
+          </p:cNvSpPr>
+          <p:nvPr>
+            <p:ph type="ftr" sz="quarter" idx="4"/>
+          </p:nvPr>
+        </p:nvSpPr>
+        <p:spPr>
+          <a:xfrm>
+            <a:off x="0" y="8685213"/>
+            <a:ext cx="2971800" cy="458787"/>
+          </a:xfrm>
+          <a:prstGeom prst="rect">
+            <a:avLst/>
+          </a:prstGeom>
+        </p:spPr>
+        <p:txBody>
+          <a:bodyPr vert="horz" lIns="91440" tIns="45720" rIns="91440" bIns="45720" rtlCol="0" anchor="b"/>
+          <a:lstStyle>
+            <a:lvl1pPr algn="l">
+              <a:defRPr sz="1200"/>
+            </a:lvl1pPr>
+          </a:lstStyle>
+          <a:p>
+            <a:endParaRPr lang="en-US"/>
+          </a:p>
+        </p:txBody>
+      </p:sp>
+      <p:sp>
+        <p:nvSpPr>
+          <p:cNvPr id="7" name="Slide Number Placeholder 6"/>
+          <p:cNvSpPr>
+            <a:spLocks noGrp="1"/>
+          </p:cNvSpPr>
+          <p:nvPr>
+            <p:ph type="sldNum" sz="quarter" idx="5"/>
+          </p:nvPr>
+        </p:nvSpPr>
+        <p:spPr>
+          <a:xfrm>
+            <a:off x="3884613" y="8685213"/>
+            <a:ext cx="2971800" cy="458787"/>
+          </a:xfrm>
+          <a:prstGeom prst="rect">
+            <a:avLst/>
+          </a:prstGeom>
+        </p:spPr>
+        <p:txBody>
+          <a:bodyPr vert="horz" lIns="91440" tIns="45720" rIns="91440" bIns="45720" rtlCol="0" anchor="b"/>
+          <a:lstStyle>
+            <a:lvl1pPr algn="r">
+              <a:defRPr sz="1200"/>
+            </a:lvl1pPr>
+          </a:lstStyle>
+          <a:p>
+            <a:fld id="{E1A0BDC9-8B51-46E2-B3B0-E292DB296F1C}" type="slidenum">
+              <a:rPr lang="en-US"/>
+              <a:t>‹#›</a:t>
+            </a:fld>
+            <a:endParaRPr lang="en-US"/>
+          </a:p>
+        </p:txBody>
+      </p:sp>
+    </p:spTree>
+    <p:extLst>
+      <p:ext uri="{BB962C8B-B14F-4D97-AF65-F5344CB8AC3E}">
+        <p14:creationId xmlns:p14="http://schemas.microsoft.com/office/powerpoint/2010/main" val="4049800281"/>
+      </p:ext>
+    </p:extLst>
+  </p:cSld>
+  <p:clrMap bg1="lt1" tx1="dk1" bg2="lt2" tx2="dk2" accent1="accent1" accent2="accent2" accent3="accent3" accent4="accent4" accent5="accent5" accent6="accent6" hlink="hlink" folHlink="folHlink"/>
+  <p:notesStyle>
+    <a:lvl1pPr marL="0" algn="l" defTabSz="914400" rtl="0" eaLnBrk="1" latinLnBrk="0" hangingPunct="1">
+      <a:defRPr sz="1200" kern="1200">
+        <a:solidFill>
+          <a:schemeClr val="tx1"/>
+        </a:solidFill>
+        <a:latin typeface="+mn-lt"/>
+        <a:ea typeface="+mn-ea"/>
+        <a:cs typeface="+mn-cs"/>
+      </a:defRPr>
+    </a:lvl1pPr>
+    <a:lvl2pPr marL="457200" algn="l" defTabSz="914400" rtl="0" eaLnBrk="1" latinLnBrk="0" hangingPunct="1">
+      <a:defRPr sz="1200" kern="1200">
+        <a:solidFill>
+          <a:schemeClr val="tx1"/>
+        </a:solidFill>
+        <a:latin typeface="+mn-lt"/>
+        <a:ea typeface="+mn-ea"/>
+        <a:cs typeface="+mn-cs"/>
+      </a:defRPr>
+    </a:lvl2pPr>
+    <a:lvl3pPr marL="914400" algn="l" defTabSz="914400" rtl="0" eaLnBrk="1" latinLnBrk="0" hangingPunct="1">
+      <a:defRPr sz="1200" kern="1200">
+        <a:solidFill>
+          <a:schemeClr val="tx1"/>
+        </a:solidFill>
+        <a:latin typeface="+mn-lt"/>
+        <a:ea typeface="+mn-ea"/>
+        <a:cs typeface="+mn-cs"/>
+      </a:defRPr>
+    </a:lvl3pPr>
+    <a:lvl4pPr marL="1371600" algn="l" defTabSz="914400" rtl="0" eaLnBrk="1" latinLnBrk="0" hangingPunct="1">
+      <a:defRPr sz="1200" kern="1200">
+        <a:solidFill>
+          <a:schemeClr val="tx1"/>
+        </a:solidFill>
+        <a:latin typeface="+mn-lt"/>
+        <a:ea typeface="+mn-ea"/>
+        <a:cs typeface="+mn-cs"/>
+      </a:defRPr>
+    </a:lvl4pPr>
+    <a:lvl5pPr marL="1828800" algn="l" defTabSz="914400" rtl="0" eaLnBrk="1" latinLnBrk="0" hangingPunct="1">
+      <a:defRPr sz="1200" kern="1200">
+        <a:solidFill>
+          <a:schemeClr val="tx1"/>
+        </a:solidFill>
+        <a:latin typeface="+mn-lt"/>
+        <a:ea typeface="+mn-ea"/>
+        <a:cs typeface="+mn-cs"/>
+      </a:defRPr>
+    </a:lvl5pPr>
+    <a:lvl6pPr marL="2286000" algn="l" defTabSz="914400" rtl="0" eaLnBrk="1" latinLnBrk="0" hangingPunct="1">
+      <a:defRPr sz="1200" kern="1200">
+        <a:solidFill>
+          <a:schemeClr val="tx1"/>
+        </a:solidFill>
+        <a:latin typeface="+mn-lt"/>
+        <a:ea typeface="+mn-ea"/>
+        <a:cs typeface="+mn-cs"/>
+      </a:defRPr>
+    </a:lvl6pPr>
+    <a:lvl7pPr marL="2743200" algn="l" defTabSz="914400" rtl="0" eaLnBrk="1" latinLnBrk="0" hangingPunct="1">
+      <a:defRPr sz="1200" kern="1200">
+        <a:solidFill>
+          <a:schemeClr val="tx1"/>
+        </a:solidFill>
+        <a:latin typeface="+mn-lt"/>
+        <a:ea typeface="+mn-ea"/>
+        <a:cs typeface="+mn-cs"/>
+      </a:defRPr>
+    </a:lvl7pPr>
+    <a:lvl8pPr marL="3200400" algn="l" defTabSz="914400" rtl="0" eaLnBrk="1" latinLnBrk="0" hangingPunct="1">
+      <a:defRPr sz="1200" kern="1200">
+        <a:solidFill>
+          <a:schemeClr val="tx1"/>
+        </a:solidFill>
+        <a:latin typeface="+mn-lt"/>
+        <a:ea typeface="+mn-ea"/>
+        <a:cs typeface="+mn-cs"/>
+      </a:defRPr>
+    </a:lvl8pPr>
+    <a:lvl9pPr marL="3657600" algn="l" defTabSz="914400" rtl="0" eaLnBrk="1" latinLnBrk="0" hangingPunct="1">
+      <a:defRPr sz="1200" kern="1200">
+        <a:solidFill>
+          <a:schemeClr val="tx1"/>
+        </a:solidFill>
+        <a:latin typeface="+mn-lt"/>
+        <a:ea typeface="+mn-ea"/>
+        <a:cs typeface="+mn-cs"/>
+      </a:defRPr>
+    </a:lvl9pPr>
+  </p:notesStyle>
+</p:notesMaster>
+</file>
+
+<file path=ppt/notesSlides/notesSlide1.xml><?xml version="1.0" encoding="utf-8"?>
+<p:notes xmlns:a="http://schemas.openxmlformats.org/drawingml/2006/main" xmlns:r="http://schemas.openxmlformats.org/officeDocument/2006/relationships" xmlns:p="http://schemas.openxmlformats.org/presentationml/2006/main">
+  <p:cSld>
+    <p:spTree>
+      <p:nvGrpSpPr>
+        <p:cNvPr id="1" name=""/>
+        <p:cNvGrpSpPr/>
+        <p:nvPr/>
+      </p:nvGrpSpPr>
+      <p:grpSpPr>
+        <a:xfrm>
+          <a:off x="0" y="0"/>
+          <a:ext cx="0" cy="0"/>
+          <a:chOff x="0" y="0"/>
+          <a:chExt cx="0" cy="0"/>
+        </a:xfrm>
+      </p:grpSpPr>
+      <p:sp>
+        <p:nvSpPr>
+          <p:cNvPr id="2" name="Slide Image Placeholder 1"/>
+          <p:cNvSpPr>
+            <a:spLocks noGrp="1" noRot="1" noChangeAspect="1"/>
+          </p:cNvSpPr>
+          <p:nvPr>
+            <p:ph type="sldImg"/>
+          </p:nvPr>
+        </p:nvSpPr>
+        <p:spPr/>
+      </p:sp>
+      <p:sp>
+        <p:nvSpPr>
+          <p:cNvPr id="3" name="Notes Placeholder 2"/>
+          <p:cNvSpPr>
+            <a:spLocks noGrp="1"/>
+          </p:cNvSpPr>
+          <p:nvPr>
+            <p:ph type="body" idx="1"/>
+          </p:nvPr>
+        </p:nvSpPr>
+        <p:spPr/>
+        <p:txBody>
+          <a:bodyPr/>
+          <a:lstStyle/>
+          <a:p>
+            <a:endParaRPr lang="en-US"/>
+          </a:p>
+        </p:txBody>
+      </p:sp>
+      <p:sp>
+        <p:nvSpPr>
+          <p:cNvPr id="4" name="Slide Number Placeholder 3"/>
+          <p:cNvSpPr>
+            <a:spLocks noGrp="1"/>
+          </p:cNvSpPr>
+          <p:nvPr>
+            <p:ph type="sldNum" sz="quarter" idx="10"/>
+          </p:nvPr>
+        </p:nvSpPr>
+        <p:spPr/>
+        <p:txBody>
+          <a:bodyPr/>
+          <a:lstStyle/>
+          <a:p>
+            <a:fld id="{E1A0BDC9-8B51-46E2-B3B0-E292DB296F1C}" type="slidenum">
+              <a:rPr lang="en-US"/>
+              <a:t>‹#›</a:t>
+            </a:fld>
+            <a:endParaRPr lang="en-US"/>
+          </a:p>
+        </p:txBody>
+      </p:sp>
+    </p:spTree>
+    <p:extLst>
+      <p:ext uri="{BB962C8B-B14F-4D97-AF65-F5344CB8AC3E}">
+        <p14:creationId xmlns:p14="http://schemas.microsoft.com/office/powerpoint/2010/main" val="1148815121"/>
+      </p:ext>
+    </p:extLst>
+  </p:cSld>
+  <p:clrMapOvr>
+    <a:masterClrMapping/>
+  </p:clrMapOvr>
+</p:notes>
+</file>
+
+<file path=ppt/notesSlides/notesSlide2.xml><?xml version="1.0" encoding="utf-8"?>
+<p:notes xmlns:a="http://schemas.openxmlformats.org/drawingml/2006/main" xmlns:r="http://schemas.openxmlformats.org/officeDocument/2006/relationships" xmlns:p="http://schemas.openxmlformats.org/presentationml/2006/main">
+  <p:cSld>
+    <p:spTree>
+      <p:nvGrpSpPr>
+        <p:cNvPr id="1" name=""/>
+        <p:cNvGrpSpPr/>
+        <p:nvPr/>
+      </p:nvGrpSpPr>
+      <p:grpSpPr>
+        <a:xfrm>
+          <a:off x="0" y="0"/>
+          <a:ext cx="0" cy="0"/>
+          <a:chOff x="0" y="0"/>
+          <a:chExt cx="0" cy="0"/>
+        </a:xfrm>
+      </p:grpSpPr>
+      <p:sp>
+        <p:nvSpPr>
+          <p:cNvPr id="2" name="Slide Image Placeholder 1"/>
+          <p:cNvSpPr>
+            <a:spLocks noGrp="1" noRot="1" noChangeAspect="1"/>
+          </p:cNvSpPr>
+          <p:nvPr>
+            <p:ph type="sldImg"/>
+          </p:nvPr>
+        </p:nvSpPr>
+        <p:spPr/>
+      </p:sp>
+      <p:sp>
+        <p:nvSpPr>
+          <p:cNvPr id="3" name="Notes Placeholder 2"/>
+          <p:cNvSpPr>
+            <a:spLocks noGrp="1"/>
+          </p:cNvSpPr>
+          <p:nvPr>
+            <p:ph type="body" idx="1"/>
+          </p:nvPr>
+        </p:nvSpPr>
+        <p:spPr/>
+        <p:txBody>
+          <a:bodyPr/>
+          <a:lstStyle/>
+          <a:p>
+            <a:endParaRPr lang="en-US"/>
+          </a:p>
+        </p:txBody>
+      </p:sp>
+      <p:sp>
+        <p:nvSpPr>
+          <p:cNvPr id="4" name="Slide Number Placeholder 3"/>
+          <p:cNvSpPr>
+            <a:spLocks noGrp="1"/>
+          </p:cNvSpPr>
+          <p:nvPr>
+            <p:ph type="sldNum" sz="quarter" idx="10"/>
+          </p:nvPr>
+        </p:nvSpPr>
+        <p:spPr/>
+        <p:txBody>
+          <a:bodyPr/>
+          <a:lstStyle/>
+          <a:p>
+            <a:fld id="{E1A0BDC9-8B51-46E2-B3B0-E292DB296F1C}" type="slidenum">
+              <a:rPr lang="en-US"/>
+              <a:t>‹#›</a:t>
+            </a:fld>
+            <a:endParaRPr lang="en-US"/>
+          </a:p>
+        </p:txBody>
+      </p:sp>
+    </p:spTree>
+    <p:extLst>
+      <p:ext uri="{BB962C8B-B14F-4D97-AF65-F5344CB8AC3E}">
+        <p14:creationId xmlns:p14="http://schemas.microsoft.com/office/powerpoint/2010/main" val="2677314837"/>
+      </p:ext>
+    </p:extLst>
+  </p:cSld>
+  <p:clrMapOvr>
+    <a:masterClrMapping/>
+  </p:clrMapOvr>
+</p:notes>
+</file>
+
+<file path=ppt/notesSlides/notesSlide3.xml><?xml version="1.0" encoding="utf-8"?>
+<p:notes xmlns:a="http://schemas.openxmlformats.org/drawingml/2006/main" xmlns:r="http://schemas.openxmlformats.org/officeDocument/2006/relationships" xmlns:p="http://schemas.openxmlformats.org/presentationml/2006/main">
+  <p:cSld>
+    <p:spTree>
+      <p:nvGrpSpPr>
+        <p:cNvPr id="1" name=""/>
+        <p:cNvGrpSpPr/>
+        <p:nvPr/>
+      </p:nvGrpSpPr>
+      <p:grpSpPr>
+        <a:xfrm>
+          <a:off x="0" y="0"/>
+          <a:ext cx="0" cy="0"/>
+          <a:chOff x="0" y="0"/>
+          <a:chExt cx="0" cy="0"/>
+        </a:xfrm>
+      </p:grpSpPr>
+      <p:sp>
+        <p:nvSpPr>
+          <p:cNvPr id="2" name="Slide Image Placeholder 1"/>
+          <p:cNvSpPr>
+            <a:spLocks noGrp="1" noRot="1" noChangeAspect="1"/>
+          </p:cNvSpPr>
+          <p:nvPr>
+            <p:ph type="sldImg"/>
+          </p:nvPr>
+        </p:nvSpPr>
+        <p:spPr/>
+      </p:sp>
+      <p:sp>
+        <p:nvSpPr>
+          <p:cNvPr id="3" name="Notes Placeholder 2"/>
+          <p:cNvSpPr>
+            <a:spLocks noGrp="1"/>
+          </p:cNvSpPr>
+          <p:nvPr>
+            <p:ph type="body" idx="1"/>
+          </p:nvPr>
+        </p:nvSpPr>
+        <p:spPr/>
+        <p:txBody>
+          <a:bodyPr/>
+          <a:lstStyle/>
+          <a:p>
+            <a:endParaRPr lang="en-US"/>
+          </a:p>
+        </p:txBody>
+      </p:sp>
+      <p:sp>
+        <p:nvSpPr>
+          <p:cNvPr id="4" name="Slide Number Placeholder 3"/>
+          <p:cNvSpPr>
+            <a:spLocks noGrp="1"/>
+          </p:cNvSpPr>
+          <p:nvPr>
+            <p:ph type="sldNum" sz="quarter" idx="10"/>
+          </p:nvPr>
+        </p:nvSpPr>
+        <p:spPr/>
+        <p:txBody>
+          <a:bodyPr/>
+          <a:lstStyle/>
+          <a:p>
+            <a:fld id="{E1A0BDC9-8B51-46E2-B3B0-E292DB296F1C}" type="slidenum">
+              <a:rPr lang="en-US"/>
+              <a:t>3</a:t>
+            </a:fld>
+            <a:endParaRPr lang="en-US"/>
+          </a:p>
+        </p:txBody>
+      </p:sp>
+    </p:spTree>
+    <p:extLst>
+      <p:ext uri="{BB962C8B-B14F-4D97-AF65-F5344CB8AC3E}">
+        <p14:creationId xmlns:p14="http://schemas.microsoft.com/office/powerpoint/2010/main" val="4209438212"/>
+      </p:ext>
+    </p:extLst>
+  </p:cSld>
+  <p:clrMapOvr>
+    <a:masterClrMapping/>
+  </p:clrMapOvr>
+</p:notes>
+</file>
+
+<file path=ppt/notesSlides/notesSlide4.xml><?xml version="1.0" encoding="utf-8"?>
+<p:notes xmlns:a="http://schemas.openxmlformats.org/drawingml/2006/main" xmlns:r="http://schemas.openxmlformats.org/officeDocument/2006/relationships" xmlns:p="http://schemas.openxmlformats.org/presentationml/2006/main">
+  <p:cSld>
+    <p:spTree>
+      <p:nvGrpSpPr>
+        <p:cNvPr id="1" name=""/>
+        <p:cNvGrpSpPr/>
+        <p:nvPr/>
+      </p:nvGrpSpPr>
+      <p:grpSpPr>
+        <a:xfrm>
+          <a:off x="0" y="0"/>
+          <a:ext cx="0" cy="0"/>
+          <a:chOff x="0" y="0"/>
+          <a:chExt cx="0" cy="0"/>
+        </a:xfrm>
+      </p:grpSpPr>
+      <p:sp>
+        <p:nvSpPr>
+          <p:cNvPr id="2" name="Slide Image Placeholder 1"/>
+          <p:cNvSpPr>
+            <a:spLocks noGrp="1" noRot="1" noChangeAspect="1"/>
+          </p:cNvSpPr>
+          <p:nvPr>
+            <p:ph type="sldImg"/>
+          </p:nvPr>
+        </p:nvSpPr>
+        <p:spPr/>
+      </p:sp>
+      <p:sp>
+        <p:nvSpPr>
+          <p:cNvPr id="3" name="Notes Placeholder 2"/>
+          <p:cNvSpPr>
+            <a:spLocks noGrp="1"/>
+          </p:cNvSpPr>
+          <p:nvPr>
+            <p:ph type="body" idx="1"/>
+          </p:nvPr>
+        </p:nvSpPr>
+        <p:spPr/>
+        <p:txBody>
+          <a:bodyPr/>
+          <a:lstStyle/>
+          <a:p>
+            <a:endParaRPr lang="en-US"/>
+          </a:p>
+        </p:txBody>
+      </p:sp>
+      <p:sp>
+        <p:nvSpPr>
+          <p:cNvPr id="4" name="Slide Number Placeholder 3"/>
+          <p:cNvSpPr>
+            <a:spLocks noGrp="1"/>
+          </p:cNvSpPr>
+          <p:nvPr>
+            <p:ph type="sldNum" sz="quarter" idx="10"/>
+          </p:nvPr>
+        </p:nvSpPr>
+        <p:spPr/>
+        <p:txBody>
+          <a:bodyPr/>
+          <a:lstStyle/>
+          <a:p>
+            <a:fld id="{E1A0BDC9-8B51-46E2-B3B0-E292DB296F1C}" type="slidenum">
+              <a:rPr lang="en-US"/>
+              <a:t>‹#›</a:t>
+            </a:fld>
+            <a:endParaRPr lang="en-US"/>
+          </a:p>
+        </p:txBody>
+      </p:sp>
+    </p:spTree>
+    <p:extLst>
+      <p:ext uri="{BB962C8B-B14F-4D97-AF65-F5344CB8AC3E}">
+        <p14:creationId xmlns:p14="http://schemas.microsoft.com/office/powerpoint/2010/main" val="1721799992"/>
+      </p:ext>
+    </p:extLst>
+  </p:cSld>
+  <p:clrMapOvr>
+    <a:masterClrMapping/>
+  </p:clrMapOvr>
+</p:notes>
+</file>
+
+<file path=ppt/notesSlides/notesSlide5.xml><?xml version="1.0" encoding="utf-8"?>
+<p:notes xmlns:a="http://schemas.openxmlformats.org/drawingml/2006/main" xmlns:r="http://schemas.openxmlformats.org/officeDocument/2006/relationships" xmlns:p="http://schemas.openxmlformats.org/presentationml/2006/main">
+  <p:cSld>
+    <p:spTree>
+      <p:nvGrpSpPr>
+        <p:cNvPr id="1" name=""/>
+        <p:cNvGrpSpPr/>
+        <p:nvPr/>
+      </p:nvGrpSpPr>
+      <p:grpSpPr>
+        <a:xfrm>
+          <a:off x="0" y="0"/>
+          <a:ext cx="0" cy="0"/>
+          <a:chOff x="0" y="0"/>
+          <a:chExt cx="0" cy="0"/>
+        </a:xfrm>
+      </p:grpSpPr>
+      <p:sp>
+        <p:nvSpPr>
+          <p:cNvPr id="2" name="Slide Image Placeholder 1"/>
+          <p:cNvSpPr>
+            <a:spLocks noGrp="1" noRot="1" noChangeAspect="1"/>
+          </p:cNvSpPr>
+          <p:nvPr>
+            <p:ph type="sldImg"/>
+          </p:nvPr>
+        </p:nvSpPr>
+        <p:spPr/>
+      </p:sp>
+      <p:sp>
+        <p:nvSpPr>
+          <p:cNvPr id="3" name="Notes Placeholder 2"/>
+          <p:cNvSpPr>
+            <a:spLocks noGrp="1"/>
+          </p:cNvSpPr>
+          <p:nvPr>
+            <p:ph type="body" idx="1"/>
+          </p:nvPr>
+        </p:nvSpPr>
+        <p:spPr/>
+        <p:txBody>
+          <a:bodyPr/>
+          <a:lstStyle/>
+          <a:p>
+            <a:endParaRPr lang="en-US"/>
+          </a:p>
+        </p:txBody>
+      </p:sp>
+      <p:sp>
+        <p:nvSpPr>
+          <p:cNvPr id="4" name="Slide Number Placeholder 3"/>
+          <p:cNvSpPr>
+            <a:spLocks noGrp="1"/>
+          </p:cNvSpPr>
+          <p:nvPr>
+            <p:ph type="sldNum" sz="quarter" idx="10"/>
+          </p:nvPr>
+        </p:nvSpPr>
+        <p:spPr/>
+        <p:txBody>
+          <a:bodyPr/>
+          <a:lstStyle/>
+          <a:p>
+            <a:fld id="{E1A0BDC9-8B51-46E2-B3B0-E292DB296F1C}" type="slidenum">
+              <a:rPr lang="en-US"/>
+              <a:t>‹#›</a:t>
+            </a:fld>
+            <a:endParaRPr lang="en-US"/>
+          </a:p>
+        </p:txBody>
+      </p:sp>
+    </p:spTree>
+    <p:extLst>
+      <p:ext uri="{BB962C8B-B14F-4D97-AF65-F5344CB8AC3E}">
+        <p14:creationId xmlns:p14="http://schemas.microsoft.com/office/powerpoint/2010/main" val="1217109740"/>
+      </p:ext>
+    </p:extLst>
+  </p:cSld>
+  <p:clrMapOvr>
+    <a:masterClrMapping/>
+  </p:clrMapOvr>
+</p:notes>
+</file>
+
+<file path=ppt/notesSlides/notesSlide6.xml><?xml version="1.0" encoding="utf-8"?>
+<p:notes xmlns:a="http://schemas.openxmlformats.org/drawingml/2006/main" xmlns:r="http://schemas.openxmlformats.org/officeDocument/2006/relationships" xmlns:p="http://schemas.openxmlformats.org/presentationml/2006/main">
+  <p:cSld>
+    <p:spTree>
+      <p:nvGrpSpPr>
+        <p:cNvPr id="1" name=""/>
+        <p:cNvGrpSpPr/>
+        <p:nvPr/>
+      </p:nvGrpSpPr>
+      <p:grpSpPr>
+        <a:xfrm>
+          <a:off x="0" y="0"/>
+          <a:ext cx="0" cy="0"/>
+          <a:chOff x="0" y="0"/>
+          <a:chExt cx="0" cy="0"/>
+        </a:xfrm>
+      </p:grpSpPr>
+      <p:sp>
+        <p:nvSpPr>
+          <p:cNvPr id="2" name="Slide Image Placeholder 1"/>
+          <p:cNvSpPr>
+            <a:spLocks noGrp="1" noRot="1" noChangeAspect="1"/>
+          </p:cNvSpPr>
+          <p:nvPr>
+            <p:ph type="sldImg"/>
+          </p:nvPr>
+        </p:nvSpPr>
+        <p:spPr/>
+      </p:sp>
+      <p:sp>
+        <p:nvSpPr>
+          <p:cNvPr id="3" name="Notes Placeholder 2"/>
+          <p:cNvSpPr>
+            <a:spLocks noGrp="1"/>
+          </p:cNvSpPr>
+          <p:nvPr>
+            <p:ph type="body" idx="1"/>
+          </p:nvPr>
+        </p:nvSpPr>
+        <p:spPr/>
+        <p:txBody>
+          <a:bodyPr/>
+          <a:lstStyle/>
+          <a:p>
+            <a:endParaRPr lang="en-US"/>
+          </a:p>
+        </p:txBody>
+      </p:sp>
+      <p:sp>
+        <p:nvSpPr>
+          <p:cNvPr id="4" name="Slide Number Placeholder 3"/>
+          <p:cNvSpPr>
+            <a:spLocks noGrp="1"/>
+          </p:cNvSpPr>
+          <p:nvPr>
+            <p:ph type="sldNum" sz="quarter" idx="10"/>
+          </p:nvPr>
+        </p:nvSpPr>
+        <p:spPr/>
+        <p:txBody>
+          <a:bodyPr/>
+          <a:lstStyle/>
+          <a:p>
+            <a:fld id="{E1A0BDC9-8B51-46E2-B3B0-E292DB296F1C}" type="slidenum">
+              <a:rPr lang="en-US"/>
+              <a:t>‹#›</a:t>
+            </a:fld>
+            <a:endParaRPr lang="en-US"/>
+          </a:p>
+        </p:txBody>
+      </p:sp>
+    </p:spTree>
+    <p:extLst>
+      <p:ext uri="{BB962C8B-B14F-4D97-AF65-F5344CB8AC3E}">
+        <p14:creationId xmlns:p14="http://schemas.microsoft.com/office/powerpoint/2010/main" val="2323675289"/>
+      </p:ext>
+    </p:extLst>
+  </p:cSld>
+  <p:clrMapOvr>
+    <a:masterClrMapping/>
+  </p:clrMapOvr>
+</p:notes>
+</file>
+
+<file path=ppt/notesSlides/notesSlide7.xml><?xml version="1.0" encoding="utf-8"?>
+<p:notes xmlns:a="http://schemas.openxmlformats.org/drawingml/2006/main" xmlns:r="http://schemas.openxmlformats.org/officeDocument/2006/relationships" xmlns:p="http://schemas.openxmlformats.org/presentationml/2006/main">
+  <p:cSld>
+    <p:spTree>
+      <p:nvGrpSpPr>
+        <p:cNvPr id="1" name=""/>
+        <p:cNvGrpSpPr/>
+        <p:nvPr/>
+      </p:nvGrpSpPr>
+      <p:grpSpPr>
+        <a:xfrm>
+          <a:off x="0" y="0"/>
+          <a:ext cx="0" cy="0"/>
+          <a:chOff x="0" y="0"/>
+          <a:chExt cx="0" cy="0"/>
+        </a:xfrm>
+      </p:grpSpPr>
+      <p:sp>
+        <p:nvSpPr>
+          <p:cNvPr id="2" name="Slide Image Placeholder 1"/>
+          <p:cNvSpPr>
+            <a:spLocks noGrp="1" noRot="1" noChangeAspect="1"/>
+          </p:cNvSpPr>
+          <p:nvPr>
+            <p:ph type="sldImg"/>
+          </p:nvPr>
+        </p:nvSpPr>
+        <p:spPr/>
+      </p:sp>
+      <p:sp>
+        <p:nvSpPr>
+          <p:cNvPr id="3" name="Notes Placeholder 2"/>
+          <p:cNvSpPr>
+            <a:spLocks noGrp="1"/>
+          </p:cNvSpPr>
+          <p:nvPr>
+            <p:ph type="body" idx="1"/>
+          </p:nvPr>
+        </p:nvSpPr>
+        <p:spPr/>
+        <p:txBody>
+          <a:bodyPr/>
+          <a:lstStyle/>
+          <a:p>
+            <a:endParaRPr lang="en-US"/>
+          </a:p>
+        </p:txBody>
+      </p:sp>
+      <p:sp>
+        <p:nvSpPr>
+          <p:cNvPr id="4" name="Slide Number Placeholder 3"/>
+          <p:cNvSpPr>
+            <a:spLocks noGrp="1"/>
+          </p:cNvSpPr>
+          <p:nvPr>
+            <p:ph type="sldNum" sz="quarter" idx="10"/>
+          </p:nvPr>
+        </p:nvSpPr>
+        <p:spPr/>
+        <p:txBody>
+          <a:bodyPr/>
+          <a:lstStyle/>
+          <a:p>
+            <a:fld id="{E1A0BDC9-8B51-46E2-B3B0-E292DB296F1C}" type="slidenum">
+              <a:rPr lang="en-US"/>
+              <a:t>‹#›</a:t>
+            </a:fld>
+            <a:endParaRPr lang="en-US"/>
+          </a:p>
+        </p:txBody>
+      </p:sp>
+    </p:spTree>
+    <p:extLst>
+      <p:ext uri="{BB962C8B-B14F-4D97-AF65-F5344CB8AC3E}">
+        <p14:creationId xmlns:p14="http://schemas.microsoft.com/office/powerpoint/2010/main" val="1365672525"/>
+      </p:ext>
+    </p:extLst>
+  </p:cSld>
+  <p:clrMapOvr>
+    <a:masterClrMapping/>
+  </p:clrMapOvr>
+</p:notes>
+</file>
+
 <file path=ppt/slideLayouts/slideLayout1.xml><?xml version="1.0" encoding="utf-8"?>
 <p:sldLayout xmlns:a="http://schemas.openxmlformats.org/drawingml/2006/main" xmlns:r="http://schemas.openxmlformats.org/officeDocument/2006/relationships" xmlns:p="http://schemas.openxmlformats.org/presentationml/2006/main" type="title" preserve="1">
   <p:cSld name="Title Slide">
@@ -4646,7 +9685,7 @@
           <a:p>
             <a:fld id="{C30308E4-9E2D-4017-B3F5-BD0C38462F30}" type="datetimeFigureOut">
               <a:rPr lang="en-US" smtClean="0"/>
-              <a:t>12/1/15</a:t>
+              <a:t>12/2/2015</a:t>
             </a:fld>
             <a:endParaRPr lang="en-US"/>
           </a:p>
@@ -4816,7 +9855,7 @@
           <a:p>
             <a:fld id="{C30308E4-9E2D-4017-B3F5-BD0C38462F30}" type="datetimeFigureOut">
               <a:rPr lang="en-US" smtClean="0"/>
-              <a:t>12/1/15</a:t>
+              <a:t>12/2/2015</a:t>
             </a:fld>
             <a:endParaRPr lang="en-US"/>
           </a:p>
@@ -4996,7 +10035,7 @@
           <a:p>
             <a:fld id="{C30308E4-9E2D-4017-B3F5-BD0C38462F30}" type="datetimeFigureOut">
               <a:rPr lang="en-US" smtClean="0"/>
-              <a:t>12/1/15</a:t>
+              <a:t>12/2/2015</a:t>
             </a:fld>
             <a:endParaRPr lang="en-US"/>
           </a:p>
@@ -5166,7 +10205,7 @@
           <a:p>
             <a:fld id="{C30308E4-9E2D-4017-B3F5-BD0C38462F30}" type="datetimeFigureOut">
               <a:rPr lang="en-US" smtClean="0"/>
-              <a:t>12/1/15</a:t>
+              <a:t>12/2/2015</a:t>
             </a:fld>
             <a:endParaRPr lang="en-US"/>
           </a:p>
@@ -5412,7 +10451,7 @@
           <a:p>
             <a:fld id="{C30308E4-9E2D-4017-B3F5-BD0C38462F30}" type="datetimeFigureOut">
               <a:rPr lang="en-US" smtClean="0"/>
-              <a:t>12/1/15</a:t>
+              <a:t>12/2/2015</a:t>
             </a:fld>
             <a:endParaRPr lang="en-US"/>
           </a:p>
@@ -5644,7 +10683,7 @@
           <a:p>
             <a:fld id="{C30308E4-9E2D-4017-B3F5-BD0C38462F30}" type="datetimeFigureOut">
               <a:rPr lang="en-US" smtClean="0"/>
-              <a:t>12/1/15</a:t>
+              <a:t>12/2/2015</a:t>
             </a:fld>
             <a:endParaRPr lang="en-US"/>
           </a:p>
@@ -6011,7 +11050,7 @@
           <a:p>
             <a:fld id="{C30308E4-9E2D-4017-B3F5-BD0C38462F30}" type="datetimeFigureOut">
               <a:rPr lang="en-US" smtClean="0"/>
-              <a:t>12/1/15</a:t>
+              <a:t>12/2/2015</a:t>
             </a:fld>
             <a:endParaRPr lang="en-US"/>
           </a:p>
@@ -6129,7 +11168,7 @@
           <a:p>
             <a:fld id="{C30308E4-9E2D-4017-B3F5-BD0C38462F30}" type="datetimeFigureOut">
               <a:rPr lang="en-US" smtClean="0"/>
-              <a:t>12/1/15</a:t>
+              <a:t>12/2/2015</a:t>
             </a:fld>
             <a:endParaRPr lang="en-US"/>
           </a:p>
@@ -6224,7 +11263,7 @@
           <a:p>
             <a:fld id="{C30308E4-9E2D-4017-B3F5-BD0C38462F30}" type="datetimeFigureOut">
               <a:rPr lang="en-US" smtClean="0"/>
-              <a:t>12/1/15</a:t>
+              <a:t>12/2/2015</a:t>
             </a:fld>
             <a:endParaRPr lang="en-US"/>
           </a:p>
@@ -6501,7 +11540,7 @@
           <a:p>
             <a:fld id="{C30308E4-9E2D-4017-B3F5-BD0C38462F30}" type="datetimeFigureOut">
               <a:rPr lang="en-US" smtClean="0"/>
-              <a:t>12/1/15</a:t>
+              <a:t>12/2/2015</a:t>
             </a:fld>
             <a:endParaRPr lang="en-US"/>
           </a:p>
@@ -6754,7 +11793,7 @@
           <a:p>
             <a:fld id="{C30308E4-9E2D-4017-B3F5-BD0C38462F30}" type="datetimeFigureOut">
               <a:rPr lang="en-US" smtClean="0"/>
-              <a:t>12/1/15</a:t>
+              <a:t>12/2/2015</a:t>
             </a:fld>
             <a:endParaRPr lang="en-US"/>
           </a:p>
@@ -6967,7 +12006,7 @@
           <a:p>
             <a:fld id="{C30308E4-9E2D-4017-B3F5-BD0C38462F30}" type="datetimeFigureOut">
               <a:rPr lang="en-US" smtClean="0"/>
-              <a:t>12/1/15</a:t>
+              <a:t>12/2/2015</a:t>
             </a:fld>
             <a:endParaRPr lang="en-US"/>
           </a:p>
@@ -7811,7 +12850,7 @@
         </p:xfrm>
         <a:graphic>
           <a:graphicData uri="http://schemas.openxmlformats.org/drawingml/2006/diagram">
-            <dgm:relIds xmlns:dgm="http://schemas.openxmlformats.org/drawingml/2006/diagram" xmlns:r="http://schemas.openxmlformats.org/officeDocument/2006/relationships" r:dm="rId2" r:lo="rId3" r:qs="rId4" r:cs="rId5"/>
+            <dgm:relIds xmlns:dgm="http://schemas.openxmlformats.org/drawingml/2006/diagram" xmlns:r="http://schemas.openxmlformats.org/officeDocument/2006/relationships" r:dm="rId3" r:lo="rId4" r:qs="rId5" r:cs="rId6"/>
           </a:graphicData>
         </a:graphic>
       </p:graphicFrame>
@@ -7829,6 +12868,61 @@
 </file>
 
 <file path=ppt/slides/slide3.xml><?xml version="1.0" encoding="utf-8"?>
+<p:sld xmlns:a="http://schemas.openxmlformats.org/drawingml/2006/main" xmlns:r="http://schemas.openxmlformats.org/officeDocument/2006/relationships" xmlns:p="http://schemas.openxmlformats.org/presentationml/2006/main">
+  <p:cSld>
+    <p:spTree>
+      <p:nvGrpSpPr>
+        <p:cNvPr id="1" name=""/>
+        <p:cNvGrpSpPr/>
+        <p:nvPr/>
+      </p:nvGrpSpPr>
+      <p:grpSpPr>
+        <a:xfrm>
+          <a:off x="0" y="0"/>
+          <a:ext cx="0" cy="0"/>
+          <a:chOff x="0" y="0"/>
+          <a:chExt cx="0" cy="0"/>
+        </a:xfrm>
+      </p:grpSpPr>
+      <p:graphicFrame>
+        <p:nvGraphicFramePr>
+          <p:cNvPr id="4" name="Content Placeholder 3"/>
+          <p:cNvGraphicFramePr>
+            <a:graphicFrameLocks noGrp="1"/>
+          </p:cNvGraphicFramePr>
+          <p:nvPr>
+            <p:ph idx="1"/>
+            <p:extLst>
+              <p:ext uri="{D42A27DB-BD31-4B8C-83A1-F6EECF244321}">
+                <p14:modId xmlns:p14="http://schemas.microsoft.com/office/powerpoint/2010/main" val="547742709"/>
+              </p:ext>
+            </p:extLst>
+          </p:nvPr>
+        </p:nvGraphicFramePr>
+        <p:xfrm>
+          <a:off x="507076" y="166255"/>
+          <a:ext cx="10846724" cy="6591992"/>
+        </p:xfrm>
+        <a:graphic>
+          <a:graphicData uri="http://schemas.openxmlformats.org/drawingml/2006/diagram">
+            <dgm:relIds xmlns:dgm="http://schemas.openxmlformats.org/drawingml/2006/diagram" xmlns:r="http://schemas.openxmlformats.org/officeDocument/2006/relationships" r:dm="rId3" r:lo="rId4" r:qs="rId5" r:cs="rId6"/>
+          </a:graphicData>
+        </a:graphic>
+      </p:graphicFrame>
+    </p:spTree>
+    <p:extLst>
+      <p:ext uri="{BB962C8B-B14F-4D97-AF65-F5344CB8AC3E}">
+        <p14:creationId xmlns:p14="http://schemas.microsoft.com/office/powerpoint/2010/main" val="3690297024"/>
+      </p:ext>
+    </p:extLst>
+  </p:cSld>
+  <p:clrMapOvr>
+    <a:masterClrMapping/>
+  </p:clrMapOvr>
+</p:sld>
+</file>
+
+<file path=ppt/slides/slide4.xml><?xml version="1.0" encoding="utf-8"?>
 <p:sld xmlns:a="http://schemas.openxmlformats.org/drawingml/2006/main" xmlns:r="http://schemas.openxmlformats.org/officeDocument/2006/relationships" xmlns:p="http://schemas.openxmlformats.org/presentationml/2006/main">
   <p:cSld>
     <p:spTree>
@@ -8166,7 +13260,7 @@
 </p:sld>
 </file>
 
-<file path=ppt/slides/slide4.xml><?xml version="1.0" encoding="utf-8"?>
+<file path=ppt/slides/slide5.xml><?xml version="1.0" encoding="utf-8"?>
 <p:sld xmlns:a="http://schemas.openxmlformats.org/drawingml/2006/main" xmlns:r="http://schemas.openxmlformats.org/officeDocument/2006/relationships" xmlns:p="http://schemas.openxmlformats.org/presentationml/2006/main">
   <p:cSld>
     <p:spTree>
@@ -8483,266 +13577,6 @@
     <p:extLst>
       <p:ext uri="{BB962C8B-B14F-4D97-AF65-F5344CB8AC3E}">
         <p14:creationId xmlns:p14="http://schemas.microsoft.com/office/powerpoint/2010/main" val="2026245421"/>
-      </p:ext>
-    </p:extLst>
-  </p:cSld>
-  <p:clrMapOvr>
-    <a:masterClrMapping/>
-  </p:clrMapOvr>
-</p:sld>
-</file>
-
-<file path=ppt/slides/slide5.xml><?xml version="1.0" encoding="utf-8"?>
-<p:sld xmlns:a="http://schemas.openxmlformats.org/drawingml/2006/main" xmlns:r="http://schemas.openxmlformats.org/officeDocument/2006/relationships" xmlns:p="http://schemas.openxmlformats.org/presentationml/2006/main">
-  <p:cSld>
-    <p:spTree>
-      <p:nvGrpSpPr>
-        <p:cNvPr id="1" name=""/>
-        <p:cNvGrpSpPr/>
-        <p:nvPr/>
-      </p:nvGrpSpPr>
-      <p:grpSpPr>
-        <a:xfrm>
-          <a:off x="0" y="0"/>
-          <a:ext cx="0" cy="0"/>
-          <a:chOff x="0" y="0"/>
-          <a:chExt cx="0" cy="0"/>
-        </a:xfrm>
-      </p:grpSpPr>
-      <p:sp>
-        <p:nvSpPr>
-          <p:cNvPr id="4" name="Rectangle 3"/>
-          <p:cNvSpPr/>
-          <p:nvPr/>
-        </p:nvSpPr>
-        <p:spPr>
-          <a:xfrm>
-            <a:off x="1134684" y="665019"/>
-            <a:ext cx="5357556" cy="2522914"/>
-          </a:xfrm>
-          <a:prstGeom prst="rect">
-            <a:avLst/>
-          </a:prstGeom>
-        </p:spPr>
-        <p:style>
-          <a:lnRef idx="2">
-            <a:schemeClr val="accent1">
-              <a:shade val="50000"/>
-            </a:schemeClr>
-          </a:lnRef>
-          <a:fillRef idx="1">
-            <a:schemeClr val="accent1"/>
-          </a:fillRef>
-          <a:effectRef idx="0">
-            <a:schemeClr val="accent1"/>
-          </a:effectRef>
-          <a:fontRef idx="minor">
-            <a:schemeClr val="lt1"/>
-          </a:fontRef>
-        </p:style>
-        <p:txBody>
-          <a:bodyPr rtlCol="0" anchor="ctr"/>
-          <a:lstStyle/>
-          <a:p>
-            <a:pPr algn="ctr"/>
-            <a:r>
-              <a:rPr lang="en-US" dirty="0" smtClean="0"/>
-              <a:t>Image + content + links to guide user</a:t>
-            </a:r>
-          </a:p>
-          <a:p>
-            <a:pPr algn="ctr"/>
-            <a:r>
-              <a:rPr lang="en-US" dirty="0" smtClean="0"/>
-              <a:t>Swipe left to view more content</a:t>
-            </a:r>
-          </a:p>
-        </p:txBody>
-      </p:sp>
-      <p:sp>
-        <p:nvSpPr>
-          <p:cNvPr id="8" name="Rectangle 7"/>
-          <p:cNvSpPr/>
-          <p:nvPr/>
-        </p:nvSpPr>
-        <p:spPr>
-          <a:xfrm>
-            <a:off x="1134684" y="3559829"/>
-            <a:ext cx="5357556" cy="448888"/>
-          </a:xfrm>
-          <a:prstGeom prst="rect">
-            <a:avLst/>
-          </a:prstGeom>
-        </p:spPr>
-        <p:style>
-          <a:lnRef idx="2">
-            <a:schemeClr val="accent1">
-              <a:shade val="50000"/>
-            </a:schemeClr>
-          </a:lnRef>
-          <a:fillRef idx="1">
-            <a:schemeClr val="accent1"/>
-          </a:fillRef>
-          <a:effectRef idx="0">
-            <a:schemeClr val="accent1"/>
-          </a:effectRef>
-          <a:fontRef idx="minor">
-            <a:schemeClr val="lt1"/>
-          </a:fontRef>
-        </p:style>
-        <p:txBody>
-          <a:bodyPr rtlCol="0" anchor="ctr"/>
-          <a:lstStyle/>
-          <a:p>
-            <a:pPr algn="ctr"/>
-            <a:r>
-              <a:rPr lang="en-US" dirty="0" smtClean="0"/>
-              <a:t>Footer (Persistent)</a:t>
-            </a:r>
-          </a:p>
-        </p:txBody>
-      </p:sp>
-      <p:sp>
-        <p:nvSpPr>
-          <p:cNvPr id="9" name="Rectangle 8"/>
-          <p:cNvSpPr/>
-          <p:nvPr/>
-        </p:nvSpPr>
-        <p:spPr>
-          <a:xfrm>
-            <a:off x="1134684" y="74815"/>
-            <a:ext cx="5357556" cy="565265"/>
-          </a:xfrm>
-          <a:prstGeom prst="rect">
-            <a:avLst/>
-          </a:prstGeom>
-        </p:spPr>
-        <p:style>
-          <a:lnRef idx="2">
-            <a:schemeClr val="accent1">
-              <a:shade val="50000"/>
-            </a:schemeClr>
-          </a:lnRef>
-          <a:fillRef idx="1">
-            <a:schemeClr val="accent1"/>
-          </a:fillRef>
-          <a:effectRef idx="0">
-            <a:schemeClr val="accent1"/>
-          </a:effectRef>
-          <a:fontRef idx="minor">
-            <a:schemeClr val="lt1"/>
-          </a:fontRef>
-        </p:style>
-        <p:txBody>
-          <a:bodyPr rtlCol="0" anchor="ctr"/>
-          <a:lstStyle/>
-          <a:p>
-            <a:pPr algn="ctr"/>
-            <a:r>
-              <a:rPr lang="en-US" dirty="0" smtClean="0"/>
-              <a:t>Heading</a:t>
-            </a:r>
-          </a:p>
-        </p:txBody>
-      </p:sp>
-      <p:sp>
-        <p:nvSpPr>
-          <p:cNvPr id="10" name="Rectangle 9"/>
-          <p:cNvSpPr/>
-          <p:nvPr/>
-        </p:nvSpPr>
-        <p:spPr>
-          <a:xfrm>
-            <a:off x="1134684" y="49877"/>
-            <a:ext cx="635927" cy="548640"/>
-          </a:xfrm>
-          <a:prstGeom prst="rect">
-            <a:avLst/>
-          </a:prstGeom>
-        </p:spPr>
-        <p:style>
-          <a:lnRef idx="2">
-            <a:schemeClr val="accent1">
-              <a:shade val="50000"/>
-            </a:schemeClr>
-          </a:lnRef>
-          <a:fillRef idx="1">
-            <a:schemeClr val="accent1"/>
-          </a:fillRef>
-          <a:effectRef idx="0">
-            <a:schemeClr val="accent1"/>
-          </a:effectRef>
-          <a:fontRef idx="minor">
-            <a:schemeClr val="lt1"/>
-          </a:fontRef>
-        </p:style>
-        <p:txBody>
-          <a:bodyPr rtlCol="0" anchor="ctr"/>
-          <a:lstStyle/>
-          <a:p>
-            <a:pPr algn="ctr"/>
-            <a:r>
-              <a:rPr lang="en-US" dirty="0" smtClean="0"/>
-              <a:t>Logo</a:t>
-            </a:r>
-          </a:p>
-        </p:txBody>
-      </p:sp>
-      <p:sp>
-        <p:nvSpPr>
-          <p:cNvPr id="6" name="Rectangle 5"/>
-          <p:cNvSpPr/>
-          <p:nvPr/>
-        </p:nvSpPr>
-        <p:spPr>
-          <a:xfrm>
-            <a:off x="5536540" y="72571"/>
-            <a:ext cx="955700" cy="708956"/>
-          </a:xfrm>
-          <a:prstGeom prst="rect">
-            <a:avLst/>
-          </a:prstGeom>
-        </p:spPr>
-        <p:style>
-          <a:lnRef idx="2">
-            <a:schemeClr val="accent1">
-              <a:shade val="50000"/>
-            </a:schemeClr>
-          </a:lnRef>
-          <a:fillRef idx="1">
-            <a:schemeClr val="accent1"/>
-          </a:fillRef>
-          <a:effectRef idx="0">
-            <a:schemeClr val="accent1"/>
-          </a:effectRef>
-          <a:fontRef idx="minor">
-            <a:schemeClr val="lt1"/>
-          </a:fontRef>
-        </p:style>
-        <p:txBody>
-          <a:bodyPr rtlCol="0" anchor="ctr"/>
-          <a:lstStyle/>
-          <a:p>
-            <a:pPr algn="ctr"/>
-            <a:r>
-              <a:rPr lang="en-US" dirty="0" err="1" smtClean="0"/>
-              <a:t>Nav</a:t>
-            </a:r>
-            <a:r>
-              <a:rPr lang="en-US" dirty="0" smtClean="0"/>
-              <a:t> button</a:t>
-            </a:r>
-          </a:p>
-          <a:p>
-            <a:pPr algn="ctr"/>
-            <a:endParaRPr lang="en-US" dirty="0" smtClean="0"/>
-          </a:p>
-        </p:txBody>
-      </p:sp>
-    </p:spTree>
-    <p:extLst>
-      <p:ext uri="{BB962C8B-B14F-4D97-AF65-F5344CB8AC3E}">
-        <p14:creationId xmlns:p14="http://schemas.microsoft.com/office/powerpoint/2010/main" val="1641963927"/>
       </p:ext>
     </p:extLst>
   </p:cSld>
@@ -8809,7 +13643,266 @@
               <a:rPr lang="en-US" dirty="0" smtClean="0"/>
               <a:t>Image + content + links to guide user</a:t>
             </a:r>
+          </a:p>
+          <a:p>
+            <a:pPr algn="ctr"/>
+            <a:r>
+              <a:rPr lang="en-US" dirty="0" smtClean="0"/>
+              <a:t>Swipe left to view more content</a:t>
+            </a:r>
+          </a:p>
+        </p:txBody>
+      </p:sp>
+      <p:sp>
+        <p:nvSpPr>
+          <p:cNvPr id="8" name="Rectangle 7"/>
+          <p:cNvSpPr/>
+          <p:nvPr/>
+        </p:nvSpPr>
+        <p:spPr>
+          <a:xfrm>
+            <a:off x="1134684" y="3559829"/>
+            <a:ext cx="5357556" cy="448888"/>
+          </a:xfrm>
+          <a:prstGeom prst="rect">
+            <a:avLst/>
+          </a:prstGeom>
+        </p:spPr>
+        <p:style>
+          <a:lnRef idx="2">
+            <a:schemeClr val="accent1">
+              <a:shade val="50000"/>
+            </a:schemeClr>
+          </a:lnRef>
+          <a:fillRef idx="1">
+            <a:schemeClr val="accent1"/>
+          </a:fillRef>
+          <a:effectRef idx="0">
+            <a:schemeClr val="accent1"/>
+          </a:effectRef>
+          <a:fontRef idx="minor">
+            <a:schemeClr val="lt1"/>
+          </a:fontRef>
+        </p:style>
+        <p:txBody>
+          <a:bodyPr rtlCol="0" anchor="ctr"/>
+          <a:lstStyle/>
+          <a:p>
+            <a:pPr algn="ctr"/>
+            <a:r>
+              <a:rPr lang="en-US" dirty="0" smtClean="0"/>
+              <a:t>Footer (Persistent)</a:t>
+            </a:r>
+          </a:p>
+        </p:txBody>
+      </p:sp>
+      <p:sp>
+        <p:nvSpPr>
+          <p:cNvPr id="9" name="Rectangle 8"/>
+          <p:cNvSpPr/>
+          <p:nvPr/>
+        </p:nvSpPr>
+        <p:spPr>
+          <a:xfrm>
+            <a:off x="1134684" y="74815"/>
+            <a:ext cx="5357556" cy="565265"/>
+          </a:xfrm>
+          <a:prstGeom prst="rect">
+            <a:avLst/>
+          </a:prstGeom>
+        </p:spPr>
+        <p:style>
+          <a:lnRef idx="2">
+            <a:schemeClr val="accent1">
+              <a:shade val="50000"/>
+            </a:schemeClr>
+          </a:lnRef>
+          <a:fillRef idx="1">
+            <a:schemeClr val="accent1"/>
+          </a:fillRef>
+          <a:effectRef idx="0">
+            <a:schemeClr val="accent1"/>
+          </a:effectRef>
+          <a:fontRef idx="minor">
+            <a:schemeClr val="lt1"/>
+          </a:fontRef>
+        </p:style>
+        <p:txBody>
+          <a:bodyPr rtlCol="0" anchor="ctr"/>
+          <a:lstStyle/>
+          <a:p>
+            <a:pPr algn="ctr"/>
+            <a:r>
+              <a:rPr lang="en-US" dirty="0" smtClean="0"/>
+              <a:t>Heading</a:t>
+            </a:r>
+          </a:p>
+        </p:txBody>
+      </p:sp>
+      <p:sp>
+        <p:nvSpPr>
+          <p:cNvPr id="10" name="Rectangle 9"/>
+          <p:cNvSpPr/>
+          <p:nvPr/>
+        </p:nvSpPr>
+        <p:spPr>
+          <a:xfrm>
+            <a:off x="1134684" y="49877"/>
+            <a:ext cx="635927" cy="548640"/>
+          </a:xfrm>
+          <a:prstGeom prst="rect">
+            <a:avLst/>
+          </a:prstGeom>
+        </p:spPr>
+        <p:style>
+          <a:lnRef idx="2">
+            <a:schemeClr val="accent1">
+              <a:shade val="50000"/>
+            </a:schemeClr>
+          </a:lnRef>
+          <a:fillRef idx="1">
+            <a:schemeClr val="accent1"/>
+          </a:fillRef>
+          <a:effectRef idx="0">
+            <a:schemeClr val="accent1"/>
+          </a:effectRef>
+          <a:fontRef idx="minor">
+            <a:schemeClr val="lt1"/>
+          </a:fontRef>
+        </p:style>
+        <p:txBody>
+          <a:bodyPr rtlCol="0" anchor="ctr"/>
+          <a:lstStyle/>
+          <a:p>
+            <a:pPr algn="ctr"/>
+            <a:r>
+              <a:rPr lang="en-US" dirty="0" smtClean="0"/>
+              <a:t>Logo</a:t>
+            </a:r>
+          </a:p>
+        </p:txBody>
+      </p:sp>
+      <p:sp>
+        <p:nvSpPr>
+          <p:cNvPr id="6" name="Rectangle 5"/>
+          <p:cNvSpPr/>
+          <p:nvPr/>
+        </p:nvSpPr>
+        <p:spPr>
+          <a:xfrm>
+            <a:off x="5536540" y="72571"/>
+            <a:ext cx="955700" cy="708956"/>
+          </a:xfrm>
+          <a:prstGeom prst="rect">
+            <a:avLst/>
+          </a:prstGeom>
+        </p:spPr>
+        <p:style>
+          <a:lnRef idx="2">
+            <a:schemeClr val="accent1">
+              <a:shade val="50000"/>
+            </a:schemeClr>
+          </a:lnRef>
+          <a:fillRef idx="1">
+            <a:schemeClr val="accent1"/>
+          </a:fillRef>
+          <a:effectRef idx="0">
+            <a:schemeClr val="accent1"/>
+          </a:effectRef>
+          <a:fontRef idx="minor">
+            <a:schemeClr val="lt1"/>
+          </a:fontRef>
+        </p:style>
+        <p:txBody>
+          <a:bodyPr rtlCol="0" anchor="ctr"/>
+          <a:lstStyle/>
+          <a:p>
+            <a:pPr algn="ctr"/>
+            <a:r>
+              <a:rPr lang="en-US" dirty="0" err="1" smtClean="0"/>
+              <a:t>Nav</a:t>
+            </a:r>
+            <a:r>
+              <a:rPr lang="en-US" dirty="0" smtClean="0"/>
+              <a:t> button</a:t>
+            </a:r>
+          </a:p>
+          <a:p>
+            <a:pPr algn="ctr"/>
             <a:endParaRPr lang="en-US" dirty="0" smtClean="0"/>
+          </a:p>
+        </p:txBody>
+      </p:sp>
+    </p:spTree>
+    <p:extLst>
+      <p:ext uri="{BB962C8B-B14F-4D97-AF65-F5344CB8AC3E}">
+        <p14:creationId xmlns:p14="http://schemas.microsoft.com/office/powerpoint/2010/main" val="1641963927"/>
+      </p:ext>
+    </p:extLst>
+  </p:cSld>
+  <p:clrMapOvr>
+    <a:masterClrMapping/>
+  </p:clrMapOvr>
+</p:sld>
+</file>
+
+<file path=ppt/slides/slide7.xml><?xml version="1.0" encoding="utf-8"?>
+<p:sld xmlns:a="http://schemas.openxmlformats.org/drawingml/2006/main" xmlns:r="http://schemas.openxmlformats.org/officeDocument/2006/relationships" xmlns:p="http://schemas.openxmlformats.org/presentationml/2006/main">
+  <p:cSld>
+    <p:spTree>
+      <p:nvGrpSpPr>
+        <p:cNvPr id="1" name=""/>
+        <p:cNvGrpSpPr/>
+        <p:nvPr/>
+      </p:nvGrpSpPr>
+      <p:grpSpPr>
+        <a:xfrm>
+          <a:off x="0" y="0"/>
+          <a:ext cx="0" cy="0"/>
+          <a:chOff x="0" y="0"/>
+          <a:chExt cx="0" cy="0"/>
+        </a:xfrm>
+      </p:grpSpPr>
+      <p:sp>
+        <p:nvSpPr>
+          <p:cNvPr id="4" name="Rectangle 3"/>
+          <p:cNvSpPr/>
+          <p:nvPr/>
+        </p:nvSpPr>
+        <p:spPr>
+          <a:xfrm>
+            <a:off x="1134684" y="665019"/>
+            <a:ext cx="5357556" cy="2522914"/>
+          </a:xfrm>
+          <a:prstGeom prst="rect">
+            <a:avLst/>
+          </a:prstGeom>
+        </p:spPr>
+        <p:style>
+          <a:lnRef idx="2">
+            <a:schemeClr val="accent1">
+              <a:shade val="50000"/>
+            </a:schemeClr>
+          </a:lnRef>
+          <a:fillRef idx="1">
+            <a:schemeClr val="accent1"/>
+          </a:fillRef>
+          <a:effectRef idx="0">
+            <a:schemeClr val="accent1"/>
+          </a:effectRef>
+          <a:fontRef idx="minor">
+            <a:schemeClr val="lt1"/>
+          </a:fontRef>
+        </p:style>
+        <p:txBody>
+          <a:bodyPr rtlCol="0" anchor="ctr"/>
+          <a:lstStyle/>
+          <a:p>
+            <a:pPr algn="ctr"/>
+            <a:r>
+              <a:rPr lang="en-US" dirty="0" smtClean="0"/>
+              <a:t>Image + content + links to guide user</a:t>
+            </a:r>
           </a:p>
         </p:txBody>
       </p:sp>
@@ -8857,7 +13950,6 @@
               <a:rPr lang="en-US" dirty="0" smtClean="0"/>
               <a:t> + content + links to guide user</a:t>
             </a:r>
-            <a:endParaRPr lang="en-US" dirty="0" smtClean="0"/>
           </a:p>
         </p:txBody>
       </p:sp>
@@ -9313,4 +14405,265 @@
     </a:ext>
   </a:extLst>
 </a:theme>
+</file>
+
+<file path=ppt/theme/theme2.xml><?xml version="1.0" encoding="utf-8"?>
+<a:theme xmlns:a="http://schemas.openxmlformats.org/drawingml/2006/main" name="Office Theme">
+  <a:themeElements>
+    <a:clrScheme name="Office">
+      <a:dk1>
+        <a:sysClr val="windowText" lastClr="000000"/>
+      </a:dk1>
+      <a:lt1>
+        <a:sysClr val="window" lastClr="FFFFFF"/>
+      </a:lt1>
+      <a:dk2>
+        <a:srgbClr val="44546A"/>
+      </a:dk2>
+      <a:lt2>
+        <a:srgbClr val="E7E6E6"/>
+      </a:lt2>
+      <a:accent1>
+        <a:srgbClr val="5B9BD5"/>
+      </a:accent1>
+      <a:accent2>
+        <a:srgbClr val="ED7D31"/>
+      </a:accent2>
+      <a:accent3>
+        <a:srgbClr val="A5A5A5"/>
+      </a:accent3>
+      <a:accent4>
+        <a:srgbClr val="FFC000"/>
+      </a:accent4>
+      <a:accent5>
+        <a:srgbClr val="4472C4"/>
+      </a:accent5>
+      <a:accent6>
+        <a:srgbClr val="70AD47"/>
+      </a:accent6>
+      <a:hlink>
+        <a:srgbClr val="0563C1"/>
+      </a:hlink>
+      <a:folHlink>
+        <a:srgbClr val="954F72"/>
+      </a:folHlink>
+    </a:clrScheme>
+    <a:fontScheme name="Office">
+      <a:majorFont>
+        <a:latin typeface="Calibri Light" panose="020F0302020204030204"/>
+        <a:ea typeface=""/>
+        <a:cs typeface=""/>
+        <a:font script="Jpan" typeface="游ゴシック Light"/>
+        <a:font script="Hang" typeface="맑은 고딕"/>
+        <a:font script="Hans" typeface="等线 Light"/>
+        <a:font script="Hant" typeface="新細明體"/>
+        <a:font script="Arab" typeface="Times New Roman"/>
+        <a:font script="Hebr" typeface="Times New Roman"/>
+        <a:font script="Thai" typeface="Angsana New"/>
+        <a:font script="Ethi" typeface="Nyala"/>
+        <a:font script="Beng" typeface="Vrinda"/>
+        <a:font script="Gujr" typeface="Shruti"/>
+        <a:font script="Khmr" typeface="MoolBoran"/>
+        <a:font script="Knda" typeface="Tunga"/>
+        <a:font script="Guru" typeface="Raavi"/>
+        <a:font script="Cans" typeface="Euphemia"/>
+        <a:font script="Cher" typeface="Plantagenet Cherokee"/>
+        <a:font script="Yiii" typeface="Microsoft Yi Baiti"/>
+        <a:font script="Tibt" typeface="Microsoft Himalaya"/>
+        <a:font script="Thaa" typeface="MV Boli"/>
+        <a:font script="Deva" typeface="Mangal"/>
+        <a:font script="Telu" typeface="Gautami"/>
+        <a:font script="Taml" typeface="Latha"/>
+        <a:font script="Syrc" typeface="Estrangelo Edessa"/>
+        <a:font script="Orya" typeface="Kalinga"/>
+        <a:font script="Mlym" typeface="Kartika"/>
+        <a:font script="Laoo" typeface="DokChampa"/>
+        <a:font script="Sinh" typeface="Iskoola Pota"/>
+        <a:font script="Mong" typeface="Mongolian Baiti"/>
+        <a:font script="Viet" typeface="Times New Roman"/>
+        <a:font script="Uigh" typeface="Microsoft Uighur"/>
+        <a:font script="Geor" typeface="Sylfaen"/>
+      </a:majorFont>
+      <a:minorFont>
+        <a:latin typeface="Calibri" panose="020F0502020204030204"/>
+        <a:ea typeface=""/>
+        <a:cs typeface=""/>
+        <a:font script="Jpan" typeface="游ゴシック"/>
+        <a:font script="Hang" typeface="맑은 고딕"/>
+        <a:font script="Hans" typeface="等线"/>
+        <a:font script="Hant" typeface="新細明體"/>
+        <a:font script="Arab" typeface="Arial"/>
+        <a:font script="Hebr" typeface="Arial"/>
+        <a:font script="Thai" typeface="Cordia New"/>
+        <a:font script="Ethi" typeface="Nyala"/>
+        <a:font script="Beng" typeface="Vrinda"/>
+        <a:font script="Gujr" typeface="Shruti"/>
+        <a:font script="Khmr" typeface="DaunPenh"/>
+        <a:font script="Knda" typeface="Tunga"/>
+        <a:font script="Guru" typeface="Raavi"/>
+        <a:font script="Cans" typeface="Euphemia"/>
+        <a:font script="Cher" typeface="Plantagenet Cherokee"/>
+        <a:font script="Yiii" typeface="Microsoft Yi Baiti"/>
+        <a:font script="Tibt" typeface="Microsoft Himalaya"/>
+        <a:font script="Thaa" typeface="MV Boli"/>
+        <a:font script="Deva" typeface="Mangal"/>
+        <a:font script="Telu" typeface="Gautami"/>
+        <a:font script="Taml" typeface="Latha"/>
+        <a:font script="Syrc" typeface="Estrangelo Edessa"/>
+        <a:font script="Orya" typeface="Kalinga"/>
+        <a:font script="Mlym" typeface="Kartika"/>
+        <a:font script="Laoo" typeface="DokChampa"/>
+        <a:font script="Sinh" typeface="Iskoola Pota"/>
+        <a:font script="Mong" typeface="Mongolian Baiti"/>
+        <a:font script="Viet" typeface="Arial"/>
+        <a:font script="Uigh" typeface="Microsoft Uighur"/>
+        <a:font script="Geor" typeface="Sylfaen"/>
+      </a:minorFont>
+    </a:fontScheme>
+    <a:fmtScheme name="Office">
+      <a:fillStyleLst>
+        <a:solidFill>
+          <a:schemeClr val="phClr"/>
+        </a:solidFill>
+        <a:gradFill rotWithShape="1">
+          <a:gsLst>
+            <a:gs pos="0">
+              <a:schemeClr val="phClr">
+                <a:lumMod val="110000"/>
+                <a:satMod val="105000"/>
+                <a:tint val="67000"/>
+              </a:schemeClr>
+            </a:gs>
+            <a:gs pos="50000">
+              <a:schemeClr val="phClr">
+                <a:lumMod val="105000"/>
+                <a:satMod val="103000"/>
+                <a:tint val="73000"/>
+              </a:schemeClr>
+            </a:gs>
+            <a:gs pos="100000">
+              <a:schemeClr val="phClr">
+                <a:lumMod val="105000"/>
+                <a:satMod val="109000"/>
+                <a:tint val="81000"/>
+              </a:schemeClr>
+            </a:gs>
+          </a:gsLst>
+          <a:lin ang="5400000" scaled="0"/>
+        </a:gradFill>
+        <a:gradFill rotWithShape="1">
+          <a:gsLst>
+            <a:gs pos="0">
+              <a:schemeClr val="phClr">
+                <a:satMod val="103000"/>
+                <a:lumMod val="102000"/>
+                <a:tint val="94000"/>
+              </a:schemeClr>
+            </a:gs>
+            <a:gs pos="50000">
+              <a:schemeClr val="phClr">
+                <a:satMod val="110000"/>
+                <a:lumMod val="100000"/>
+                <a:shade val="100000"/>
+              </a:schemeClr>
+            </a:gs>
+            <a:gs pos="100000">
+              <a:schemeClr val="phClr">
+                <a:lumMod val="99000"/>
+                <a:satMod val="120000"/>
+                <a:shade val="78000"/>
+              </a:schemeClr>
+            </a:gs>
+          </a:gsLst>
+          <a:lin ang="5400000" scaled="0"/>
+        </a:gradFill>
+      </a:fillStyleLst>
+      <a:lnStyleLst>
+        <a:ln w="6350" cap="flat" cmpd="sng" algn="ctr">
+          <a:solidFill>
+            <a:schemeClr val="phClr"/>
+          </a:solidFill>
+          <a:prstDash val="solid"/>
+          <a:miter lim="800000"/>
+        </a:ln>
+        <a:ln w="12700" cap="flat" cmpd="sng" algn="ctr">
+          <a:solidFill>
+            <a:schemeClr val="phClr"/>
+          </a:solidFill>
+          <a:prstDash val="solid"/>
+          <a:miter lim="800000"/>
+        </a:ln>
+        <a:ln w="19050" cap="flat" cmpd="sng" algn="ctr">
+          <a:solidFill>
+            <a:schemeClr val="phClr"/>
+          </a:solidFill>
+          <a:prstDash val="solid"/>
+          <a:miter lim="800000"/>
+        </a:ln>
+      </a:lnStyleLst>
+      <a:effectStyleLst>
+        <a:effectStyle>
+          <a:effectLst/>
+        </a:effectStyle>
+        <a:effectStyle>
+          <a:effectLst/>
+        </a:effectStyle>
+        <a:effectStyle>
+          <a:effectLst>
+            <a:outerShdw blurRad="57150" dist="19050" dir="5400000" algn="ctr" rotWithShape="0">
+              <a:srgbClr val="000000">
+                <a:alpha val="63000"/>
+              </a:srgbClr>
+            </a:outerShdw>
+          </a:effectLst>
+        </a:effectStyle>
+      </a:effectStyleLst>
+      <a:bgFillStyleLst>
+        <a:solidFill>
+          <a:schemeClr val="phClr"/>
+        </a:solidFill>
+        <a:solidFill>
+          <a:schemeClr val="phClr">
+            <a:tint val="95000"/>
+            <a:satMod val="170000"/>
+          </a:schemeClr>
+        </a:solidFill>
+        <a:gradFill rotWithShape="1">
+          <a:gsLst>
+            <a:gs pos="0">
+              <a:schemeClr val="phClr">
+                <a:tint val="93000"/>
+                <a:satMod val="150000"/>
+                <a:shade val="98000"/>
+                <a:lumMod val="102000"/>
+              </a:schemeClr>
+            </a:gs>
+            <a:gs pos="50000">
+              <a:schemeClr val="phClr">
+                <a:tint val="98000"/>
+                <a:satMod val="130000"/>
+                <a:shade val="90000"/>
+                <a:lumMod val="103000"/>
+              </a:schemeClr>
+            </a:gs>
+            <a:gs pos="100000">
+              <a:schemeClr val="phClr">
+                <a:shade val="63000"/>
+                <a:satMod val="120000"/>
+              </a:schemeClr>
+            </a:gs>
+          </a:gsLst>
+          <a:lin ang="5400000" scaled="0"/>
+        </a:gradFill>
+      </a:bgFillStyleLst>
+    </a:fmtScheme>
+  </a:themeElements>
+  <a:objectDefaults/>
+  <a:extraClrSchemeLst/>
+  <a:extLst>
+    <a:ext uri="{05A4C25C-085E-4340-85A3-A5531E510DB2}">
+      <thm15:themeFamily xmlns:thm15="http://schemas.microsoft.com/office/thememl/2012/main" name="Office Theme" id="{62F939B6-93AF-4DB8-9C6B-D6C7DFDC589F}" vid="{4A3C46E8-61CC-4603-A589-7422A47A8E4A}"/>
+    </a:ext>
+  </a:extLst>
+</a:theme>
 </file>